--- a/4 Sci Fair Slide Presentation/2025 Mathematics_Computer Science  Presentation Template.pptx
+++ b/4 Sci Fair Slide Presentation/2025 Mathematics_Computer Science  Presentation Template.pptx
@@ -1,25 +1,25 @@
 
 <file path=ppt/presentation.xml><?xml version="1.0" encoding="utf-8"?>
-<p:presentation xmlns:a="http://schemas.openxmlformats.org/drawingml/2006/main" xmlns:r="http://schemas.openxmlformats.org/officeDocument/2006/relationships" xmlns:mc="http://schemas.openxmlformats.org/markup-compatibility/2006" xmlns:mv="urn:schemas-microsoft-com:mac:vml" xmlns:p="http://schemas.openxmlformats.org/presentationml/2006/main" xmlns:c="http://schemas.openxmlformats.org/drawingml/2006/chart" xmlns:dgm="http://schemas.openxmlformats.org/drawingml/2006/diagram" xmlns:o="urn:schemas-microsoft-com:office:office" xmlns:v="urn:schemas-microsoft-com:vml" xmlns:pvml="urn:schemas-microsoft-com:office:powerpoint" xmlns:com="http://schemas.openxmlformats.org/drawingml/2006/compatibility" xmlns:p14="http://schemas.microsoft.com/office/powerpoint/2010/main" xmlns:p15="http://schemas.microsoft.com/office/powerpoint/2012/main" xmlns:ahyp="http://schemas.microsoft.com/office/drawing/2018/hyperlinkcolor" autoCompressPictures="0" strictFirstAndLastChars="0" saveSubsetFonts="1">
+<p:presentation xmlns:a="http://schemas.openxmlformats.org/drawingml/2006/main" xmlns:r="http://schemas.openxmlformats.org/officeDocument/2006/relationships" xmlns:p="http://schemas.openxmlformats.org/presentationml/2006/main" strictFirstAndLastChars="0" saveSubsetFonts="1" autoCompressPictures="0">
   <p:sldMasterIdLst>
-    <p:sldMasterId id="2147483659" r:id="rId4"/>
+    <p:sldMasterId id="2147483659" r:id="rId1"/>
   </p:sldMasterIdLst>
   <p:notesMasterIdLst>
-    <p:notesMasterId r:id="rId5"/>
+    <p:notesMasterId r:id="rId9"/>
   </p:notesMasterIdLst>
   <p:sldIdLst>
-    <p:sldId id="256" r:id="rId6"/>
-    <p:sldId id="257" r:id="rId7"/>
-    <p:sldId id="258" r:id="rId8"/>
-    <p:sldId id="259" r:id="rId9"/>
-    <p:sldId id="260" r:id="rId10"/>
-    <p:sldId id="261" r:id="rId11"/>
-    <p:sldId id="262" r:id="rId12"/>
+    <p:sldId id="256" r:id="rId2"/>
+    <p:sldId id="257" r:id="rId3"/>
+    <p:sldId id="258" r:id="rId4"/>
+    <p:sldId id="259" r:id="rId5"/>
+    <p:sldId id="260" r:id="rId6"/>
+    <p:sldId id="261" r:id="rId7"/>
+    <p:sldId id="262" r:id="rId8"/>
   </p:sldIdLst>
-  <p:sldSz cy="5143500" cx="9144000"/>
+  <p:sldSz cx="9144000" cy="5143500" type="screen16x9"/>
   <p:notesSz cx="6858000" cy="9144000"/>
   <p:defaultTextStyle>
-    <a:defPPr lvl="0" marR="0" rtl="0" algn="l">
+    <a:defPPr marR="0" lvl="0" algn="l" rtl="0">
       <a:lnSpc>
         <a:spcPct val="100000"/>
       </a:lnSpc>
@@ -30,7 +30,7 @@
         <a:spcPts val="0"/>
       </a:spcAft>
     </a:defPPr>
-    <a:lvl1pPr lvl="0" marR="0" rtl="0" algn="l">
+    <a:lvl1pPr marR="0" lvl="0" algn="l" rtl="0">
       <a:lnSpc>
         <a:spcPct val="100000"/>
       </a:lnSpc>
@@ -44,7 +44,7 @@
         <a:srgbClr val="000000"/>
       </a:buClr>
       <a:buFont typeface="Arial"/>
-      <a:defRPr b="0" i="0" sz="1400" u="none" cap="none" strike="noStrike">
+      <a:defRPr sz="1400" b="0" i="0" u="none" strike="noStrike" cap="none">
         <a:solidFill>
           <a:srgbClr val="000000"/>
         </a:solidFill>
@@ -54,7 +54,7 @@
         <a:sym typeface="Arial"/>
       </a:defRPr>
     </a:lvl1pPr>
-    <a:lvl2pPr lvl="1" marR="0" rtl="0" algn="l">
+    <a:lvl2pPr marR="0" lvl="1" algn="l" rtl="0">
       <a:lnSpc>
         <a:spcPct val="100000"/>
       </a:lnSpc>
@@ -68,7 +68,7 @@
         <a:srgbClr val="000000"/>
       </a:buClr>
       <a:buFont typeface="Arial"/>
-      <a:defRPr b="0" i="0" sz="1400" u="none" cap="none" strike="noStrike">
+      <a:defRPr sz="1400" b="0" i="0" u="none" strike="noStrike" cap="none">
         <a:solidFill>
           <a:srgbClr val="000000"/>
         </a:solidFill>
@@ -78,7 +78,7 @@
         <a:sym typeface="Arial"/>
       </a:defRPr>
     </a:lvl2pPr>
-    <a:lvl3pPr lvl="2" marR="0" rtl="0" algn="l">
+    <a:lvl3pPr marR="0" lvl="2" algn="l" rtl="0">
       <a:lnSpc>
         <a:spcPct val="100000"/>
       </a:lnSpc>
@@ -92,7 +92,7 @@
         <a:srgbClr val="000000"/>
       </a:buClr>
       <a:buFont typeface="Arial"/>
-      <a:defRPr b="0" i="0" sz="1400" u="none" cap="none" strike="noStrike">
+      <a:defRPr sz="1400" b="0" i="0" u="none" strike="noStrike" cap="none">
         <a:solidFill>
           <a:srgbClr val="000000"/>
         </a:solidFill>
@@ -102,7 +102,7 @@
         <a:sym typeface="Arial"/>
       </a:defRPr>
     </a:lvl3pPr>
-    <a:lvl4pPr lvl="3" marR="0" rtl="0" algn="l">
+    <a:lvl4pPr marR="0" lvl="3" algn="l" rtl="0">
       <a:lnSpc>
         <a:spcPct val="100000"/>
       </a:lnSpc>
@@ -116,7 +116,7 @@
         <a:srgbClr val="000000"/>
       </a:buClr>
       <a:buFont typeface="Arial"/>
-      <a:defRPr b="0" i="0" sz="1400" u="none" cap="none" strike="noStrike">
+      <a:defRPr sz="1400" b="0" i="0" u="none" strike="noStrike" cap="none">
         <a:solidFill>
           <a:srgbClr val="000000"/>
         </a:solidFill>
@@ -126,7 +126,7 @@
         <a:sym typeface="Arial"/>
       </a:defRPr>
     </a:lvl4pPr>
-    <a:lvl5pPr lvl="4" marR="0" rtl="0" algn="l">
+    <a:lvl5pPr marR="0" lvl="4" algn="l" rtl="0">
       <a:lnSpc>
         <a:spcPct val="100000"/>
       </a:lnSpc>
@@ -140,7 +140,7 @@
         <a:srgbClr val="000000"/>
       </a:buClr>
       <a:buFont typeface="Arial"/>
-      <a:defRPr b="0" i="0" sz="1400" u="none" cap="none" strike="noStrike">
+      <a:defRPr sz="1400" b="0" i="0" u="none" strike="noStrike" cap="none">
         <a:solidFill>
           <a:srgbClr val="000000"/>
         </a:solidFill>
@@ -150,7 +150,7 @@
         <a:sym typeface="Arial"/>
       </a:defRPr>
     </a:lvl5pPr>
-    <a:lvl6pPr lvl="5" marR="0" rtl="0" algn="l">
+    <a:lvl6pPr marR="0" lvl="5" algn="l" rtl="0">
       <a:lnSpc>
         <a:spcPct val="100000"/>
       </a:lnSpc>
@@ -164,7 +164,7 @@
         <a:srgbClr val="000000"/>
       </a:buClr>
       <a:buFont typeface="Arial"/>
-      <a:defRPr b="0" i="0" sz="1400" u="none" cap="none" strike="noStrike">
+      <a:defRPr sz="1400" b="0" i="0" u="none" strike="noStrike" cap="none">
         <a:solidFill>
           <a:srgbClr val="000000"/>
         </a:solidFill>
@@ -174,7 +174,7 @@
         <a:sym typeface="Arial"/>
       </a:defRPr>
     </a:lvl6pPr>
-    <a:lvl7pPr lvl="6" marR="0" rtl="0" algn="l">
+    <a:lvl7pPr marR="0" lvl="6" algn="l" rtl="0">
       <a:lnSpc>
         <a:spcPct val="100000"/>
       </a:lnSpc>
@@ -188,7 +188,7 @@
         <a:srgbClr val="000000"/>
       </a:buClr>
       <a:buFont typeface="Arial"/>
-      <a:defRPr b="0" i="0" sz="1400" u="none" cap="none" strike="noStrike">
+      <a:defRPr sz="1400" b="0" i="0" u="none" strike="noStrike" cap="none">
         <a:solidFill>
           <a:srgbClr val="000000"/>
         </a:solidFill>
@@ -198,7 +198,7 @@
         <a:sym typeface="Arial"/>
       </a:defRPr>
     </a:lvl7pPr>
-    <a:lvl8pPr lvl="7" marR="0" rtl="0" algn="l">
+    <a:lvl8pPr marR="0" lvl="7" algn="l" rtl="0">
       <a:lnSpc>
         <a:spcPct val="100000"/>
       </a:lnSpc>
@@ -212,7 +212,7 @@
         <a:srgbClr val="000000"/>
       </a:buClr>
       <a:buFont typeface="Arial"/>
-      <a:defRPr b="0" i="0" sz="1400" u="none" cap="none" strike="noStrike">
+      <a:defRPr sz="1400" b="0" i="0" u="none" strike="noStrike" cap="none">
         <a:solidFill>
           <a:srgbClr val="000000"/>
         </a:solidFill>
@@ -222,7 +222,7 @@
         <a:sym typeface="Arial"/>
       </a:defRPr>
     </a:lvl8pPr>
-    <a:lvl9pPr lvl="8" marR="0" rtl="0" algn="l">
+    <a:lvl9pPr marR="0" lvl="8" algn="l" rtl="0">
       <a:lnSpc>
         <a:spcPct val="100000"/>
       </a:lnSpc>
@@ -236,7 +236,7 @@
         <a:srgbClr val="000000"/>
       </a:buClr>
       <a:buFont typeface="Arial"/>
-      <a:defRPr b="0" i="0" sz="1400" u="none" cap="none" strike="noStrike">
+      <a:defRPr sz="1400" b="0" i="0" u="none" strike="noStrike" cap="none">
         <a:solidFill>
           <a:srgbClr val="000000"/>
         </a:solidFill>
@@ -249,7 +249,7 @@
   </p:defaultTextStyle>
   <p:extLst>
     <p:ext uri="{EFAFB233-063F-42B5-8137-9DF3F51BA10A}">
-      <p15:sldGuideLst>
+      <p15:sldGuideLst xmlns:ahyp="http://schemas.microsoft.com/office/drawing/2018/hyperlinkcolor" xmlns:p15="http://schemas.microsoft.com/office/powerpoint/2012/main" xmlns:p14="http://schemas.microsoft.com/office/powerpoint/2010/main" xmlns:com="http://schemas.openxmlformats.org/drawingml/2006/compatibility" xmlns:pvml="urn:schemas-microsoft-com:office:powerpoint" xmlns:v="urn:schemas-microsoft-com:vml" xmlns:o="urn:schemas-microsoft-com:office:office" xmlns:dgm="http://schemas.openxmlformats.org/drawingml/2006/diagram" xmlns:c="http://schemas.openxmlformats.org/drawingml/2006/chart" xmlns:mv="urn:schemas-microsoft-com:mac:vml" xmlns:mc="http://schemas.openxmlformats.org/markup-compatibility/2006" xmlns="">
         <p15:guide id="1" orient="horz" pos="1620">
           <p15:clr>
             <a:srgbClr val="A4A3A4"/>
@@ -267,11 +267,16 @@
 </file>
 
 <file path=ppt/notesMasters/notesMaster1.xml><?xml version="1.0" encoding="utf-8"?>
-<p:notesMaster xmlns:a="http://schemas.openxmlformats.org/drawingml/2006/main" xmlns:r="http://schemas.openxmlformats.org/officeDocument/2006/relationships" xmlns:mc="http://schemas.openxmlformats.org/markup-compatibility/2006" xmlns:mv="urn:schemas-microsoft-com:mac:vml" xmlns:p="http://schemas.openxmlformats.org/presentationml/2006/main" xmlns:c="http://schemas.openxmlformats.org/drawingml/2006/chart" xmlns:dgm="http://schemas.openxmlformats.org/drawingml/2006/diagram" xmlns:o="urn:schemas-microsoft-com:office:office" xmlns:v="urn:schemas-microsoft-com:vml" xmlns:pvml="urn:schemas-microsoft-com:office:powerpoint" xmlns:com="http://schemas.openxmlformats.org/drawingml/2006/compatibility" xmlns:p14="http://schemas.microsoft.com/office/powerpoint/2010/main" xmlns:p15="http://schemas.microsoft.com/office/powerpoint/2012/main" xmlns:ahyp="http://schemas.microsoft.com/office/drawing/2018/hyperlinkcolor">
+<p:notesMaster xmlns:a="http://schemas.openxmlformats.org/drawingml/2006/main" xmlns:r="http://schemas.openxmlformats.org/officeDocument/2006/relationships" xmlns:p="http://schemas.openxmlformats.org/presentationml/2006/main">
   <p:cSld>
+    <p:bg>
+      <p:bgRef idx="1001">
+        <a:schemeClr val="bg1"/>
+      </p:bgRef>
+    </p:bg>
     <p:spTree>
       <p:nvGrpSpPr>
-        <p:cNvPr id="2" name="Shape 2"/>
+        <p:cNvPr id="1" name="Shape 2"/>
         <p:cNvGrpSpPr/>
         <p:nvPr/>
       </p:nvGrpSpPr>
@@ -286,9 +291,11 @@
       <p:sp>
         <p:nvSpPr>
           <p:cNvPr id="3" name="Google Shape;3;n"/>
-          <p:cNvSpPr/>
+          <p:cNvSpPr>
+            <a:spLocks noGrp="1" noRot="1" noChangeAspect="1"/>
+          </p:cNvSpPr>
           <p:nvPr>
-            <p:ph idx="2" type="sldImg"/>
+            <p:ph type="sldImg" idx="2"/>
           </p:nvPr>
         </p:nvSpPr>
         <p:spPr>
@@ -297,9 +304,13 @@
             <a:ext cx="6096300" cy="3429000"/>
           </a:xfrm>
           <a:custGeom>
-            <a:rect b="b" l="l" r="r" t="t"/>
+            <a:avLst/>
+            <a:gdLst/>
+            <a:ahLst/>
+            <a:cxnLst/>
+            <a:rect l="l" t="t" r="r" b="b"/>
             <a:pathLst>
-              <a:path extrusionOk="0" h="120000" w="120000">
+              <a:path w="120000" h="120000" extrusionOk="0">
                 <a:moveTo>
                   <a:pt x="0" y="0"/>
                 </a:moveTo>
@@ -317,23 +328,25 @@
             </a:pathLst>
           </a:custGeom>
           <a:noFill/>
-          <a:ln cap="flat" cmpd="sng" w="9525">
+          <a:ln w="9525" cap="flat" cmpd="sng">
             <a:solidFill>
               <a:srgbClr val="000000"/>
             </a:solidFill>
             <a:prstDash val="solid"/>
             <a:round/>
-            <a:headEnd len="sm" w="sm" type="none"/>
-            <a:tailEnd len="sm" w="sm" type="none"/>
+            <a:headEnd type="none" w="sm" len="sm"/>
+            <a:tailEnd type="none" w="sm" len="sm"/>
           </a:ln>
         </p:spPr>
       </p:sp>
       <p:sp>
         <p:nvSpPr>
           <p:cNvPr id="4" name="Google Shape;4;n"/>
-          <p:cNvSpPr txBox="1"/>
+          <p:cNvSpPr txBox="1">
+            <a:spLocks noGrp="1"/>
+          </p:cNvSpPr>
           <p:nvPr>
-            <p:ph idx="1" type="body"/>
+            <p:ph type="body" idx="1"/>
           </p:nvPr>
         </p:nvSpPr>
         <p:spPr>
@@ -350,11 +363,11 @@
           </a:ln>
         </p:spPr>
         <p:txBody>
-          <a:bodyPr anchorCtr="0" anchor="t" bIns="91425" lIns="91425" spcFirstLastPara="1" rIns="91425" wrap="square" tIns="91425">
+          <a:bodyPr spcFirstLastPara="1" wrap="square" lIns="91425" tIns="91425" rIns="91425" bIns="91425" anchor="t" anchorCtr="0">
             <a:noAutofit/>
           </a:bodyPr>
           <a:lstStyle>
-            <a:lvl1pPr indent="-298450" lvl="0" marL="457200">
+            <a:lvl1pPr marL="457200" lvl="0" indent="-298450">
               <a:spcBef>
                 <a:spcPts val="0"/>
               </a:spcBef>
@@ -365,7 +378,7 @@
               <a:buChar char="●"/>
               <a:defRPr sz="1100"/>
             </a:lvl1pPr>
-            <a:lvl2pPr indent="-298450" lvl="1" marL="914400">
+            <a:lvl2pPr marL="914400" lvl="1" indent="-298450">
               <a:spcBef>
                 <a:spcPts val="0"/>
               </a:spcBef>
@@ -376,7 +389,7 @@
               <a:buChar char="○"/>
               <a:defRPr sz="1100"/>
             </a:lvl2pPr>
-            <a:lvl3pPr indent="-298450" lvl="2" marL="1371600">
+            <a:lvl3pPr marL="1371600" lvl="2" indent="-298450">
               <a:spcBef>
                 <a:spcPts val="0"/>
               </a:spcBef>
@@ -387,7 +400,7 @@
               <a:buChar char="■"/>
               <a:defRPr sz="1100"/>
             </a:lvl3pPr>
-            <a:lvl4pPr indent="-298450" lvl="3" marL="1828800">
+            <a:lvl4pPr marL="1828800" lvl="3" indent="-298450">
               <a:spcBef>
                 <a:spcPts val="0"/>
               </a:spcBef>
@@ -398,7 +411,7 @@
               <a:buChar char="●"/>
               <a:defRPr sz="1100"/>
             </a:lvl4pPr>
-            <a:lvl5pPr indent="-298450" lvl="4" marL="2286000">
+            <a:lvl5pPr marL="2286000" lvl="4" indent="-298450">
               <a:spcBef>
                 <a:spcPts val="0"/>
               </a:spcBef>
@@ -409,7 +422,7 @@
               <a:buChar char="○"/>
               <a:defRPr sz="1100"/>
             </a:lvl5pPr>
-            <a:lvl6pPr indent="-298450" lvl="5" marL="2743200">
+            <a:lvl6pPr marL="2743200" lvl="5" indent="-298450">
               <a:spcBef>
                 <a:spcPts val="0"/>
               </a:spcBef>
@@ -420,7 +433,7 @@
               <a:buChar char="■"/>
               <a:defRPr sz="1100"/>
             </a:lvl6pPr>
-            <a:lvl7pPr indent="-298450" lvl="6" marL="3200400">
+            <a:lvl7pPr marL="3200400" lvl="6" indent="-298450">
               <a:spcBef>
                 <a:spcPts val="0"/>
               </a:spcBef>
@@ -431,7 +444,7 @@
               <a:buChar char="●"/>
               <a:defRPr sz="1100"/>
             </a:lvl7pPr>
-            <a:lvl8pPr indent="-298450" lvl="7" marL="3657600">
+            <a:lvl8pPr marL="3657600" lvl="7" indent="-298450">
               <a:spcBef>
                 <a:spcPts val="0"/>
               </a:spcBef>
@@ -442,7 +455,7 @@
               <a:buChar char="○"/>
               <a:defRPr sz="1100"/>
             </a:lvl8pPr>
-            <a:lvl9pPr indent="-298450" lvl="8" marL="4114800">
+            <a:lvl9pPr marL="4114800" lvl="8" indent="-298450">
               <a:spcBef>
                 <a:spcPts val="0"/>
               </a:spcBef>
@@ -454,14 +467,16 @@
               <a:defRPr sz="1100"/>
             </a:lvl9pPr>
           </a:lstStyle>
-          <a:p/>
+          <a:p>
+            <a:endParaRPr/>
+          </a:p>
         </p:txBody>
       </p:sp>
     </p:spTree>
   </p:cSld>
-  <p:clrMap accent1="accent1" accent2="accent2" accent3="accent3" accent4="accent4" accent5="accent5" accent6="accent6" bg1="lt1" bg2="dk2" tx1="dk1" tx2="lt2" folHlink="folHlink" hlink="hlink"/>
+  <p:clrMap bg1="lt1" tx1="dk1" bg2="dk2" tx2="lt2" accent1="accent1" accent2="accent2" accent3="accent3" accent4="accent4" accent5="accent5" accent6="accent6" hlink="hlink" folHlink="folHlink"/>
   <p:notesStyle>
-    <a:defPPr lvl="0" marR="0" rtl="0" algn="l">
+    <a:defPPr marR="0" lvl="0" algn="l" rtl="0">
       <a:lnSpc>
         <a:spcPct val="100000"/>
       </a:lnSpc>
@@ -472,7 +487,7 @@
         <a:spcPts val="0"/>
       </a:spcAft>
     </a:defPPr>
-    <a:lvl1pPr lvl="0" marR="0" rtl="0" algn="l">
+    <a:lvl1pPr marR="0" lvl="0" algn="l" rtl="0">
       <a:lnSpc>
         <a:spcPct val="100000"/>
       </a:lnSpc>
@@ -486,7 +501,7 @@
         <a:srgbClr val="000000"/>
       </a:buClr>
       <a:buFont typeface="Arial"/>
-      <a:defRPr b="0" i="0" sz="1400" u="none" cap="none" strike="noStrike">
+      <a:defRPr sz="1400" b="0" i="0" u="none" strike="noStrike" cap="none">
         <a:solidFill>
           <a:srgbClr val="000000"/>
         </a:solidFill>
@@ -496,7 +511,7 @@
         <a:sym typeface="Arial"/>
       </a:defRPr>
     </a:lvl1pPr>
-    <a:lvl2pPr lvl="1" marR="0" rtl="0" algn="l">
+    <a:lvl2pPr marR="0" lvl="1" algn="l" rtl="0">
       <a:lnSpc>
         <a:spcPct val="100000"/>
       </a:lnSpc>
@@ -510,7 +525,7 @@
         <a:srgbClr val="000000"/>
       </a:buClr>
       <a:buFont typeface="Arial"/>
-      <a:defRPr b="0" i="0" sz="1400" u="none" cap="none" strike="noStrike">
+      <a:defRPr sz="1400" b="0" i="0" u="none" strike="noStrike" cap="none">
         <a:solidFill>
           <a:srgbClr val="000000"/>
         </a:solidFill>
@@ -520,7 +535,7 @@
         <a:sym typeface="Arial"/>
       </a:defRPr>
     </a:lvl2pPr>
-    <a:lvl3pPr lvl="2" marR="0" rtl="0" algn="l">
+    <a:lvl3pPr marR="0" lvl="2" algn="l" rtl="0">
       <a:lnSpc>
         <a:spcPct val="100000"/>
       </a:lnSpc>
@@ -534,7 +549,7 @@
         <a:srgbClr val="000000"/>
       </a:buClr>
       <a:buFont typeface="Arial"/>
-      <a:defRPr b="0" i="0" sz="1400" u="none" cap="none" strike="noStrike">
+      <a:defRPr sz="1400" b="0" i="0" u="none" strike="noStrike" cap="none">
         <a:solidFill>
           <a:srgbClr val="000000"/>
         </a:solidFill>
@@ -544,7 +559,7 @@
         <a:sym typeface="Arial"/>
       </a:defRPr>
     </a:lvl3pPr>
-    <a:lvl4pPr lvl="3" marR="0" rtl="0" algn="l">
+    <a:lvl4pPr marR="0" lvl="3" algn="l" rtl="0">
       <a:lnSpc>
         <a:spcPct val="100000"/>
       </a:lnSpc>
@@ -558,7 +573,7 @@
         <a:srgbClr val="000000"/>
       </a:buClr>
       <a:buFont typeface="Arial"/>
-      <a:defRPr b="0" i="0" sz="1400" u="none" cap="none" strike="noStrike">
+      <a:defRPr sz="1400" b="0" i="0" u="none" strike="noStrike" cap="none">
         <a:solidFill>
           <a:srgbClr val="000000"/>
         </a:solidFill>
@@ -568,7 +583,7 @@
         <a:sym typeface="Arial"/>
       </a:defRPr>
     </a:lvl4pPr>
-    <a:lvl5pPr lvl="4" marR="0" rtl="0" algn="l">
+    <a:lvl5pPr marR="0" lvl="4" algn="l" rtl="0">
       <a:lnSpc>
         <a:spcPct val="100000"/>
       </a:lnSpc>
@@ -582,7 +597,7 @@
         <a:srgbClr val="000000"/>
       </a:buClr>
       <a:buFont typeface="Arial"/>
-      <a:defRPr b="0" i="0" sz="1400" u="none" cap="none" strike="noStrike">
+      <a:defRPr sz="1400" b="0" i="0" u="none" strike="noStrike" cap="none">
         <a:solidFill>
           <a:srgbClr val="000000"/>
         </a:solidFill>
@@ -592,7 +607,7 @@
         <a:sym typeface="Arial"/>
       </a:defRPr>
     </a:lvl5pPr>
-    <a:lvl6pPr lvl="5" marR="0" rtl="0" algn="l">
+    <a:lvl6pPr marR="0" lvl="5" algn="l" rtl="0">
       <a:lnSpc>
         <a:spcPct val="100000"/>
       </a:lnSpc>
@@ -606,7 +621,7 @@
         <a:srgbClr val="000000"/>
       </a:buClr>
       <a:buFont typeface="Arial"/>
-      <a:defRPr b="0" i="0" sz="1400" u="none" cap="none" strike="noStrike">
+      <a:defRPr sz="1400" b="0" i="0" u="none" strike="noStrike" cap="none">
         <a:solidFill>
           <a:srgbClr val="000000"/>
         </a:solidFill>
@@ -616,7 +631,7 @@
         <a:sym typeface="Arial"/>
       </a:defRPr>
     </a:lvl6pPr>
-    <a:lvl7pPr lvl="6" marR="0" rtl="0" algn="l">
+    <a:lvl7pPr marR="0" lvl="6" algn="l" rtl="0">
       <a:lnSpc>
         <a:spcPct val="100000"/>
       </a:lnSpc>
@@ -630,7 +645,7 @@
         <a:srgbClr val="000000"/>
       </a:buClr>
       <a:buFont typeface="Arial"/>
-      <a:defRPr b="0" i="0" sz="1400" u="none" cap="none" strike="noStrike">
+      <a:defRPr sz="1400" b="0" i="0" u="none" strike="noStrike" cap="none">
         <a:solidFill>
           <a:srgbClr val="000000"/>
         </a:solidFill>
@@ -640,7 +655,7 @@
         <a:sym typeface="Arial"/>
       </a:defRPr>
     </a:lvl7pPr>
-    <a:lvl8pPr lvl="7" marR="0" rtl="0" algn="l">
+    <a:lvl8pPr marR="0" lvl="7" algn="l" rtl="0">
       <a:lnSpc>
         <a:spcPct val="100000"/>
       </a:lnSpc>
@@ -654,7 +669,7 @@
         <a:srgbClr val="000000"/>
       </a:buClr>
       <a:buFont typeface="Arial"/>
-      <a:defRPr b="0" i="0" sz="1400" u="none" cap="none" strike="noStrike">
+      <a:defRPr sz="1400" b="0" i="0" u="none" strike="noStrike" cap="none">
         <a:solidFill>
           <a:srgbClr val="000000"/>
         </a:solidFill>
@@ -664,7 +679,7 @@
         <a:sym typeface="Arial"/>
       </a:defRPr>
     </a:lvl8pPr>
-    <a:lvl9pPr lvl="8" marR="0" rtl="0" algn="l">
+    <a:lvl9pPr marR="0" lvl="8" algn="l" rtl="0">
       <a:lnSpc>
         <a:spcPct val="100000"/>
       </a:lnSpc>
@@ -678,7 +693,7 @@
         <a:srgbClr val="000000"/>
       </a:buClr>
       <a:buFont typeface="Arial"/>
-      <a:defRPr b="0" i="0" sz="1400" u="none" cap="none" strike="noStrike">
+      <a:defRPr sz="1400" b="0" i="0" u="none" strike="noStrike" cap="none">
         <a:solidFill>
           <a:srgbClr val="000000"/>
         </a:solidFill>
@@ -693,11 +708,11 @@
 </file>
 
 <file path=ppt/notesSlides/notesSlide1.xml><?xml version="1.0" encoding="utf-8"?>
-<p:notes xmlns:a="http://schemas.openxmlformats.org/drawingml/2006/main" xmlns:r="http://schemas.openxmlformats.org/officeDocument/2006/relationships" xmlns:mc="http://schemas.openxmlformats.org/markup-compatibility/2006" xmlns:mv="urn:schemas-microsoft-com:mac:vml" xmlns:p="http://schemas.openxmlformats.org/presentationml/2006/main" xmlns:c="http://schemas.openxmlformats.org/drawingml/2006/chart" xmlns:dgm="http://schemas.openxmlformats.org/drawingml/2006/diagram" xmlns:o="urn:schemas-microsoft-com:office:office" xmlns:v="urn:schemas-microsoft-com:vml" xmlns:pvml="urn:schemas-microsoft-com:office:powerpoint" xmlns:com="http://schemas.openxmlformats.org/drawingml/2006/compatibility" xmlns:p14="http://schemas.microsoft.com/office/powerpoint/2010/main" xmlns:p15="http://schemas.microsoft.com/office/powerpoint/2012/main" xmlns:ahyp="http://schemas.microsoft.com/office/drawing/2018/hyperlinkcolor" showMasterPhAnim="0" showMasterSp="0">
+<p:notes xmlns:a="http://schemas.openxmlformats.org/drawingml/2006/main" xmlns:r="http://schemas.openxmlformats.org/officeDocument/2006/relationships" xmlns:p="http://schemas.openxmlformats.org/presentationml/2006/main" showMasterSp="0" showMasterPhAnim="0">
   <p:cSld>
     <p:spTree>
       <p:nvGrpSpPr>
-        <p:cNvPr id="50" name="Shape 50"/>
+        <p:cNvPr id="1" name="Shape 50"/>
         <p:cNvGrpSpPr/>
         <p:nvPr/>
       </p:nvGrpSpPr>
@@ -712,9 +727,11 @@
       <p:sp>
         <p:nvSpPr>
           <p:cNvPr id="51" name="Google Shape;51;ga7a278c946_0_43:notes"/>
-          <p:cNvSpPr/>
+          <p:cNvSpPr>
+            <a:spLocks noGrp="1" noRot="1" noChangeAspect="1"/>
+          </p:cNvSpPr>
           <p:nvPr>
-            <p:ph idx="2" type="sldImg"/>
+            <p:ph type="sldImg" idx="2"/>
           </p:nvPr>
         </p:nvSpPr>
         <p:spPr>
@@ -723,9 +740,13 @@
             <a:ext cx="6096300" cy="3429000"/>
           </a:xfrm>
           <a:custGeom>
-            <a:rect b="b" l="l" r="r" t="t"/>
+            <a:avLst/>
+            <a:gdLst/>
+            <a:ahLst/>
+            <a:cxnLst/>
+            <a:rect l="l" t="t" r="r" b="b"/>
             <a:pathLst>
-              <a:path extrusionOk="0" h="120000" w="120000">
+              <a:path w="120000" h="120000" extrusionOk="0">
                 <a:moveTo>
                   <a:pt x="0" y="0"/>
                 </a:moveTo>
@@ -747,9 +768,11 @@
       <p:sp>
         <p:nvSpPr>
           <p:cNvPr id="52" name="Google Shape;52;ga7a278c946_0_43:notes"/>
-          <p:cNvSpPr txBox="1"/>
+          <p:cNvSpPr txBox="1">
+            <a:spLocks noGrp="1"/>
+          </p:cNvSpPr>
           <p:nvPr>
-            <p:ph idx="1" type="body"/>
+            <p:ph type="body" idx="1"/>
           </p:nvPr>
         </p:nvSpPr>
         <p:spPr>
@@ -762,12 +785,12 @@
           </a:prstGeom>
         </p:spPr>
         <p:txBody>
-          <a:bodyPr anchorCtr="0" anchor="t" bIns="91425" lIns="91425" spcFirstLastPara="1" rIns="91425" wrap="square" tIns="91425">
+          <a:bodyPr spcFirstLastPara="1" wrap="square" lIns="91425" tIns="91425" rIns="91425" bIns="91425" anchor="t" anchorCtr="0">
             <a:noAutofit/>
           </a:bodyPr>
           <a:lstStyle/>
           <a:p>
-            <a:pPr indent="0" lvl="0" marL="0" rtl="0" algn="l">
+            <a:pPr marL="0" lvl="0" indent="0" algn="l" rtl="0">
               <a:spcBef>
                 <a:spcPts val="0"/>
               </a:spcBef>
@@ -776,9 +799,6 @@
               </a:spcAft>
               <a:buNone/>
             </a:pPr>
-            <a:r>
-              <a:t/>
-            </a:r>
             <a:endParaRPr/>
           </a:p>
         </p:txBody>
@@ -792,11 +812,11 @@
 </file>
 
 <file path=ppt/notesSlides/notesSlide2.xml><?xml version="1.0" encoding="utf-8"?>
-<p:notes xmlns:a="http://schemas.openxmlformats.org/drawingml/2006/main" xmlns:r="http://schemas.openxmlformats.org/officeDocument/2006/relationships" xmlns:mc="http://schemas.openxmlformats.org/markup-compatibility/2006" xmlns:mv="urn:schemas-microsoft-com:mac:vml" xmlns:p="http://schemas.openxmlformats.org/presentationml/2006/main" xmlns:c="http://schemas.openxmlformats.org/drawingml/2006/chart" xmlns:dgm="http://schemas.openxmlformats.org/drawingml/2006/diagram" xmlns:o="urn:schemas-microsoft-com:office:office" xmlns:v="urn:schemas-microsoft-com:vml" xmlns:pvml="urn:schemas-microsoft-com:office:powerpoint" xmlns:com="http://schemas.openxmlformats.org/drawingml/2006/compatibility" xmlns:p14="http://schemas.microsoft.com/office/powerpoint/2010/main" xmlns:p15="http://schemas.microsoft.com/office/powerpoint/2012/main" xmlns:ahyp="http://schemas.microsoft.com/office/drawing/2018/hyperlinkcolor" showMasterPhAnim="0" showMasterSp="0">
+<p:notes xmlns:a="http://schemas.openxmlformats.org/drawingml/2006/main" xmlns:r="http://schemas.openxmlformats.org/officeDocument/2006/relationships" xmlns:p="http://schemas.openxmlformats.org/presentationml/2006/main" showMasterSp="0" showMasterPhAnim="0">
   <p:cSld>
     <p:spTree>
       <p:nvGrpSpPr>
-        <p:cNvPr id="56" name="Shape 56"/>
+        <p:cNvPr id="1" name="Shape 56"/>
         <p:cNvGrpSpPr/>
         <p:nvPr/>
       </p:nvGrpSpPr>
@@ -811,20 +831,26 @@
       <p:sp>
         <p:nvSpPr>
           <p:cNvPr id="57" name="Google Shape;57;p:notes"/>
-          <p:cNvSpPr/>
+          <p:cNvSpPr>
+            <a:spLocks noGrp="1" noRot="1" noChangeAspect="1"/>
+          </p:cNvSpPr>
           <p:nvPr>
-            <p:ph idx="2" type="sldImg"/>
+            <p:ph type="sldImg" idx="2"/>
           </p:nvPr>
         </p:nvSpPr>
         <p:spPr>
           <a:xfrm>
-            <a:off x="381214" y="685800"/>
-            <a:ext cx="6096300" cy="3429000"/>
+            <a:off x="381000" y="685800"/>
+            <a:ext cx="6096000" cy="3429000"/>
           </a:xfrm>
           <a:custGeom>
-            <a:rect b="b" l="l" r="r" t="t"/>
+            <a:avLst/>
+            <a:gdLst/>
+            <a:ahLst/>
+            <a:cxnLst/>
+            <a:rect l="l" t="t" r="r" b="b"/>
             <a:pathLst>
-              <a:path extrusionOk="0" h="120000" w="120000">
+              <a:path w="120000" h="120000" extrusionOk="0">
                 <a:moveTo>
                   <a:pt x="0" y="0"/>
                 </a:moveTo>
@@ -846,9 +872,11 @@
       <p:sp>
         <p:nvSpPr>
           <p:cNvPr id="58" name="Google Shape;58;p:notes"/>
-          <p:cNvSpPr txBox="1"/>
+          <p:cNvSpPr txBox="1">
+            <a:spLocks noGrp="1"/>
+          </p:cNvSpPr>
           <p:nvPr>
-            <p:ph idx="1" type="body"/>
+            <p:ph type="body" idx="1"/>
           </p:nvPr>
         </p:nvSpPr>
         <p:spPr>
@@ -861,12 +889,12 @@
           </a:prstGeom>
         </p:spPr>
         <p:txBody>
-          <a:bodyPr anchorCtr="0" anchor="t" bIns="91425" lIns="91425" spcFirstLastPara="1" rIns="91425" wrap="square" tIns="91425">
+          <a:bodyPr spcFirstLastPara="1" wrap="square" lIns="91425" tIns="91425" rIns="91425" bIns="91425" anchor="t" anchorCtr="0">
             <a:noAutofit/>
           </a:bodyPr>
           <a:lstStyle/>
           <a:p>
-            <a:pPr indent="0" lvl="0" marL="0" rtl="0" algn="l">
+            <a:pPr marL="0" lvl="0" indent="0" algn="l" rtl="0">
               <a:spcBef>
                 <a:spcPts val="0"/>
               </a:spcBef>
@@ -875,9 +903,6 @@
               </a:spcAft>
               <a:buNone/>
             </a:pPr>
-            <a:r>
-              <a:t/>
-            </a:r>
             <a:endParaRPr/>
           </a:p>
         </p:txBody>
@@ -891,11 +916,11 @@
 </file>
 
 <file path=ppt/notesSlides/notesSlide3.xml><?xml version="1.0" encoding="utf-8"?>
-<p:notes xmlns:a="http://schemas.openxmlformats.org/drawingml/2006/main" xmlns:r="http://schemas.openxmlformats.org/officeDocument/2006/relationships" xmlns:mc="http://schemas.openxmlformats.org/markup-compatibility/2006" xmlns:mv="urn:schemas-microsoft-com:mac:vml" xmlns:p="http://schemas.openxmlformats.org/presentationml/2006/main" xmlns:c="http://schemas.openxmlformats.org/drawingml/2006/chart" xmlns:dgm="http://schemas.openxmlformats.org/drawingml/2006/diagram" xmlns:o="urn:schemas-microsoft-com:office:office" xmlns:v="urn:schemas-microsoft-com:vml" xmlns:pvml="urn:schemas-microsoft-com:office:powerpoint" xmlns:com="http://schemas.openxmlformats.org/drawingml/2006/compatibility" xmlns:p14="http://schemas.microsoft.com/office/powerpoint/2010/main" xmlns:p15="http://schemas.microsoft.com/office/powerpoint/2012/main" xmlns:ahyp="http://schemas.microsoft.com/office/drawing/2018/hyperlinkcolor" showMasterPhAnim="0" showMasterSp="0">
+<p:notes xmlns:a="http://schemas.openxmlformats.org/drawingml/2006/main" xmlns:r="http://schemas.openxmlformats.org/officeDocument/2006/relationships" xmlns:p="http://schemas.openxmlformats.org/presentationml/2006/main" showMasterSp="0" showMasterPhAnim="0">
   <p:cSld>
     <p:spTree>
       <p:nvGrpSpPr>
-        <p:cNvPr id="61" name="Shape 61"/>
+        <p:cNvPr id="1" name="Shape 61"/>
         <p:cNvGrpSpPr/>
         <p:nvPr/>
       </p:nvGrpSpPr>
@@ -910,9 +935,11 @@
       <p:sp>
         <p:nvSpPr>
           <p:cNvPr id="62" name="Google Shape;62;ga7a278c946_0_1:notes"/>
-          <p:cNvSpPr/>
+          <p:cNvSpPr>
+            <a:spLocks noGrp="1" noRot="1" noChangeAspect="1"/>
+          </p:cNvSpPr>
           <p:nvPr>
-            <p:ph idx="2" type="sldImg"/>
+            <p:ph type="sldImg" idx="2"/>
           </p:nvPr>
         </p:nvSpPr>
         <p:spPr>
@@ -921,9 +948,13 @@
             <a:ext cx="6096300" cy="3429000"/>
           </a:xfrm>
           <a:custGeom>
-            <a:rect b="b" l="l" r="r" t="t"/>
+            <a:avLst/>
+            <a:gdLst/>
+            <a:ahLst/>
+            <a:cxnLst/>
+            <a:rect l="l" t="t" r="r" b="b"/>
             <a:pathLst>
-              <a:path extrusionOk="0" h="120000" w="120000">
+              <a:path w="120000" h="120000" extrusionOk="0">
                 <a:moveTo>
                   <a:pt x="0" y="0"/>
                 </a:moveTo>
@@ -945,9 +976,11 @@
       <p:sp>
         <p:nvSpPr>
           <p:cNvPr id="63" name="Google Shape;63;ga7a278c946_0_1:notes"/>
-          <p:cNvSpPr txBox="1"/>
+          <p:cNvSpPr txBox="1">
+            <a:spLocks noGrp="1"/>
+          </p:cNvSpPr>
           <p:nvPr>
-            <p:ph idx="1" type="body"/>
+            <p:ph type="body" idx="1"/>
           </p:nvPr>
         </p:nvSpPr>
         <p:spPr>
@@ -960,12 +993,12 @@
           </a:prstGeom>
         </p:spPr>
         <p:txBody>
-          <a:bodyPr anchorCtr="0" anchor="t" bIns="91425" lIns="91425" spcFirstLastPara="1" rIns="91425" wrap="square" tIns="91425">
+          <a:bodyPr spcFirstLastPara="1" wrap="square" lIns="91425" tIns="91425" rIns="91425" bIns="91425" anchor="t" anchorCtr="0">
             <a:noAutofit/>
           </a:bodyPr>
           <a:lstStyle/>
           <a:p>
-            <a:pPr indent="0" lvl="0" marL="0" rtl="0" algn="l">
+            <a:pPr marL="0" lvl="0" indent="0" algn="l" rtl="0">
               <a:spcBef>
                 <a:spcPts val="0"/>
               </a:spcBef>
@@ -974,9 +1007,6 @@
               </a:spcAft>
               <a:buNone/>
             </a:pPr>
-            <a:r>
-              <a:t/>
-            </a:r>
             <a:endParaRPr/>
           </a:p>
         </p:txBody>
@@ -990,11 +1020,11 @@
 </file>
 
 <file path=ppt/notesSlides/notesSlide4.xml><?xml version="1.0" encoding="utf-8"?>
-<p:notes xmlns:a="http://schemas.openxmlformats.org/drawingml/2006/main" xmlns:r="http://schemas.openxmlformats.org/officeDocument/2006/relationships" xmlns:mc="http://schemas.openxmlformats.org/markup-compatibility/2006" xmlns:mv="urn:schemas-microsoft-com:mac:vml" xmlns:p="http://schemas.openxmlformats.org/presentationml/2006/main" xmlns:c="http://schemas.openxmlformats.org/drawingml/2006/chart" xmlns:dgm="http://schemas.openxmlformats.org/drawingml/2006/diagram" xmlns:o="urn:schemas-microsoft-com:office:office" xmlns:v="urn:schemas-microsoft-com:vml" xmlns:pvml="urn:schemas-microsoft-com:office:powerpoint" xmlns:com="http://schemas.openxmlformats.org/drawingml/2006/compatibility" xmlns:p14="http://schemas.microsoft.com/office/powerpoint/2010/main" xmlns:p15="http://schemas.microsoft.com/office/powerpoint/2012/main" xmlns:ahyp="http://schemas.microsoft.com/office/drawing/2018/hyperlinkcolor" showMasterPhAnim="0" showMasterSp="0">
+<p:notes xmlns:a="http://schemas.openxmlformats.org/drawingml/2006/main" xmlns:r="http://schemas.openxmlformats.org/officeDocument/2006/relationships" xmlns:p="http://schemas.openxmlformats.org/presentationml/2006/main" showMasterSp="0" showMasterPhAnim="0">
   <p:cSld>
     <p:spTree>
       <p:nvGrpSpPr>
-        <p:cNvPr id="67" name="Shape 67"/>
+        <p:cNvPr id="1" name="Shape 67"/>
         <p:cNvGrpSpPr/>
         <p:nvPr/>
       </p:nvGrpSpPr>
@@ -1009,9 +1039,11 @@
       <p:sp>
         <p:nvSpPr>
           <p:cNvPr id="68" name="Google Shape;68;ga7a278c946_0_6:notes"/>
-          <p:cNvSpPr/>
+          <p:cNvSpPr>
+            <a:spLocks noGrp="1" noRot="1" noChangeAspect="1"/>
+          </p:cNvSpPr>
           <p:nvPr>
-            <p:ph idx="2" type="sldImg"/>
+            <p:ph type="sldImg" idx="2"/>
           </p:nvPr>
         </p:nvSpPr>
         <p:spPr>
@@ -1020,9 +1052,13 @@
             <a:ext cx="6096300" cy="3429000"/>
           </a:xfrm>
           <a:custGeom>
-            <a:rect b="b" l="l" r="r" t="t"/>
+            <a:avLst/>
+            <a:gdLst/>
+            <a:ahLst/>
+            <a:cxnLst/>
+            <a:rect l="l" t="t" r="r" b="b"/>
             <a:pathLst>
-              <a:path extrusionOk="0" h="120000" w="120000">
+              <a:path w="120000" h="120000" extrusionOk="0">
                 <a:moveTo>
                   <a:pt x="0" y="0"/>
                 </a:moveTo>
@@ -1044,9 +1080,11 @@
       <p:sp>
         <p:nvSpPr>
           <p:cNvPr id="69" name="Google Shape;69;ga7a278c946_0_6:notes"/>
-          <p:cNvSpPr txBox="1"/>
+          <p:cNvSpPr txBox="1">
+            <a:spLocks noGrp="1"/>
+          </p:cNvSpPr>
           <p:nvPr>
-            <p:ph idx="1" type="body"/>
+            <p:ph type="body" idx="1"/>
           </p:nvPr>
         </p:nvSpPr>
         <p:spPr>
@@ -1059,12 +1097,12 @@
           </a:prstGeom>
         </p:spPr>
         <p:txBody>
-          <a:bodyPr anchorCtr="0" anchor="t" bIns="91425" lIns="91425" spcFirstLastPara="1" rIns="91425" wrap="square" tIns="91425">
+          <a:bodyPr spcFirstLastPara="1" wrap="square" lIns="91425" tIns="91425" rIns="91425" bIns="91425" anchor="t" anchorCtr="0">
             <a:noAutofit/>
           </a:bodyPr>
           <a:lstStyle/>
           <a:p>
-            <a:pPr indent="0" lvl="0" marL="0" rtl="0" algn="l">
+            <a:pPr marL="0" lvl="0" indent="0" algn="l" rtl="0">
               <a:spcBef>
                 <a:spcPts val="0"/>
               </a:spcBef>
@@ -1073,9 +1111,6 @@
               </a:spcAft>
               <a:buNone/>
             </a:pPr>
-            <a:r>
-              <a:t/>
-            </a:r>
             <a:endParaRPr/>
           </a:p>
         </p:txBody>
@@ -1089,11 +1124,11 @@
 </file>
 
 <file path=ppt/notesSlides/notesSlide5.xml><?xml version="1.0" encoding="utf-8"?>
-<p:notes xmlns:a="http://schemas.openxmlformats.org/drawingml/2006/main" xmlns:r="http://schemas.openxmlformats.org/officeDocument/2006/relationships" xmlns:mc="http://schemas.openxmlformats.org/markup-compatibility/2006" xmlns:mv="urn:schemas-microsoft-com:mac:vml" xmlns:p="http://schemas.openxmlformats.org/presentationml/2006/main" xmlns:c="http://schemas.openxmlformats.org/drawingml/2006/chart" xmlns:dgm="http://schemas.openxmlformats.org/drawingml/2006/diagram" xmlns:o="urn:schemas-microsoft-com:office:office" xmlns:v="urn:schemas-microsoft-com:vml" xmlns:pvml="urn:schemas-microsoft-com:office:powerpoint" xmlns:com="http://schemas.openxmlformats.org/drawingml/2006/compatibility" xmlns:p14="http://schemas.microsoft.com/office/powerpoint/2010/main" xmlns:p15="http://schemas.microsoft.com/office/powerpoint/2012/main" xmlns:ahyp="http://schemas.microsoft.com/office/drawing/2018/hyperlinkcolor" showMasterPhAnim="0" showMasterSp="0">
+<p:notes xmlns:a="http://schemas.openxmlformats.org/drawingml/2006/main" xmlns:r="http://schemas.openxmlformats.org/officeDocument/2006/relationships" xmlns:p="http://schemas.openxmlformats.org/presentationml/2006/main" showMasterSp="0" showMasterPhAnim="0">
   <p:cSld>
     <p:spTree>
       <p:nvGrpSpPr>
-        <p:cNvPr id="73" name="Shape 73"/>
+        <p:cNvPr id="1" name="Shape 73"/>
         <p:cNvGrpSpPr/>
         <p:nvPr/>
       </p:nvGrpSpPr>
@@ -1108,9 +1143,11 @@
       <p:sp>
         <p:nvSpPr>
           <p:cNvPr id="74" name="Google Shape;74;ga7a278c946_0_11:notes"/>
-          <p:cNvSpPr/>
+          <p:cNvSpPr>
+            <a:spLocks noGrp="1" noRot="1" noChangeAspect="1"/>
+          </p:cNvSpPr>
           <p:nvPr>
-            <p:ph idx="2" type="sldImg"/>
+            <p:ph type="sldImg" idx="2"/>
           </p:nvPr>
         </p:nvSpPr>
         <p:spPr>
@@ -1119,9 +1156,13 @@
             <a:ext cx="6096300" cy="3429000"/>
           </a:xfrm>
           <a:custGeom>
-            <a:rect b="b" l="l" r="r" t="t"/>
+            <a:avLst/>
+            <a:gdLst/>
+            <a:ahLst/>
+            <a:cxnLst/>
+            <a:rect l="l" t="t" r="r" b="b"/>
             <a:pathLst>
-              <a:path extrusionOk="0" h="120000" w="120000">
+              <a:path w="120000" h="120000" extrusionOk="0">
                 <a:moveTo>
                   <a:pt x="0" y="0"/>
                 </a:moveTo>
@@ -1143,9 +1184,11 @@
       <p:sp>
         <p:nvSpPr>
           <p:cNvPr id="75" name="Google Shape;75;ga7a278c946_0_11:notes"/>
-          <p:cNvSpPr txBox="1"/>
+          <p:cNvSpPr txBox="1">
+            <a:spLocks noGrp="1"/>
+          </p:cNvSpPr>
           <p:nvPr>
-            <p:ph idx="1" type="body"/>
+            <p:ph type="body" idx="1"/>
           </p:nvPr>
         </p:nvSpPr>
         <p:spPr>
@@ -1158,12 +1201,12 @@
           </a:prstGeom>
         </p:spPr>
         <p:txBody>
-          <a:bodyPr anchorCtr="0" anchor="t" bIns="91425" lIns="91425" spcFirstLastPara="1" rIns="91425" wrap="square" tIns="91425">
+          <a:bodyPr spcFirstLastPara="1" wrap="square" lIns="91425" tIns="91425" rIns="91425" bIns="91425" anchor="t" anchorCtr="0">
             <a:noAutofit/>
           </a:bodyPr>
           <a:lstStyle/>
           <a:p>
-            <a:pPr indent="0" lvl="0" marL="0" rtl="0" algn="l">
+            <a:pPr marL="0" lvl="0" indent="0" algn="l" rtl="0">
               <a:spcBef>
                 <a:spcPts val="0"/>
               </a:spcBef>
@@ -1172,9 +1215,6 @@
               </a:spcAft>
               <a:buNone/>
             </a:pPr>
-            <a:r>
-              <a:t/>
-            </a:r>
             <a:endParaRPr/>
           </a:p>
         </p:txBody>
@@ -1188,11 +1228,11 @@
 </file>
 
 <file path=ppt/notesSlides/notesSlide6.xml><?xml version="1.0" encoding="utf-8"?>
-<p:notes xmlns:a="http://schemas.openxmlformats.org/drawingml/2006/main" xmlns:r="http://schemas.openxmlformats.org/officeDocument/2006/relationships" xmlns:mc="http://schemas.openxmlformats.org/markup-compatibility/2006" xmlns:mv="urn:schemas-microsoft-com:mac:vml" xmlns:p="http://schemas.openxmlformats.org/presentationml/2006/main" xmlns:c="http://schemas.openxmlformats.org/drawingml/2006/chart" xmlns:dgm="http://schemas.openxmlformats.org/drawingml/2006/diagram" xmlns:o="urn:schemas-microsoft-com:office:office" xmlns:v="urn:schemas-microsoft-com:vml" xmlns:pvml="urn:schemas-microsoft-com:office:powerpoint" xmlns:com="http://schemas.openxmlformats.org/drawingml/2006/compatibility" xmlns:p14="http://schemas.microsoft.com/office/powerpoint/2010/main" xmlns:p15="http://schemas.microsoft.com/office/powerpoint/2012/main" xmlns:ahyp="http://schemas.microsoft.com/office/drawing/2018/hyperlinkcolor" showMasterPhAnim="0" showMasterSp="0">
+<p:notes xmlns:a="http://schemas.openxmlformats.org/drawingml/2006/main" xmlns:r="http://schemas.openxmlformats.org/officeDocument/2006/relationships" xmlns:p="http://schemas.openxmlformats.org/presentationml/2006/main" showMasterSp="0" showMasterPhAnim="0">
   <p:cSld>
     <p:spTree>
       <p:nvGrpSpPr>
-        <p:cNvPr id="79" name="Shape 79"/>
+        <p:cNvPr id="1" name="Shape 79"/>
         <p:cNvGrpSpPr/>
         <p:nvPr/>
       </p:nvGrpSpPr>
@@ -1207,9 +1247,11 @@
       <p:sp>
         <p:nvSpPr>
           <p:cNvPr id="80" name="Google Shape;80;ga7a278c946_0_16:notes"/>
-          <p:cNvSpPr/>
+          <p:cNvSpPr>
+            <a:spLocks noGrp="1" noRot="1" noChangeAspect="1"/>
+          </p:cNvSpPr>
           <p:nvPr>
-            <p:ph idx="2" type="sldImg"/>
+            <p:ph type="sldImg" idx="2"/>
           </p:nvPr>
         </p:nvSpPr>
         <p:spPr>
@@ -1218,9 +1260,13 @@
             <a:ext cx="6096300" cy="3429000"/>
           </a:xfrm>
           <a:custGeom>
-            <a:rect b="b" l="l" r="r" t="t"/>
+            <a:avLst/>
+            <a:gdLst/>
+            <a:ahLst/>
+            <a:cxnLst/>
+            <a:rect l="l" t="t" r="r" b="b"/>
             <a:pathLst>
-              <a:path extrusionOk="0" h="120000" w="120000">
+              <a:path w="120000" h="120000" extrusionOk="0">
                 <a:moveTo>
                   <a:pt x="0" y="0"/>
                 </a:moveTo>
@@ -1242,9 +1288,11 @@
       <p:sp>
         <p:nvSpPr>
           <p:cNvPr id="81" name="Google Shape;81;ga7a278c946_0_16:notes"/>
-          <p:cNvSpPr txBox="1"/>
+          <p:cNvSpPr txBox="1">
+            <a:spLocks noGrp="1"/>
+          </p:cNvSpPr>
           <p:nvPr>
-            <p:ph idx="1" type="body"/>
+            <p:ph type="body" idx="1"/>
           </p:nvPr>
         </p:nvSpPr>
         <p:spPr>
@@ -1257,12 +1305,12 @@
           </a:prstGeom>
         </p:spPr>
         <p:txBody>
-          <a:bodyPr anchorCtr="0" anchor="t" bIns="91425" lIns="91425" spcFirstLastPara="1" rIns="91425" wrap="square" tIns="91425">
+          <a:bodyPr spcFirstLastPara="1" wrap="square" lIns="91425" tIns="91425" rIns="91425" bIns="91425" anchor="t" anchorCtr="0">
             <a:noAutofit/>
           </a:bodyPr>
           <a:lstStyle/>
           <a:p>
-            <a:pPr indent="0" lvl="0" marL="0" rtl="0" algn="l">
+            <a:pPr marL="0" lvl="0" indent="0" algn="l" rtl="0">
               <a:spcBef>
                 <a:spcPts val="0"/>
               </a:spcBef>
@@ -1271,9 +1319,6 @@
               </a:spcAft>
               <a:buNone/>
             </a:pPr>
-            <a:r>
-              <a:t/>
-            </a:r>
             <a:endParaRPr/>
           </a:p>
         </p:txBody>
@@ -1287,11 +1332,11 @@
 </file>
 
 <file path=ppt/notesSlides/notesSlide7.xml><?xml version="1.0" encoding="utf-8"?>
-<p:notes xmlns:a="http://schemas.openxmlformats.org/drawingml/2006/main" xmlns:r="http://schemas.openxmlformats.org/officeDocument/2006/relationships" xmlns:mc="http://schemas.openxmlformats.org/markup-compatibility/2006" xmlns:mv="urn:schemas-microsoft-com:mac:vml" xmlns:p="http://schemas.openxmlformats.org/presentationml/2006/main" xmlns:c="http://schemas.openxmlformats.org/drawingml/2006/chart" xmlns:dgm="http://schemas.openxmlformats.org/drawingml/2006/diagram" xmlns:o="urn:schemas-microsoft-com:office:office" xmlns:v="urn:schemas-microsoft-com:vml" xmlns:pvml="urn:schemas-microsoft-com:office:powerpoint" xmlns:com="http://schemas.openxmlformats.org/drawingml/2006/compatibility" xmlns:p14="http://schemas.microsoft.com/office/powerpoint/2010/main" xmlns:p15="http://schemas.microsoft.com/office/powerpoint/2012/main" xmlns:ahyp="http://schemas.microsoft.com/office/drawing/2018/hyperlinkcolor" showMasterPhAnim="0" showMasterSp="0">
+<p:notes xmlns:a="http://schemas.openxmlformats.org/drawingml/2006/main" xmlns:r="http://schemas.openxmlformats.org/officeDocument/2006/relationships" xmlns:p="http://schemas.openxmlformats.org/presentationml/2006/main" showMasterSp="0" showMasterPhAnim="0">
   <p:cSld>
     <p:spTree>
       <p:nvGrpSpPr>
-        <p:cNvPr id="85" name="Shape 85"/>
+        <p:cNvPr id="1" name="Shape 85"/>
         <p:cNvGrpSpPr/>
         <p:nvPr/>
       </p:nvGrpSpPr>
@@ -1306,9 +1351,11 @@
       <p:sp>
         <p:nvSpPr>
           <p:cNvPr id="86" name="Google Shape;86;ga7a278c946_0_26:notes"/>
-          <p:cNvSpPr/>
+          <p:cNvSpPr>
+            <a:spLocks noGrp="1" noRot="1" noChangeAspect="1"/>
+          </p:cNvSpPr>
           <p:nvPr>
-            <p:ph idx="2" type="sldImg"/>
+            <p:ph type="sldImg" idx="2"/>
           </p:nvPr>
         </p:nvSpPr>
         <p:spPr>
@@ -1317,9 +1364,13 @@
             <a:ext cx="6096300" cy="3429000"/>
           </a:xfrm>
           <a:custGeom>
-            <a:rect b="b" l="l" r="r" t="t"/>
+            <a:avLst/>
+            <a:gdLst/>
+            <a:ahLst/>
+            <a:cxnLst/>
+            <a:rect l="l" t="t" r="r" b="b"/>
             <a:pathLst>
-              <a:path extrusionOk="0" h="120000" w="120000">
+              <a:path w="120000" h="120000" extrusionOk="0">
                 <a:moveTo>
                   <a:pt x="0" y="0"/>
                 </a:moveTo>
@@ -1341,9 +1392,11 @@
       <p:sp>
         <p:nvSpPr>
           <p:cNvPr id="87" name="Google Shape;87;ga7a278c946_0_26:notes"/>
-          <p:cNvSpPr txBox="1"/>
+          <p:cNvSpPr txBox="1">
+            <a:spLocks noGrp="1"/>
+          </p:cNvSpPr>
           <p:nvPr>
-            <p:ph idx="1" type="body"/>
+            <p:ph type="body" idx="1"/>
           </p:nvPr>
         </p:nvSpPr>
         <p:spPr>
@@ -1356,12 +1409,12 @@
           </a:prstGeom>
         </p:spPr>
         <p:txBody>
-          <a:bodyPr anchorCtr="0" anchor="t" bIns="91425" lIns="91425" spcFirstLastPara="1" rIns="91425" wrap="square" tIns="91425">
+          <a:bodyPr spcFirstLastPara="1" wrap="square" lIns="91425" tIns="91425" rIns="91425" bIns="91425" anchor="t" anchorCtr="0">
             <a:noAutofit/>
           </a:bodyPr>
           <a:lstStyle/>
           <a:p>
-            <a:pPr indent="0" lvl="0" marL="0" rtl="0" algn="l">
+            <a:pPr marL="0" lvl="0" indent="0" algn="l" rtl="0">
               <a:spcBef>
                 <a:spcPts val="0"/>
               </a:spcBef>
@@ -1370,9 +1423,6 @@
               </a:spcAft>
               <a:buNone/>
             </a:pPr>
-            <a:r>
-              <a:t/>
-            </a:r>
             <a:endParaRPr/>
           </a:p>
         </p:txBody>
@@ -1386,11 +1436,11 @@
 </file>
 
 <file path=ppt/slideLayouts/slideLayout1.xml><?xml version="1.0" encoding="utf-8"?>
-<p:sldLayout xmlns:a="http://schemas.openxmlformats.org/drawingml/2006/main" xmlns:r="http://schemas.openxmlformats.org/officeDocument/2006/relationships" xmlns:mc="http://schemas.openxmlformats.org/markup-compatibility/2006" xmlns:mv="urn:schemas-microsoft-com:mac:vml" xmlns:p="http://schemas.openxmlformats.org/presentationml/2006/main" xmlns:c="http://schemas.openxmlformats.org/drawingml/2006/chart" xmlns:dgm="http://schemas.openxmlformats.org/drawingml/2006/diagram" xmlns:o="urn:schemas-microsoft-com:office:office" xmlns:v="urn:schemas-microsoft-com:vml" xmlns:pvml="urn:schemas-microsoft-com:office:powerpoint" xmlns:com="http://schemas.openxmlformats.org/drawingml/2006/compatibility" xmlns:p14="http://schemas.microsoft.com/office/powerpoint/2010/main" xmlns:p15="http://schemas.microsoft.com/office/powerpoint/2012/main" xmlns:ahyp="http://schemas.microsoft.com/office/drawing/2018/hyperlinkcolor" matchingName="Title slide" type="title">
+<p:sldLayout xmlns:a="http://schemas.openxmlformats.org/drawingml/2006/main" xmlns:r="http://schemas.openxmlformats.org/officeDocument/2006/relationships" xmlns:p="http://schemas.openxmlformats.org/presentationml/2006/main" matchingName="Title slide" type="title">
   <p:cSld name="TITLE">
     <p:spTree>
       <p:nvGrpSpPr>
-        <p:cNvPr id="9" name="Shape 9"/>
+        <p:cNvPr id="1" name="Shape 9"/>
         <p:cNvGrpSpPr/>
         <p:nvPr/>
       </p:nvGrpSpPr>
@@ -1405,7 +1455,9 @@
       <p:sp>
         <p:nvSpPr>
           <p:cNvPr id="10" name="Google Shape;10;p2"/>
-          <p:cNvSpPr txBox="1"/>
+          <p:cNvSpPr txBox="1">
+            <a:spLocks noGrp="1"/>
+          </p:cNvSpPr>
           <p:nvPr>
             <p:ph type="ctrTitle"/>
           </p:nvPr>
@@ -1420,7 +1472,7 @@
           </a:prstGeom>
         </p:spPr>
         <p:txBody>
-          <a:bodyPr anchorCtr="0" anchor="b" bIns="91425" lIns="91425" spcFirstLastPara="1" rIns="91425" wrap="square" tIns="91425">
+          <a:bodyPr spcFirstLastPara="1" wrap="square" lIns="91425" tIns="91425" rIns="91425" bIns="91425" anchor="b" anchorCtr="0">
             <a:noAutofit/>
           </a:bodyPr>
           <a:lstStyle>
@@ -1524,15 +1576,19 @@
               <a:defRPr sz="5200"/>
             </a:lvl9pPr>
           </a:lstStyle>
-          <a:p/>
+          <a:p>
+            <a:endParaRPr/>
+          </a:p>
         </p:txBody>
       </p:sp>
       <p:sp>
         <p:nvSpPr>
           <p:cNvPr id="11" name="Google Shape;11;p2"/>
-          <p:cNvSpPr txBox="1"/>
+          <p:cNvSpPr txBox="1">
+            <a:spLocks noGrp="1"/>
+          </p:cNvSpPr>
           <p:nvPr>
-            <p:ph idx="1" type="subTitle"/>
+            <p:ph type="subTitle" idx="1"/>
           </p:nvPr>
         </p:nvSpPr>
         <p:spPr>
@@ -1545,7 +1601,7 @@
           </a:prstGeom>
         </p:spPr>
         <p:txBody>
-          <a:bodyPr anchorCtr="0" anchor="t" bIns="91425" lIns="91425" spcFirstLastPara="1" rIns="91425" wrap="square" tIns="91425">
+          <a:bodyPr spcFirstLastPara="1" wrap="square" lIns="91425" tIns="91425" rIns="91425" bIns="91425" anchor="t" anchorCtr="0">
             <a:noAutofit/>
           </a:bodyPr>
           <a:lstStyle>
@@ -1676,15 +1732,19 @@
               <a:defRPr sz="2800"/>
             </a:lvl9pPr>
           </a:lstStyle>
-          <a:p/>
+          <a:p>
+            <a:endParaRPr/>
+          </a:p>
         </p:txBody>
       </p:sp>
       <p:sp>
         <p:nvSpPr>
           <p:cNvPr id="12" name="Google Shape;12;p2"/>
-          <p:cNvSpPr txBox="1"/>
+          <p:cNvSpPr txBox="1">
+            <a:spLocks noGrp="1"/>
+          </p:cNvSpPr>
           <p:nvPr>
-            <p:ph idx="12" type="sldNum"/>
+            <p:ph type="sldNum" idx="12"/>
           </p:nvPr>
         </p:nvSpPr>
         <p:spPr>
@@ -1697,7 +1757,7 @@
           </a:prstGeom>
         </p:spPr>
         <p:txBody>
-          <a:bodyPr anchorCtr="0" anchor="ctr" bIns="91425" lIns="91425" spcFirstLastPara="1" rIns="91425" wrap="square" tIns="91425">
+          <a:bodyPr spcFirstLastPara="1" wrap="square" lIns="91425" tIns="91425" rIns="91425" bIns="91425" anchor="ctr" anchorCtr="0">
             <a:noAutofit/>
           </a:bodyPr>
           <a:lstStyle>
@@ -1739,7 +1799,7 @@
             </a:lvl9pPr>
           </a:lstStyle>
           <a:p>
-            <a:pPr indent="0" lvl="0" marL="0" rtl="0" algn="r">
+            <a:pPr marL="0" lvl="0" indent="0" algn="r" rtl="0">
               <a:spcBef>
                 <a:spcPts val="0"/>
               </a:spcBef>
@@ -1750,6 +1810,15 @@
             </a:pPr>
             <a:fld id="{00000000-1234-1234-1234-123412341234}" type="slidenum">
               <a:rPr lang="en"/>
+              <a:pPr marL="0" lvl="0" indent="0" algn="r" rtl="0">
+                <a:spcBef>
+                  <a:spcPts val="0"/>
+                </a:spcBef>
+                <a:spcAft>
+                  <a:spcPts val="0"/>
+                </a:spcAft>
+                <a:buNone/>
+              </a:pPr>
               <a:t>‹#›</a:t>
             </a:fld>
             <a:endParaRPr/>
@@ -1765,11 +1834,11 @@
 </file>
 
 <file path=ppt/slideLayouts/slideLayout10.xml><?xml version="1.0" encoding="utf-8"?>
-<p:sldLayout xmlns:a="http://schemas.openxmlformats.org/drawingml/2006/main" xmlns:r="http://schemas.openxmlformats.org/officeDocument/2006/relationships" xmlns:mc="http://schemas.openxmlformats.org/markup-compatibility/2006" xmlns:mv="urn:schemas-microsoft-com:mac:vml" xmlns:p="http://schemas.openxmlformats.org/presentationml/2006/main" xmlns:c="http://schemas.openxmlformats.org/drawingml/2006/chart" xmlns:dgm="http://schemas.openxmlformats.org/drawingml/2006/diagram" xmlns:o="urn:schemas-microsoft-com:office:office" xmlns:v="urn:schemas-microsoft-com:vml" xmlns:pvml="urn:schemas-microsoft-com:office:powerpoint" xmlns:com="http://schemas.openxmlformats.org/drawingml/2006/compatibility" xmlns:p14="http://schemas.microsoft.com/office/powerpoint/2010/main" xmlns:p15="http://schemas.microsoft.com/office/powerpoint/2012/main" xmlns:ahyp="http://schemas.microsoft.com/office/drawing/2018/hyperlinkcolor" matchingName="Big number">
+<p:sldLayout xmlns:a="http://schemas.openxmlformats.org/drawingml/2006/main" xmlns:r="http://schemas.openxmlformats.org/officeDocument/2006/relationships" xmlns:p="http://schemas.openxmlformats.org/presentationml/2006/main" matchingName="Big number">
   <p:cSld name="BIG_NUMBER">
     <p:spTree>
       <p:nvGrpSpPr>
-        <p:cNvPr id="44" name="Shape 44"/>
+        <p:cNvPr id="1" name="Shape 44"/>
         <p:cNvGrpSpPr/>
         <p:nvPr/>
       </p:nvGrpSpPr>
@@ -1784,9 +1853,11 @@
       <p:sp>
         <p:nvSpPr>
           <p:cNvPr id="45" name="Google Shape;45;p11"/>
-          <p:cNvSpPr txBox="1"/>
+          <p:cNvSpPr txBox="1">
+            <a:spLocks noGrp="1"/>
+          </p:cNvSpPr>
           <p:nvPr>
-            <p:ph hasCustomPrompt="1" type="title"/>
+            <p:ph type="title" hasCustomPrompt="1"/>
           </p:nvPr>
         </p:nvSpPr>
         <p:spPr>
@@ -1799,7 +1870,7 @@
           </a:prstGeom>
         </p:spPr>
         <p:txBody>
-          <a:bodyPr anchorCtr="0" anchor="b" bIns="91425" lIns="91425" spcFirstLastPara="1" rIns="91425" wrap="square" tIns="91425">
+          <a:bodyPr spcFirstLastPara="1" wrap="square" lIns="91425" tIns="91425" rIns="91425" bIns="91425" anchor="b" anchorCtr="0">
             <a:noAutofit/>
           </a:bodyPr>
           <a:lstStyle>
@@ -1913,9 +1984,11 @@
       <p:sp>
         <p:nvSpPr>
           <p:cNvPr id="46" name="Google Shape;46;p11"/>
-          <p:cNvSpPr txBox="1"/>
+          <p:cNvSpPr txBox="1">
+            <a:spLocks noGrp="1"/>
+          </p:cNvSpPr>
           <p:nvPr>
-            <p:ph idx="1" type="body"/>
+            <p:ph type="body" idx="1"/>
           </p:nvPr>
         </p:nvSpPr>
         <p:spPr>
@@ -1928,11 +2001,11 @@
           </a:prstGeom>
         </p:spPr>
         <p:txBody>
-          <a:bodyPr anchorCtr="0" anchor="t" bIns="91425" lIns="91425" spcFirstLastPara="1" rIns="91425" wrap="square" tIns="91425">
+          <a:bodyPr spcFirstLastPara="1" wrap="square" lIns="91425" tIns="91425" rIns="91425" bIns="91425" anchor="t" anchorCtr="0">
             <a:noAutofit/>
           </a:bodyPr>
           <a:lstStyle>
-            <a:lvl1pPr indent="-342900" lvl="0" marL="457200" algn="ctr">
+            <a:lvl1pPr marL="457200" lvl="0" indent="-342900" algn="ctr">
               <a:spcBef>
                 <a:spcPts val="0"/>
               </a:spcBef>
@@ -1943,7 +2016,7 @@
               <a:buChar char="●"/>
               <a:defRPr/>
             </a:lvl1pPr>
-            <a:lvl2pPr indent="-317500" lvl="1" marL="914400" algn="ctr">
+            <a:lvl2pPr marL="914400" lvl="1" indent="-317500" algn="ctr">
               <a:spcBef>
                 <a:spcPts val="1600"/>
               </a:spcBef>
@@ -1954,7 +2027,7 @@
               <a:buChar char="○"/>
               <a:defRPr/>
             </a:lvl2pPr>
-            <a:lvl3pPr indent="-317500" lvl="2" marL="1371600" algn="ctr">
+            <a:lvl3pPr marL="1371600" lvl="2" indent="-317500" algn="ctr">
               <a:spcBef>
                 <a:spcPts val="1600"/>
               </a:spcBef>
@@ -1965,7 +2038,7 @@
               <a:buChar char="■"/>
               <a:defRPr/>
             </a:lvl3pPr>
-            <a:lvl4pPr indent="-317500" lvl="3" marL="1828800" algn="ctr">
+            <a:lvl4pPr marL="1828800" lvl="3" indent="-317500" algn="ctr">
               <a:spcBef>
                 <a:spcPts val="1600"/>
               </a:spcBef>
@@ -1976,7 +2049,7 @@
               <a:buChar char="●"/>
               <a:defRPr/>
             </a:lvl4pPr>
-            <a:lvl5pPr indent="-317500" lvl="4" marL="2286000" algn="ctr">
+            <a:lvl5pPr marL="2286000" lvl="4" indent="-317500" algn="ctr">
               <a:spcBef>
                 <a:spcPts val="1600"/>
               </a:spcBef>
@@ -1987,7 +2060,7 @@
               <a:buChar char="○"/>
               <a:defRPr/>
             </a:lvl5pPr>
-            <a:lvl6pPr indent="-317500" lvl="5" marL="2743200" algn="ctr">
+            <a:lvl6pPr marL="2743200" lvl="5" indent="-317500" algn="ctr">
               <a:spcBef>
                 <a:spcPts val="1600"/>
               </a:spcBef>
@@ -1998,7 +2071,7 @@
               <a:buChar char="■"/>
               <a:defRPr/>
             </a:lvl6pPr>
-            <a:lvl7pPr indent="-317500" lvl="6" marL="3200400" algn="ctr">
+            <a:lvl7pPr marL="3200400" lvl="6" indent="-317500" algn="ctr">
               <a:spcBef>
                 <a:spcPts val="1600"/>
               </a:spcBef>
@@ -2009,7 +2082,7 @@
               <a:buChar char="●"/>
               <a:defRPr/>
             </a:lvl7pPr>
-            <a:lvl8pPr indent="-317500" lvl="7" marL="3657600" algn="ctr">
+            <a:lvl8pPr marL="3657600" lvl="7" indent="-317500" algn="ctr">
               <a:spcBef>
                 <a:spcPts val="1600"/>
               </a:spcBef>
@@ -2020,7 +2093,7 @@
               <a:buChar char="○"/>
               <a:defRPr/>
             </a:lvl8pPr>
-            <a:lvl9pPr indent="-317500" lvl="8" marL="4114800" algn="ctr">
+            <a:lvl9pPr marL="4114800" lvl="8" indent="-317500" algn="ctr">
               <a:spcBef>
                 <a:spcPts val="1600"/>
               </a:spcBef>
@@ -2032,15 +2105,19 @@
               <a:defRPr/>
             </a:lvl9pPr>
           </a:lstStyle>
-          <a:p/>
+          <a:p>
+            <a:endParaRPr/>
+          </a:p>
         </p:txBody>
       </p:sp>
       <p:sp>
         <p:nvSpPr>
           <p:cNvPr id="47" name="Google Shape;47;p11"/>
-          <p:cNvSpPr txBox="1"/>
+          <p:cNvSpPr txBox="1">
+            <a:spLocks noGrp="1"/>
+          </p:cNvSpPr>
           <p:nvPr>
-            <p:ph idx="12" type="sldNum"/>
+            <p:ph type="sldNum" idx="12"/>
           </p:nvPr>
         </p:nvSpPr>
         <p:spPr>
@@ -2053,7 +2130,7 @@
           </a:prstGeom>
         </p:spPr>
         <p:txBody>
-          <a:bodyPr anchorCtr="0" anchor="ctr" bIns="91425" lIns="91425" spcFirstLastPara="1" rIns="91425" wrap="square" tIns="91425">
+          <a:bodyPr spcFirstLastPara="1" wrap="square" lIns="91425" tIns="91425" rIns="91425" bIns="91425" anchor="ctr" anchorCtr="0">
             <a:noAutofit/>
           </a:bodyPr>
           <a:lstStyle>
@@ -2095,7 +2172,7 @@
             </a:lvl9pPr>
           </a:lstStyle>
           <a:p>
-            <a:pPr indent="0" lvl="0" marL="0" rtl="0" algn="r">
+            <a:pPr marL="0" lvl="0" indent="0" algn="r" rtl="0">
               <a:spcBef>
                 <a:spcPts val="0"/>
               </a:spcBef>
@@ -2106,6 +2183,15 @@
             </a:pPr>
             <a:fld id="{00000000-1234-1234-1234-123412341234}" type="slidenum">
               <a:rPr lang="en"/>
+              <a:pPr marL="0" lvl="0" indent="0" algn="r" rtl="0">
+                <a:spcBef>
+                  <a:spcPts val="0"/>
+                </a:spcBef>
+                <a:spcAft>
+                  <a:spcPts val="0"/>
+                </a:spcAft>
+                <a:buNone/>
+              </a:pPr>
               <a:t>‹#›</a:t>
             </a:fld>
             <a:endParaRPr/>
@@ -2121,11 +2207,11 @@
 </file>
 
 <file path=ppt/slideLayouts/slideLayout11.xml><?xml version="1.0" encoding="utf-8"?>
-<p:sldLayout xmlns:a="http://schemas.openxmlformats.org/drawingml/2006/main" xmlns:r="http://schemas.openxmlformats.org/officeDocument/2006/relationships" xmlns:mc="http://schemas.openxmlformats.org/markup-compatibility/2006" xmlns:mv="urn:schemas-microsoft-com:mac:vml" xmlns:p="http://schemas.openxmlformats.org/presentationml/2006/main" xmlns:c="http://schemas.openxmlformats.org/drawingml/2006/chart" xmlns:dgm="http://schemas.openxmlformats.org/drawingml/2006/diagram" xmlns:o="urn:schemas-microsoft-com:office:office" xmlns:v="urn:schemas-microsoft-com:vml" xmlns:pvml="urn:schemas-microsoft-com:office:powerpoint" xmlns:com="http://schemas.openxmlformats.org/drawingml/2006/compatibility" xmlns:p14="http://schemas.microsoft.com/office/powerpoint/2010/main" xmlns:p15="http://schemas.microsoft.com/office/powerpoint/2012/main" xmlns:ahyp="http://schemas.microsoft.com/office/drawing/2018/hyperlinkcolor" matchingName="Blank" type="blank">
+<p:sldLayout xmlns:a="http://schemas.openxmlformats.org/drawingml/2006/main" xmlns:r="http://schemas.openxmlformats.org/officeDocument/2006/relationships" xmlns:p="http://schemas.openxmlformats.org/presentationml/2006/main" matchingName="Blank" type="blank">
   <p:cSld name="BLANK">
     <p:spTree>
       <p:nvGrpSpPr>
-        <p:cNvPr id="48" name="Shape 48"/>
+        <p:cNvPr id="1" name="Shape 48"/>
         <p:cNvGrpSpPr/>
         <p:nvPr/>
       </p:nvGrpSpPr>
@@ -2140,9 +2226,11 @@
       <p:sp>
         <p:nvSpPr>
           <p:cNvPr id="49" name="Google Shape;49;p12"/>
-          <p:cNvSpPr txBox="1"/>
+          <p:cNvSpPr txBox="1">
+            <a:spLocks noGrp="1"/>
+          </p:cNvSpPr>
           <p:nvPr>
-            <p:ph idx="12" type="sldNum"/>
+            <p:ph type="sldNum" idx="12"/>
           </p:nvPr>
         </p:nvSpPr>
         <p:spPr>
@@ -2155,7 +2243,7 @@
           </a:prstGeom>
         </p:spPr>
         <p:txBody>
-          <a:bodyPr anchorCtr="0" anchor="ctr" bIns="91425" lIns="91425" spcFirstLastPara="1" rIns="91425" wrap="square" tIns="91425">
+          <a:bodyPr spcFirstLastPara="1" wrap="square" lIns="91425" tIns="91425" rIns="91425" bIns="91425" anchor="ctr" anchorCtr="0">
             <a:noAutofit/>
           </a:bodyPr>
           <a:lstStyle>
@@ -2197,7 +2285,7 @@
             </a:lvl9pPr>
           </a:lstStyle>
           <a:p>
-            <a:pPr indent="0" lvl="0" marL="0" rtl="0" algn="r">
+            <a:pPr marL="0" lvl="0" indent="0" algn="r" rtl="0">
               <a:spcBef>
                 <a:spcPts val="0"/>
               </a:spcBef>
@@ -2208,6 +2296,15 @@
             </a:pPr>
             <a:fld id="{00000000-1234-1234-1234-123412341234}" type="slidenum">
               <a:rPr lang="en"/>
+              <a:pPr marL="0" lvl="0" indent="0" algn="r" rtl="0">
+                <a:spcBef>
+                  <a:spcPts val="0"/>
+                </a:spcBef>
+                <a:spcAft>
+                  <a:spcPts val="0"/>
+                </a:spcAft>
+                <a:buNone/>
+              </a:pPr>
               <a:t>‹#›</a:t>
             </a:fld>
             <a:endParaRPr/>
@@ -2223,11 +2320,11 @@
 </file>
 
 <file path=ppt/slideLayouts/slideLayout2.xml><?xml version="1.0" encoding="utf-8"?>
-<p:sldLayout xmlns:a="http://schemas.openxmlformats.org/drawingml/2006/main" xmlns:r="http://schemas.openxmlformats.org/officeDocument/2006/relationships" xmlns:mc="http://schemas.openxmlformats.org/markup-compatibility/2006" xmlns:mv="urn:schemas-microsoft-com:mac:vml" xmlns:p="http://schemas.openxmlformats.org/presentationml/2006/main" xmlns:c="http://schemas.openxmlformats.org/drawingml/2006/chart" xmlns:dgm="http://schemas.openxmlformats.org/drawingml/2006/diagram" xmlns:o="urn:schemas-microsoft-com:office:office" xmlns:v="urn:schemas-microsoft-com:vml" xmlns:pvml="urn:schemas-microsoft-com:office:powerpoint" xmlns:com="http://schemas.openxmlformats.org/drawingml/2006/compatibility" xmlns:p14="http://schemas.microsoft.com/office/powerpoint/2010/main" xmlns:p15="http://schemas.microsoft.com/office/powerpoint/2012/main" xmlns:ahyp="http://schemas.microsoft.com/office/drawing/2018/hyperlinkcolor" matchingName="Section header" type="secHead">
+<p:sldLayout xmlns:a="http://schemas.openxmlformats.org/drawingml/2006/main" xmlns:r="http://schemas.openxmlformats.org/officeDocument/2006/relationships" xmlns:p="http://schemas.openxmlformats.org/presentationml/2006/main" matchingName="Section header" type="secHead">
   <p:cSld name="SECTION_HEADER">
     <p:spTree>
       <p:nvGrpSpPr>
-        <p:cNvPr id="13" name="Shape 13"/>
+        <p:cNvPr id="1" name="Shape 13"/>
         <p:cNvGrpSpPr/>
         <p:nvPr/>
       </p:nvGrpSpPr>
@@ -2242,7 +2339,9 @@
       <p:sp>
         <p:nvSpPr>
           <p:cNvPr id="14" name="Google Shape;14;p3"/>
-          <p:cNvSpPr txBox="1"/>
+          <p:cNvSpPr txBox="1">
+            <a:spLocks noGrp="1"/>
+          </p:cNvSpPr>
           <p:nvPr>
             <p:ph type="title"/>
           </p:nvPr>
@@ -2257,7 +2356,7 @@
           </a:prstGeom>
         </p:spPr>
         <p:txBody>
-          <a:bodyPr anchorCtr="0" anchor="ctr" bIns="91425" lIns="91425" spcFirstLastPara="1" rIns="91425" wrap="square" tIns="91425">
+          <a:bodyPr spcFirstLastPara="1" wrap="square" lIns="91425" tIns="91425" rIns="91425" bIns="91425" anchor="ctr" anchorCtr="0">
             <a:noAutofit/>
           </a:bodyPr>
           <a:lstStyle>
@@ -2361,15 +2460,19 @@
               <a:defRPr sz="3600"/>
             </a:lvl9pPr>
           </a:lstStyle>
-          <a:p/>
+          <a:p>
+            <a:endParaRPr/>
+          </a:p>
         </p:txBody>
       </p:sp>
       <p:sp>
         <p:nvSpPr>
           <p:cNvPr id="15" name="Google Shape;15;p3"/>
-          <p:cNvSpPr txBox="1"/>
+          <p:cNvSpPr txBox="1">
+            <a:spLocks noGrp="1"/>
+          </p:cNvSpPr>
           <p:nvPr>
-            <p:ph idx="12" type="sldNum"/>
+            <p:ph type="sldNum" idx="12"/>
           </p:nvPr>
         </p:nvSpPr>
         <p:spPr>
@@ -2382,7 +2485,7 @@
           </a:prstGeom>
         </p:spPr>
         <p:txBody>
-          <a:bodyPr anchorCtr="0" anchor="ctr" bIns="91425" lIns="91425" spcFirstLastPara="1" rIns="91425" wrap="square" tIns="91425">
+          <a:bodyPr spcFirstLastPara="1" wrap="square" lIns="91425" tIns="91425" rIns="91425" bIns="91425" anchor="ctr" anchorCtr="0">
             <a:noAutofit/>
           </a:bodyPr>
           <a:lstStyle>
@@ -2424,7 +2527,7 @@
             </a:lvl9pPr>
           </a:lstStyle>
           <a:p>
-            <a:pPr indent="0" lvl="0" marL="0" rtl="0" algn="r">
+            <a:pPr marL="0" lvl="0" indent="0" algn="r" rtl="0">
               <a:spcBef>
                 <a:spcPts val="0"/>
               </a:spcBef>
@@ -2435,6 +2538,15 @@
             </a:pPr>
             <a:fld id="{00000000-1234-1234-1234-123412341234}" type="slidenum">
               <a:rPr lang="en"/>
+              <a:pPr marL="0" lvl="0" indent="0" algn="r" rtl="0">
+                <a:spcBef>
+                  <a:spcPts val="0"/>
+                </a:spcBef>
+                <a:spcAft>
+                  <a:spcPts val="0"/>
+                </a:spcAft>
+                <a:buNone/>
+              </a:pPr>
               <a:t>‹#›</a:t>
             </a:fld>
             <a:endParaRPr/>
@@ -2450,11 +2562,11 @@
 </file>
 
 <file path=ppt/slideLayouts/slideLayout3.xml><?xml version="1.0" encoding="utf-8"?>
-<p:sldLayout xmlns:a="http://schemas.openxmlformats.org/drawingml/2006/main" xmlns:r="http://schemas.openxmlformats.org/officeDocument/2006/relationships" xmlns:mc="http://schemas.openxmlformats.org/markup-compatibility/2006" xmlns:mv="urn:schemas-microsoft-com:mac:vml" xmlns:p="http://schemas.openxmlformats.org/presentationml/2006/main" xmlns:c="http://schemas.openxmlformats.org/drawingml/2006/chart" xmlns:dgm="http://schemas.openxmlformats.org/drawingml/2006/diagram" xmlns:o="urn:schemas-microsoft-com:office:office" xmlns:v="urn:schemas-microsoft-com:vml" xmlns:pvml="urn:schemas-microsoft-com:office:powerpoint" xmlns:com="http://schemas.openxmlformats.org/drawingml/2006/compatibility" xmlns:p14="http://schemas.microsoft.com/office/powerpoint/2010/main" xmlns:p15="http://schemas.microsoft.com/office/powerpoint/2012/main" xmlns:ahyp="http://schemas.microsoft.com/office/drawing/2018/hyperlinkcolor" matchingName="Title and body" type="tx">
+<p:sldLayout xmlns:a="http://schemas.openxmlformats.org/drawingml/2006/main" xmlns:r="http://schemas.openxmlformats.org/officeDocument/2006/relationships" xmlns:p="http://schemas.openxmlformats.org/presentationml/2006/main" matchingName="Title and body" type="tx">
   <p:cSld name="TITLE_AND_BODY">
     <p:spTree>
       <p:nvGrpSpPr>
-        <p:cNvPr id="16" name="Shape 16"/>
+        <p:cNvPr id="1" name="Shape 16"/>
         <p:cNvGrpSpPr/>
         <p:nvPr/>
       </p:nvGrpSpPr>
@@ -2469,7 +2581,9 @@
       <p:sp>
         <p:nvSpPr>
           <p:cNvPr id="17" name="Google Shape;17;p4"/>
-          <p:cNvSpPr txBox="1"/>
+          <p:cNvSpPr txBox="1">
+            <a:spLocks noGrp="1"/>
+          </p:cNvSpPr>
           <p:nvPr>
             <p:ph type="title"/>
           </p:nvPr>
@@ -2484,7 +2598,7 @@
           </a:prstGeom>
         </p:spPr>
         <p:txBody>
-          <a:bodyPr anchorCtr="0" anchor="t" bIns="91425" lIns="91425" spcFirstLastPara="1" rIns="91425" wrap="square" tIns="91425">
+          <a:bodyPr spcFirstLastPara="1" wrap="square" lIns="91425" tIns="91425" rIns="91425" bIns="91425" anchor="t" anchorCtr="0">
             <a:noAutofit/>
           </a:bodyPr>
           <a:lstStyle>
@@ -2588,15 +2702,19 @@
               <a:defRPr/>
             </a:lvl9pPr>
           </a:lstStyle>
-          <a:p/>
+          <a:p>
+            <a:endParaRPr/>
+          </a:p>
         </p:txBody>
       </p:sp>
       <p:sp>
         <p:nvSpPr>
           <p:cNvPr id="18" name="Google Shape;18;p4"/>
-          <p:cNvSpPr txBox="1"/>
+          <p:cNvSpPr txBox="1">
+            <a:spLocks noGrp="1"/>
+          </p:cNvSpPr>
           <p:nvPr>
-            <p:ph idx="1" type="body"/>
+            <p:ph type="body" idx="1"/>
           </p:nvPr>
         </p:nvSpPr>
         <p:spPr>
@@ -2609,11 +2727,11 @@
           </a:prstGeom>
         </p:spPr>
         <p:txBody>
-          <a:bodyPr anchorCtr="0" anchor="t" bIns="91425" lIns="91425" spcFirstLastPara="1" rIns="91425" wrap="square" tIns="91425">
+          <a:bodyPr spcFirstLastPara="1" wrap="square" lIns="91425" tIns="91425" rIns="91425" bIns="91425" anchor="t" anchorCtr="0">
             <a:noAutofit/>
           </a:bodyPr>
           <a:lstStyle>
-            <a:lvl1pPr indent="-342900" lvl="0" marL="457200">
+            <a:lvl1pPr marL="457200" lvl="0" indent="-342900">
               <a:spcBef>
                 <a:spcPts val="0"/>
               </a:spcBef>
@@ -2624,7 +2742,7 @@
               <a:buChar char="●"/>
               <a:defRPr/>
             </a:lvl1pPr>
-            <a:lvl2pPr indent="-317500" lvl="1" marL="914400">
+            <a:lvl2pPr marL="914400" lvl="1" indent="-317500">
               <a:spcBef>
                 <a:spcPts val="1600"/>
               </a:spcBef>
@@ -2635,7 +2753,7 @@
               <a:buChar char="○"/>
               <a:defRPr/>
             </a:lvl2pPr>
-            <a:lvl3pPr indent="-317500" lvl="2" marL="1371600">
+            <a:lvl3pPr marL="1371600" lvl="2" indent="-317500">
               <a:spcBef>
                 <a:spcPts val="1600"/>
               </a:spcBef>
@@ -2646,7 +2764,7 @@
               <a:buChar char="■"/>
               <a:defRPr/>
             </a:lvl3pPr>
-            <a:lvl4pPr indent="-317500" lvl="3" marL="1828800">
+            <a:lvl4pPr marL="1828800" lvl="3" indent="-317500">
               <a:spcBef>
                 <a:spcPts val="1600"/>
               </a:spcBef>
@@ -2657,7 +2775,7 @@
               <a:buChar char="●"/>
               <a:defRPr/>
             </a:lvl4pPr>
-            <a:lvl5pPr indent="-317500" lvl="4" marL="2286000">
+            <a:lvl5pPr marL="2286000" lvl="4" indent="-317500">
               <a:spcBef>
                 <a:spcPts val="1600"/>
               </a:spcBef>
@@ -2668,7 +2786,7 @@
               <a:buChar char="○"/>
               <a:defRPr/>
             </a:lvl5pPr>
-            <a:lvl6pPr indent="-317500" lvl="5" marL="2743200">
+            <a:lvl6pPr marL="2743200" lvl="5" indent="-317500">
               <a:spcBef>
                 <a:spcPts val="1600"/>
               </a:spcBef>
@@ -2679,7 +2797,7 @@
               <a:buChar char="■"/>
               <a:defRPr/>
             </a:lvl6pPr>
-            <a:lvl7pPr indent="-317500" lvl="6" marL="3200400">
+            <a:lvl7pPr marL="3200400" lvl="6" indent="-317500">
               <a:spcBef>
                 <a:spcPts val="1600"/>
               </a:spcBef>
@@ -2690,7 +2808,7 @@
               <a:buChar char="●"/>
               <a:defRPr/>
             </a:lvl7pPr>
-            <a:lvl8pPr indent="-317500" lvl="7" marL="3657600">
+            <a:lvl8pPr marL="3657600" lvl="7" indent="-317500">
               <a:spcBef>
                 <a:spcPts val="1600"/>
               </a:spcBef>
@@ -2701,7 +2819,7 @@
               <a:buChar char="○"/>
               <a:defRPr/>
             </a:lvl8pPr>
-            <a:lvl9pPr indent="-317500" lvl="8" marL="4114800">
+            <a:lvl9pPr marL="4114800" lvl="8" indent="-317500">
               <a:spcBef>
                 <a:spcPts val="1600"/>
               </a:spcBef>
@@ -2713,15 +2831,19 @@
               <a:defRPr/>
             </a:lvl9pPr>
           </a:lstStyle>
-          <a:p/>
+          <a:p>
+            <a:endParaRPr/>
+          </a:p>
         </p:txBody>
       </p:sp>
       <p:sp>
         <p:nvSpPr>
           <p:cNvPr id="19" name="Google Shape;19;p4"/>
-          <p:cNvSpPr txBox="1"/>
+          <p:cNvSpPr txBox="1">
+            <a:spLocks noGrp="1"/>
+          </p:cNvSpPr>
           <p:nvPr>
-            <p:ph idx="12" type="sldNum"/>
+            <p:ph type="sldNum" idx="12"/>
           </p:nvPr>
         </p:nvSpPr>
         <p:spPr>
@@ -2734,7 +2856,7 @@
           </a:prstGeom>
         </p:spPr>
         <p:txBody>
-          <a:bodyPr anchorCtr="0" anchor="ctr" bIns="91425" lIns="91425" spcFirstLastPara="1" rIns="91425" wrap="square" tIns="91425">
+          <a:bodyPr spcFirstLastPara="1" wrap="square" lIns="91425" tIns="91425" rIns="91425" bIns="91425" anchor="ctr" anchorCtr="0">
             <a:noAutofit/>
           </a:bodyPr>
           <a:lstStyle>
@@ -2776,7 +2898,7 @@
             </a:lvl9pPr>
           </a:lstStyle>
           <a:p>
-            <a:pPr indent="0" lvl="0" marL="0" rtl="0" algn="r">
+            <a:pPr marL="0" lvl="0" indent="0" algn="r" rtl="0">
               <a:spcBef>
                 <a:spcPts val="0"/>
               </a:spcBef>
@@ -2787,6 +2909,15 @@
             </a:pPr>
             <a:fld id="{00000000-1234-1234-1234-123412341234}" type="slidenum">
               <a:rPr lang="en"/>
+              <a:pPr marL="0" lvl="0" indent="0" algn="r" rtl="0">
+                <a:spcBef>
+                  <a:spcPts val="0"/>
+                </a:spcBef>
+                <a:spcAft>
+                  <a:spcPts val="0"/>
+                </a:spcAft>
+                <a:buNone/>
+              </a:pPr>
               <a:t>‹#›</a:t>
             </a:fld>
             <a:endParaRPr/>
@@ -2802,11 +2933,11 @@
 </file>
 
 <file path=ppt/slideLayouts/slideLayout4.xml><?xml version="1.0" encoding="utf-8"?>
-<p:sldLayout xmlns:a="http://schemas.openxmlformats.org/drawingml/2006/main" xmlns:r="http://schemas.openxmlformats.org/officeDocument/2006/relationships" xmlns:mc="http://schemas.openxmlformats.org/markup-compatibility/2006" xmlns:mv="urn:schemas-microsoft-com:mac:vml" xmlns:p="http://schemas.openxmlformats.org/presentationml/2006/main" xmlns:c="http://schemas.openxmlformats.org/drawingml/2006/chart" xmlns:dgm="http://schemas.openxmlformats.org/drawingml/2006/diagram" xmlns:o="urn:schemas-microsoft-com:office:office" xmlns:v="urn:schemas-microsoft-com:vml" xmlns:pvml="urn:schemas-microsoft-com:office:powerpoint" xmlns:com="http://schemas.openxmlformats.org/drawingml/2006/compatibility" xmlns:p14="http://schemas.microsoft.com/office/powerpoint/2010/main" xmlns:p15="http://schemas.microsoft.com/office/powerpoint/2012/main" xmlns:ahyp="http://schemas.microsoft.com/office/drawing/2018/hyperlinkcolor" matchingName="Title and two columns" type="twoColTx">
+<p:sldLayout xmlns:a="http://schemas.openxmlformats.org/drawingml/2006/main" xmlns:r="http://schemas.openxmlformats.org/officeDocument/2006/relationships" xmlns:p="http://schemas.openxmlformats.org/presentationml/2006/main" matchingName="Title and two columns" type="twoColTx">
   <p:cSld name="TITLE_AND_TWO_COLUMNS">
     <p:spTree>
       <p:nvGrpSpPr>
-        <p:cNvPr id="20" name="Shape 20"/>
+        <p:cNvPr id="1" name="Shape 20"/>
         <p:cNvGrpSpPr/>
         <p:nvPr/>
       </p:nvGrpSpPr>
@@ -2821,7 +2952,9 @@
       <p:sp>
         <p:nvSpPr>
           <p:cNvPr id="21" name="Google Shape;21;p5"/>
-          <p:cNvSpPr txBox="1"/>
+          <p:cNvSpPr txBox="1">
+            <a:spLocks noGrp="1"/>
+          </p:cNvSpPr>
           <p:nvPr>
             <p:ph type="title"/>
           </p:nvPr>
@@ -2836,7 +2969,7 @@
           </a:prstGeom>
         </p:spPr>
         <p:txBody>
-          <a:bodyPr anchorCtr="0" anchor="t" bIns="91425" lIns="91425" spcFirstLastPara="1" rIns="91425" wrap="square" tIns="91425">
+          <a:bodyPr spcFirstLastPara="1" wrap="square" lIns="91425" tIns="91425" rIns="91425" bIns="91425" anchor="t" anchorCtr="0">
             <a:noAutofit/>
           </a:bodyPr>
           <a:lstStyle>
@@ -2940,15 +3073,19 @@
               <a:defRPr/>
             </a:lvl9pPr>
           </a:lstStyle>
-          <a:p/>
+          <a:p>
+            <a:endParaRPr/>
+          </a:p>
         </p:txBody>
       </p:sp>
       <p:sp>
         <p:nvSpPr>
           <p:cNvPr id="22" name="Google Shape;22;p5"/>
-          <p:cNvSpPr txBox="1"/>
+          <p:cNvSpPr txBox="1">
+            <a:spLocks noGrp="1"/>
+          </p:cNvSpPr>
           <p:nvPr>
-            <p:ph idx="1" type="body"/>
+            <p:ph type="body" idx="1"/>
           </p:nvPr>
         </p:nvSpPr>
         <p:spPr>
@@ -2961,11 +3098,11 @@
           </a:prstGeom>
         </p:spPr>
         <p:txBody>
-          <a:bodyPr anchorCtr="0" anchor="t" bIns="91425" lIns="91425" spcFirstLastPara="1" rIns="91425" wrap="square" tIns="91425">
+          <a:bodyPr spcFirstLastPara="1" wrap="square" lIns="91425" tIns="91425" rIns="91425" bIns="91425" anchor="t" anchorCtr="0">
             <a:noAutofit/>
           </a:bodyPr>
           <a:lstStyle>
-            <a:lvl1pPr indent="-317500" lvl="0" marL="457200">
+            <a:lvl1pPr marL="457200" lvl="0" indent="-317500">
               <a:spcBef>
                 <a:spcPts val="0"/>
               </a:spcBef>
@@ -2976,7 +3113,7 @@
               <a:buChar char="●"/>
               <a:defRPr sz="1400"/>
             </a:lvl1pPr>
-            <a:lvl2pPr indent="-304800" lvl="1" marL="914400">
+            <a:lvl2pPr marL="914400" lvl="1" indent="-304800">
               <a:spcBef>
                 <a:spcPts val="1600"/>
               </a:spcBef>
@@ -2987,7 +3124,7 @@
               <a:buChar char="○"/>
               <a:defRPr sz="1200"/>
             </a:lvl2pPr>
-            <a:lvl3pPr indent="-304800" lvl="2" marL="1371600">
+            <a:lvl3pPr marL="1371600" lvl="2" indent="-304800">
               <a:spcBef>
                 <a:spcPts val="1600"/>
               </a:spcBef>
@@ -2998,7 +3135,7 @@
               <a:buChar char="■"/>
               <a:defRPr sz="1200"/>
             </a:lvl3pPr>
-            <a:lvl4pPr indent="-304800" lvl="3" marL="1828800">
+            <a:lvl4pPr marL="1828800" lvl="3" indent="-304800">
               <a:spcBef>
                 <a:spcPts val="1600"/>
               </a:spcBef>
@@ -3009,7 +3146,7 @@
               <a:buChar char="●"/>
               <a:defRPr sz="1200"/>
             </a:lvl4pPr>
-            <a:lvl5pPr indent="-304800" lvl="4" marL="2286000">
+            <a:lvl5pPr marL="2286000" lvl="4" indent="-304800">
               <a:spcBef>
                 <a:spcPts val="1600"/>
               </a:spcBef>
@@ -3020,7 +3157,7 @@
               <a:buChar char="○"/>
               <a:defRPr sz="1200"/>
             </a:lvl5pPr>
-            <a:lvl6pPr indent="-304800" lvl="5" marL="2743200">
+            <a:lvl6pPr marL="2743200" lvl="5" indent="-304800">
               <a:spcBef>
                 <a:spcPts val="1600"/>
               </a:spcBef>
@@ -3031,7 +3168,7 @@
               <a:buChar char="■"/>
               <a:defRPr sz="1200"/>
             </a:lvl6pPr>
-            <a:lvl7pPr indent="-304800" lvl="6" marL="3200400">
+            <a:lvl7pPr marL="3200400" lvl="6" indent="-304800">
               <a:spcBef>
                 <a:spcPts val="1600"/>
               </a:spcBef>
@@ -3042,7 +3179,7 @@
               <a:buChar char="●"/>
               <a:defRPr sz="1200"/>
             </a:lvl7pPr>
-            <a:lvl8pPr indent="-304800" lvl="7" marL="3657600">
+            <a:lvl8pPr marL="3657600" lvl="7" indent="-304800">
               <a:spcBef>
                 <a:spcPts val="1600"/>
               </a:spcBef>
@@ -3053,7 +3190,7 @@
               <a:buChar char="○"/>
               <a:defRPr sz="1200"/>
             </a:lvl8pPr>
-            <a:lvl9pPr indent="-304800" lvl="8" marL="4114800">
+            <a:lvl9pPr marL="4114800" lvl="8" indent="-304800">
               <a:spcBef>
                 <a:spcPts val="1600"/>
               </a:spcBef>
@@ -3065,15 +3202,19 @@
               <a:defRPr sz="1200"/>
             </a:lvl9pPr>
           </a:lstStyle>
-          <a:p/>
+          <a:p>
+            <a:endParaRPr/>
+          </a:p>
         </p:txBody>
       </p:sp>
       <p:sp>
         <p:nvSpPr>
           <p:cNvPr id="23" name="Google Shape;23;p5"/>
-          <p:cNvSpPr txBox="1"/>
+          <p:cNvSpPr txBox="1">
+            <a:spLocks noGrp="1"/>
+          </p:cNvSpPr>
           <p:nvPr>
-            <p:ph idx="2" type="body"/>
+            <p:ph type="body" idx="2"/>
           </p:nvPr>
         </p:nvSpPr>
         <p:spPr>
@@ -3086,11 +3227,11 @@
           </a:prstGeom>
         </p:spPr>
         <p:txBody>
-          <a:bodyPr anchorCtr="0" anchor="t" bIns="91425" lIns="91425" spcFirstLastPara="1" rIns="91425" wrap="square" tIns="91425">
+          <a:bodyPr spcFirstLastPara="1" wrap="square" lIns="91425" tIns="91425" rIns="91425" bIns="91425" anchor="t" anchorCtr="0">
             <a:noAutofit/>
           </a:bodyPr>
           <a:lstStyle>
-            <a:lvl1pPr indent="-317500" lvl="0" marL="457200">
+            <a:lvl1pPr marL="457200" lvl="0" indent="-317500">
               <a:spcBef>
                 <a:spcPts val="0"/>
               </a:spcBef>
@@ -3101,7 +3242,7 @@
               <a:buChar char="●"/>
               <a:defRPr sz="1400"/>
             </a:lvl1pPr>
-            <a:lvl2pPr indent="-304800" lvl="1" marL="914400">
+            <a:lvl2pPr marL="914400" lvl="1" indent="-304800">
               <a:spcBef>
                 <a:spcPts val="1600"/>
               </a:spcBef>
@@ -3112,7 +3253,7 @@
               <a:buChar char="○"/>
               <a:defRPr sz="1200"/>
             </a:lvl2pPr>
-            <a:lvl3pPr indent="-304800" lvl="2" marL="1371600">
+            <a:lvl3pPr marL="1371600" lvl="2" indent="-304800">
               <a:spcBef>
                 <a:spcPts val="1600"/>
               </a:spcBef>
@@ -3123,7 +3264,7 @@
               <a:buChar char="■"/>
               <a:defRPr sz="1200"/>
             </a:lvl3pPr>
-            <a:lvl4pPr indent="-304800" lvl="3" marL="1828800">
+            <a:lvl4pPr marL="1828800" lvl="3" indent="-304800">
               <a:spcBef>
                 <a:spcPts val="1600"/>
               </a:spcBef>
@@ -3134,7 +3275,7 @@
               <a:buChar char="●"/>
               <a:defRPr sz="1200"/>
             </a:lvl4pPr>
-            <a:lvl5pPr indent="-304800" lvl="4" marL="2286000">
+            <a:lvl5pPr marL="2286000" lvl="4" indent="-304800">
               <a:spcBef>
                 <a:spcPts val="1600"/>
               </a:spcBef>
@@ -3145,7 +3286,7 @@
               <a:buChar char="○"/>
               <a:defRPr sz="1200"/>
             </a:lvl5pPr>
-            <a:lvl6pPr indent="-304800" lvl="5" marL="2743200">
+            <a:lvl6pPr marL="2743200" lvl="5" indent="-304800">
               <a:spcBef>
                 <a:spcPts val="1600"/>
               </a:spcBef>
@@ -3156,7 +3297,7 @@
               <a:buChar char="■"/>
               <a:defRPr sz="1200"/>
             </a:lvl6pPr>
-            <a:lvl7pPr indent="-304800" lvl="6" marL="3200400">
+            <a:lvl7pPr marL="3200400" lvl="6" indent="-304800">
               <a:spcBef>
                 <a:spcPts val="1600"/>
               </a:spcBef>
@@ -3167,7 +3308,7 @@
               <a:buChar char="●"/>
               <a:defRPr sz="1200"/>
             </a:lvl7pPr>
-            <a:lvl8pPr indent="-304800" lvl="7" marL="3657600">
+            <a:lvl8pPr marL="3657600" lvl="7" indent="-304800">
               <a:spcBef>
                 <a:spcPts val="1600"/>
               </a:spcBef>
@@ -3178,7 +3319,7 @@
               <a:buChar char="○"/>
               <a:defRPr sz="1200"/>
             </a:lvl8pPr>
-            <a:lvl9pPr indent="-304800" lvl="8" marL="4114800">
+            <a:lvl9pPr marL="4114800" lvl="8" indent="-304800">
               <a:spcBef>
                 <a:spcPts val="1600"/>
               </a:spcBef>
@@ -3190,15 +3331,19 @@
               <a:defRPr sz="1200"/>
             </a:lvl9pPr>
           </a:lstStyle>
-          <a:p/>
+          <a:p>
+            <a:endParaRPr/>
+          </a:p>
         </p:txBody>
       </p:sp>
       <p:sp>
         <p:nvSpPr>
           <p:cNvPr id="24" name="Google Shape;24;p5"/>
-          <p:cNvSpPr txBox="1"/>
+          <p:cNvSpPr txBox="1">
+            <a:spLocks noGrp="1"/>
+          </p:cNvSpPr>
           <p:nvPr>
-            <p:ph idx="12" type="sldNum"/>
+            <p:ph type="sldNum" idx="12"/>
           </p:nvPr>
         </p:nvSpPr>
         <p:spPr>
@@ -3211,7 +3356,7 @@
           </a:prstGeom>
         </p:spPr>
         <p:txBody>
-          <a:bodyPr anchorCtr="0" anchor="ctr" bIns="91425" lIns="91425" spcFirstLastPara="1" rIns="91425" wrap="square" tIns="91425">
+          <a:bodyPr spcFirstLastPara="1" wrap="square" lIns="91425" tIns="91425" rIns="91425" bIns="91425" anchor="ctr" anchorCtr="0">
             <a:noAutofit/>
           </a:bodyPr>
           <a:lstStyle>
@@ -3253,7 +3398,7 @@
             </a:lvl9pPr>
           </a:lstStyle>
           <a:p>
-            <a:pPr indent="0" lvl="0" marL="0" rtl="0" algn="r">
+            <a:pPr marL="0" lvl="0" indent="0" algn="r" rtl="0">
               <a:spcBef>
                 <a:spcPts val="0"/>
               </a:spcBef>
@@ -3264,6 +3409,15 @@
             </a:pPr>
             <a:fld id="{00000000-1234-1234-1234-123412341234}" type="slidenum">
               <a:rPr lang="en"/>
+              <a:pPr marL="0" lvl="0" indent="0" algn="r" rtl="0">
+                <a:spcBef>
+                  <a:spcPts val="0"/>
+                </a:spcBef>
+                <a:spcAft>
+                  <a:spcPts val="0"/>
+                </a:spcAft>
+                <a:buNone/>
+              </a:pPr>
               <a:t>‹#›</a:t>
             </a:fld>
             <a:endParaRPr/>
@@ -3279,11 +3433,11 @@
 </file>
 
 <file path=ppt/slideLayouts/slideLayout5.xml><?xml version="1.0" encoding="utf-8"?>
-<p:sldLayout xmlns:a="http://schemas.openxmlformats.org/drawingml/2006/main" xmlns:r="http://schemas.openxmlformats.org/officeDocument/2006/relationships" xmlns:mc="http://schemas.openxmlformats.org/markup-compatibility/2006" xmlns:mv="urn:schemas-microsoft-com:mac:vml" xmlns:p="http://schemas.openxmlformats.org/presentationml/2006/main" xmlns:c="http://schemas.openxmlformats.org/drawingml/2006/chart" xmlns:dgm="http://schemas.openxmlformats.org/drawingml/2006/diagram" xmlns:o="urn:schemas-microsoft-com:office:office" xmlns:v="urn:schemas-microsoft-com:vml" xmlns:pvml="urn:schemas-microsoft-com:office:powerpoint" xmlns:com="http://schemas.openxmlformats.org/drawingml/2006/compatibility" xmlns:p14="http://schemas.microsoft.com/office/powerpoint/2010/main" xmlns:p15="http://schemas.microsoft.com/office/powerpoint/2012/main" xmlns:ahyp="http://schemas.microsoft.com/office/drawing/2018/hyperlinkcolor" matchingName="Title only" type="titleOnly">
+<p:sldLayout xmlns:a="http://schemas.openxmlformats.org/drawingml/2006/main" xmlns:r="http://schemas.openxmlformats.org/officeDocument/2006/relationships" xmlns:p="http://schemas.openxmlformats.org/presentationml/2006/main" matchingName="Title only" type="titleOnly">
   <p:cSld name="TITLE_ONLY">
     <p:spTree>
       <p:nvGrpSpPr>
-        <p:cNvPr id="25" name="Shape 25"/>
+        <p:cNvPr id="1" name="Shape 25"/>
         <p:cNvGrpSpPr/>
         <p:nvPr/>
       </p:nvGrpSpPr>
@@ -3298,7 +3452,9 @@
       <p:sp>
         <p:nvSpPr>
           <p:cNvPr id="26" name="Google Shape;26;p6"/>
-          <p:cNvSpPr txBox="1"/>
+          <p:cNvSpPr txBox="1">
+            <a:spLocks noGrp="1"/>
+          </p:cNvSpPr>
           <p:nvPr>
             <p:ph type="title"/>
           </p:nvPr>
@@ -3313,7 +3469,7 @@
           </a:prstGeom>
         </p:spPr>
         <p:txBody>
-          <a:bodyPr anchorCtr="0" anchor="t" bIns="91425" lIns="91425" spcFirstLastPara="1" rIns="91425" wrap="square" tIns="91425">
+          <a:bodyPr spcFirstLastPara="1" wrap="square" lIns="91425" tIns="91425" rIns="91425" bIns="91425" anchor="t" anchorCtr="0">
             <a:noAutofit/>
           </a:bodyPr>
           <a:lstStyle>
@@ -3417,15 +3573,19 @@
               <a:defRPr/>
             </a:lvl9pPr>
           </a:lstStyle>
-          <a:p/>
+          <a:p>
+            <a:endParaRPr/>
+          </a:p>
         </p:txBody>
       </p:sp>
       <p:sp>
         <p:nvSpPr>
           <p:cNvPr id="27" name="Google Shape;27;p6"/>
-          <p:cNvSpPr txBox="1"/>
+          <p:cNvSpPr txBox="1">
+            <a:spLocks noGrp="1"/>
+          </p:cNvSpPr>
           <p:nvPr>
-            <p:ph idx="12" type="sldNum"/>
+            <p:ph type="sldNum" idx="12"/>
           </p:nvPr>
         </p:nvSpPr>
         <p:spPr>
@@ -3438,7 +3598,7 @@
           </a:prstGeom>
         </p:spPr>
         <p:txBody>
-          <a:bodyPr anchorCtr="0" anchor="ctr" bIns="91425" lIns="91425" spcFirstLastPara="1" rIns="91425" wrap="square" tIns="91425">
+          <a:bodyPr spcFirstLastPara="1" wrap="square" lIns="91425" tIns="91425" rIns="91425" bIns="91425" anchor="ctr" anchorCtr="0">
             <a:noAutofit/>
           </a:bodyPr>
           <a:lstStyle>
@@ -3480,7 +3640,7 @@
             </a:lvl9pPr>
           </a:lstStyle>
           <a:p>
-            <a:pPr indent="0" lvl="0" marL="0" rtl="0" algn="r">
+            <a:pPr marL="0" lvl="0" indent="0" algn="r" rtl="0">
               <a:spcBef>
                 <a:spcPts val="0"/>
               </a:spcBef>
@@ -3491,6 +3651,15 @@
             </a:pPr>
             <a:fld id="{00000000-1234-1234-1234-123412341234}" type="slidenum">
               <a:rPr lang="en"/>
+              <a:pPr marL="0" lvl="0" indent="0" algn="r" rtl="0">
+                <a:spcBef>
+                  <a:spcPts val="0"/>
+                </a:spcBef>
+                <a:spcAft>
+                  <a:spcPts val="0"/>
+                </a:spcAft>
+                <a:buNone/>
+              </a:pPr>
               <a:t>‹#›</a:t>
             </a:fld>
             <a:endParaRPr/>
@@ -3506,11 +3675,11 @@
 </file>
 
 <file path=ppt/slideLayouts/slideLayout6.xml><?xml version="1.0" encoding="utf-8"?>
-<p:sldLayout xmlns:a="http://schemas.openxmlformats.org/drawingml/2006/main" xmlns:r="http://schemas.openxmlformats.org/officeDocument/2006/relationships" xmlns:mc="http://schemas.openxmlformats.org/markup-compatibility/2006" xmlns:mv="urn:schemas-microsoft-com:mac:vml" xmlns:p="http://schemas.openxmlformats.org/presentationml/2006/main" xmlns:c="http://schemas.openxmlformats.org/drawingml/2006/chart" xmlns:dgm="http://schemas.openxmlformats.org/drawingml/2006/diagram" xmlns:o="urn:schemas-microsoft-com:office:office" xmlns:v="urn:schemas-microsoft-com:vml" xmlns:pvml="urn:schemas-microsoft-com:office:powerpoint" xmlns:com="http://schemas.openxmlformats.org/drawingml/2006/compatibility" xmlns:p14="http://schemas.microsoft.com/office/powerpoint/2010/main" xmlns:p15="http://schemas.microsoft.com/office/powerpoint/2012/main" xmlns:ahyp="http://schemas.microsoft.com/office/drawing/2018/hyperlinkcolor" matchingName="One column text">
+<p:sldLayout xmlns:a="http://schemas.openxmlformats.org/drawingml/2006/main" xmlns:r="http://schemas.openxmlformats.org/officeDocument/2006/relationships" xmlns:p="http://schemas.openxmlformats.org/presentationml/2006/main" matchingName="One column text">
   <p:cSld name="ONE_COLUMN_TEXT">
     <p:spTree>
       <p:nvGrpSpPr>
-        <p:cNvPr id="28" name="Shape 28"/>
+        <p:cNvPr id="1" name="Shape 28"/>
         <p:cNvGrpSpPr/>
         <p:nvPr/>
       </p:nvGrpSpPr>
@@ -3525,7 +3694,9 @@
       <p:sp>
         <p:nvSpPr>
           <p:cNvPr id="29" name="Google Shape;29;p7"/>
-          <p:cNvSpPr txBox="1"/>
+          <p:cNvSpPr txBox="1">
+            <a:spLocks noGrp="1"/>
+          </p:cNvSpPr>
           <p:nvPr>
             <p:ph type="title"/>
           </p:nvPr>
@@ -3540,7 +3711,7 @@
           </a:prstGeom>
         </p:spPr>
         <p:txBody>
-          <a:bodyPr anchorCtr="0" anchor="b" bIns="91425" lIns="91425" spcFirstLastPara="1" rIns="91425" wrap="square" tIns="91425">
+          <a:bodyPr spcFirstLastPara="1" wrap="square" lIns="91425" tIns="91425" rIns="91425" bIns="91425" anchor="b" anchorCtr="0">
             <a:noAutofit/>
           </a:bodyPr>
           <a:lstStyle>
@@ -3644,15 +3815,19 @@
               <a:defRPr sz="2400"/>
             </a:lvl9pPr>
           </a:lstStyle>
-          <a:p/>
+          <a:p>
+            <a:endParaRPr/>
+          </a:p>
         </p:txBody>
       </p:sp>
       <p:sp>
         <p:nvSpPr>
           <p:cNvPr id="30" name="Google Shape;30;p7"/>
-          <p:cNvSpPr txBox="1"/>
+          <p:cNvSpPr txBox="1">
+            <a:spLocks noGrp="1"/>
+          </p:cNvSpPr>
           <p:nvPr>
-            <p:ph idx="1" type="body"/>
+            <p:ph type="body" idx="1"/>
           </p:nvPr>
         </p:nvSpPr>
         <p:spPr>
@@ -3665,11 +3840,11 @@
           </a:prstGeom>
         </p:spPr>
         <p:txBody>
-          <a:bodyPr anchorCtr="0" anchor="t" bIns="91425" lIns="91425" spcFirstLastPara="1" rIns="91425" wrap="square" tIns="91425">
+          <a:bodyPr spcFirstLastPara="1" wrap="square" lIns="91425" tIns="91425" rIns="91425" bIns="91425" anchor="t" anchorCtr="0">
             <a:noAutofit/>
           </a:bodyPr>
           <a:lstStyle>
-            <a:lvl1pPr indent="-304800" lvl="0" marL="457200">
+            <a:lvl1pPr marL="457200" lvl="0" indent="-304800">
               <a:spcBef>
                 <a:spcPts val="0"/>
               </a:spcBef>
@@ -3680,7 +3855,7 @@
               <a:buChar char="●"/>
               <a:defRPr sz="1200"/>
             </a:lvl1pPr>
-            <a:lvl2pPr indent="-304800" lvl="1" marL="914400">
+            <a:lvl2pPr marL="914400" lvl="1" indent="-304800">
               <a:spcBef>
                 <a:spcPts val="1600"/>
               </a:spcBef>
@@ -3691,7 +3866,7 @@
               <a:buChar char="○"/>
               <a:defRPr sz="1200"/>
             </a:lvl2pPr>
-            <a:lvl3pPr indent="-304800" lvl="2" marL="1371600">
+            <a:lvl3pPr marL="1371600" lvl="2" indent="-304800">
               <a:spcBef>
                 <a:spcPts val="1600"/>
               </a:spcBef>
@@ -3702,7 +3877,7 @@
               <a:buChar char="■"/>
               <a:defRPr sz="1200"/>
             </a:lvl3pPr>
-            <a:lvl4pPr indent="-304800" lvl="3" marL="1828800">
+            <a:lvl4pPr marL="1828800" lvl="3" indent="-304800">
               <a:spcBef>
                 <a:spcPts val="1600"/>
               </a:spcBef>
@@ -3713,7 +3888,7 @@
               <a:buChar char="●"/>
               <a:defRPr sz="1200"/>
             </a:lvl4pPr>
-            <a:lvl5pPr indent="-304800" lvl="4" marL="2286000">
+            <a:lvl5pPr marL="2286000" lvl="4" indent="-304800">
               <a:spcBef>
                 <a:spcPts val="1600"/>
               </a:spcBef>
@@ -3724,7 +3899,7 @@
               <a:buChar char="○"/>
               <a:defRPr sz="1200"/>
             </a:lvl5pPr>
-            <a:lvl6pPr indent="-304800" lvl="5" marL="2743200">
+            <a:lvl6pPr marL="2743200" lvl="5" indent="-304800">
               <a:spcBef>
                 <a:spcPts val="1600"/>
               </a:spcBef>
@@ -3735,7 +3910,7 @@
               <a:buChar char="■"/>
               <a:defRPr sz="1200"/>
             </a:lvl6pPr>
-            <a:lvl7pPr indent="-304800" lvl="6" marL="3200400">
+            <a:lvl7pPr marL="3200400" lvl="6" indent="-304800">
               <a:spcBef>
                 <a:spcPts val="1600"/>
               </a:spcBef>
@@ -3746,7 +3921,7 @@
               <a:buChar char="●"/>
               <a:defRPr sz="1200"/>
             </a:lvl7pPr>
-            <a:lvl8pPr indent="-304800" lvl="7" marL="3657600">
+            <a:lvl8pPr marL="3657600" lvl="7" indent="-304800">
               <a:spcBef>
                 <a:spcPts val="1600"/>
               </a:spcBef>
@@ -3757,7 +3932,7 @@
               <a:buChar char="○"/>
               <a:defRPr sz="1200"/>
             </a:lvl8pPr>
-            <a:lvl9pPr indent="-304800" lvl="8" marL="4114800">
+            <a:lvl9pPr marL="4114800" lvl="8" indent="-304800">
               <a:spcBef>
                 <a:spcPts val="1600"/>
               </a:spcBef>
@@ -3769,15 +3944,19 @@
               <a:defRPr sz="1200"/>
             </a:lvl9pPr>
           </a:lstStyle>
-          <a:p/>
+          <a:p>
+            <a:endParaRPr/>
+          </a:p>
         </p:txBody>
       </p:sp>
       <p:sp>
         <p:nvSpPr>
           <p:cNvPr id="31" name="Google Shape;31;p7"/>
-          <p:cNvSpPr txBox="1"/>
+          <p:cNvSpPr txBox="1">
+            <a:spLocks noGrp="1"/>
+          </p:cNvSpPr>
           <p:nvPr>
-            <p:ph idx="12" type="sldNum"/>
+            <p:ph type="sldNum" idx="12"/>
           </p:nvPr>
         </p:nvSpPr>
         <p:spPr>
@@ -3790,7 +3969,7 @@
           </a:prstGeom>
         </p:spPr>
         <p:txBody>
-          <a:bodyPr anchorCtr="0" anchor="ctr" bIns="91425" lIns="91425" spcFirstLastPara="1" rIns="91425" wrap="square" tIns="91425">
+          <a:bodyPr spcFirstLastPara="1" wrap="square" lIns="91425" tIns="91425" rIns="91425" bIns="91425" anchor="ctr" anchorCtr="0">
             <a:noAutofit/>
           </a:bodyPr>
           <a:lstStyle>
@@ -3832,7 +4011,7 @@
             </a:lvl9pPr>
           </a:lstStyle>
           <a:p>
-            <a:pPr indent="0" lvl="0" marL="0" rtl="0" algn="r">
+            <a:pPr marL="0" lvl="0" indent="0" algn="r" rtl="0">
               <a:spcBef>
                 <a:spcPts val="0"/>
               </a:spcBef>
@@ -3843,6 +4022,15 @@
             </a:pPr>
             <a:fld id="{00000000-1234-1234-1234-123412341234}" type="slidenum">
               <a:rPr lang="en"/>
+              <a:pPr marL="0" lvl="0" indent="0" algn="r" rtl="0">
+                <a:spcBef>
+                  <a:spcPts val="0"/>
+                </a:spcBef>
+                <a:spcAft>
+                  <a:spcPts val="0"/>
+                </a:spcAft>
+                <a:buNone/>
+              </a:pPr>
               <a:t>‹#›</a:t>
             </a:fld>
             <a:endParaRPr/>
@@ -3858,11 +4046,11 @@
 </file>
 
 <file path=ppt/slideLayouts/slideLayout7.xml><?xml version="1.0" encoding="utf-8"?>
-<p:sldLayout xmlns:a="http://schemas.openxmlformats.org/drawingml/2006/main" xmlns:r="http://schemas.openxmlformats.org/officeDocument/2006/relationships" xmlns:mc="http://schemas.openxmlformats.org/markup-compatibility/2006" xmlns:mv="urn:schemas-microsoft-com:mac:vml" xmlns:p="http://schemas.openxmlformats.org/presentationml/2006/main" xmlns:c="http://schemas.openxmlformats.org/drawingml/2006/chart" xmlns:dgm="http://schemas.openxmlformats.org/drawingml/2006/diagram" xmlns:o="urn:schemas-microsoft-com:office:office" xmlns:v="urn:schemas-microsoft-com:vml" xmlns:pvml="urn:schemas-microsoft-com:office:powerpoint" xmlns:com="http://schemas.openxmlformats.org/drawingml/2006/compatibility" xmlns:p14="http://schemas.microsoft.com/office/powerpoint/2010/main" xmlns:p15="http://schemas.microsoft.com/office/powerpoint/2012/main" xmlns:ahyp="http://schemas.microsoft.com/office/drawing/2018/hyperlinkcolor" matchingName="Main point">
+<p:sldLayout xmlns:a="http://schemas.openxmlformats.org/drawingml/2006/main" xmlns:r="http://schemas.openxmlformats.org/officeDocument/2006/relationships" xmlns:p="http://schemas.openxmlformats.org/presentationml/2006/main" matchingName="Main point">
   <p:cSld name="MAIN_POINT">
     <p:spTree>
       <p:nvGrpSpPr>
-        <p:cNvPr id="32" name="Shape 32"/>
+        <p:cNvPr id="1" name="Shape 32"/>
         <p:cNvGrpSpPr/>
         <p:nvPr/>
       </p:nvGrpSpPr>
@@ -3877,7 +4065,9 @@
       <p:sp>
         <p:nvSpPr>
           <p:cNvPr id="33" name="Google Shape;33;p8"/>
-          <p:cNvSpPr txBox="1"/>
+          <p:cNvSpPr txBox="1">
+            <a:spLocks noGrp="1"/>
+          </p:cNvSpPr>
           <p:nvPr>
             <p:ph type="title"/>
           </p:nvPr>
@@ -3892,7 +4082,7 @@
           </a:prstGeom>
         </p:spPr>
         <p:txBody>
-          <a:bodyPr anchorCtr="0" anchor="ctr" bIns="91425" lIns="91425" spcFirstLastPara="1" rIns="91425" wrap="square" tIns="91425">
+          <a:bodyPr spcFirstLastPara="1" wrap="square" lIns="91425" tIns="91425" rIns="91425" bIns="91425" anchor="ctr" anchorCtr="0">
             <a:noAutofit/>
           </a:bodyPr>
           <a:lstStyle>
@@ -3996,15 +4186,19 @@
               <a:defRPr sz="4800"/>
             </a:lvl9pPr>
           </a:lstStyle>
-          <a:p/>
+          <a:p>
+            <a:endParaRPr/>
+          </a:p>
         </p:txBody>
       </p:sp>
       <p:sp>
         <p:nvSpPr>
           <p:cNvPr id="34" name="Google Shape;34;p8"/>
-          <p:cNvSpPr txBox="1"/>
+          <p:cNvSpPr txBox="1">
+            <a:spLocks noGrp="1"/>
+          </p:cNvSpPr>
           <p:nvPr>
-            <p:ph idx="12" type="sldNum"/>
+            <p:ph type="sldNum" idx="12"/>
           </p:nvPr>
         </p:nvSpPr>
         <p:spPr>
@@ -4017,7 +4211,7 @@
           </a:prstGeom>
         </p:spPr>
         <p:txBody>
-          <a:bodyPr anchorCtr="0" anchor="ctr" bIns="91425" lIns="91425" spcFirstLastPara="1" rIns="91425" wrap="square" tIns="91425">
+          <a:bodyPr spcFirstLastPara="1" wrap="square" lIns="91425" tIns="91425" rIns="91425" bIns="91425" anchor="ctr" anchorCtr="0">
             <a:noAutofit/>
           </a:bodyPr>
           <a:lstStyle>
@@ -4059,7 +4253,7 @@
             </a:lvl9pPr>
           </a:lstStyle>
           <a:p>
-            <a:pPr indent="0" lvl="0" marL="0" rtl="0" algn="r">
+            <a:pPr marL="0" lvl="0" indent="0" algn="r" rtl="0">
               <a:spcBef>
                 <a:spcPts val="0"/>
               </a:spcBef>
@@ -4070,6 +4264,15 @@
             </a:pPr>
             <a:fld id="{00000000-1234-1234-1234-123412341234}" type="slidenum">
               <a:rPr lang="en"/>
+              <a:pPr marL="0" lvl="0" indent="0" algn="r" rtl="0">
+                <a:spcBef>
+                  <a:spcPts val="0"/>
+                </a:spcBef>
+                <a:spcAft>
+                  <a:spcPts val="0"/>
+                </a:spcAft>
+                <a:buNone/>
+              </a:pPr>
               <a:t>‹#›</a:t>
             </a:fld>
             <a:endParaRPr/>
@@ -4085,11 +4288,11 @@
 </file>
 
 <file path=ppt/slideLayouts/slideLayout8.xml><?xml version="1.0" encoding="utf-8"?>
-<p:sldLayout xmlns:a="http://schemas.openxmlformats.org/drawingml/2006/main" xmlns:r="http://schemas.openxmlformats.org/officeDocument/2006/relationships" xmlns:mc="http://schemas.openxmlformats.org/markup-compatibility/2006" xmlns:mv="urn:schemas-microsoft-com:mac:vml" xmlns:p="http://schemas.openxmlformats.org/presentationml/2006/main" xmlns:c="http://schemas.openxmlformats.org/drawingml/2006/chart" xmlns:dgm="http://schemas.openxmlformats.org/drawingml/2006/diagram" xmlns:o="urn:schemas-microsoft-com:office:office" xmlns:v="urn:schemas-microsoft-com:vml" xmlns:pvml="urn:schemas-microsoft-com:office:powerpoint" xmlns:com="http://schemas.openxmlformats.org/drawingml/2006/compatibility" xmlns:p14="http://schemas.microsoft.com/office/powerpoint/2010/main" xmlns:p15="http://schemas.microsoft.com/office/powerpoint/2012/main" xmlns:ahyp="http://schemas.microsoft.com/office/drawing/2018/hyperlinkcolor" matchingName="Section title and description">
+<p:sldLayout xmlns:a="http://schemas.openxmlformats.org/drawingml/2006/main" xmlns:r="http://schemas.openxmlformats.org/officeDocument/2006/relationships" xmlns:p="http://schemas.openxmlformats.org/presentationml/2006/main" matchingName="Section title and description">
   <p:cSld name="SECTION_TITLE_AND_DESCRIPTION">
     <p:spTree>
       <p:nvGrpSpPr>
-        <p:cNvPr id="35" name="Shape 35"/>
+        <p:cNvPr id="1" name="Shape 35"/>
         <p:cNvGrpSpPr/>
         <p:nvPr/>
       </p:nvGrpSpPr>
@@ -4123,12 +4326,12 @@
           </a:ln>
         </p:spPr>
         <p:txBody>
-          <a:bodyPr anchorCtr="0" anchor="ctr" bIns="91425" lIns="91425" spcFirstLastPara="1" rIns="91425" wrap="square" tIns="91425">
+          <a:bodyPr spcFirstLastPara="1" wrap="square" lIns="91425" tIns="91425" rIns="91425" bIns="91425" anchor="ctr" anchorCtr="0">
             <a:noAutofit/>
           </a:bodyPr>
           <a:lstStyle/>
           <a:p>
-            <a:pPr indent="0" lvl="0" marL="0" rtl="0" algn="l">
+            <a:pPr marL="0" lvl="0" indent="0" algn="l" rtl="0">
               <a:spcBef>
                 <a:spcPts val="0"/>
               </a:spcBef>
@@ -4137,9 +4340,6 @@
               </a:spcAft>
               <a:buNone/>
             </a:pPr>
-            <a:r>
-              <a:t/>
-            </a:r>
             <a:endParaRPr/>
           </a:p>
         </p:txBody>
@@ -4147,7 +4347,9 @@
       <p:sp>
         <p:nvSpPr>
           <p:cNvPr id="37" name="Google Shape;37;p9"/>
-          <p:cNvSpPr txBox="1"/>
+          <p:cNvSpPr txBox="1">
+            <a:spLocks noGrp="1"/>
+          </p:cNvSpPr>
           <p:nvPr>
             <p:ph type="title"/>
           </p:nvPr>
@@ -4162,7 +4364,7 @@
           </a:prstGeom>
         </p:spPr>
         <p:txBody>
-          <a:bodyPr anchorCtr="0" anchor="b" bIns="91425" lIns="91425" spcFirstLastPara="1" rIns="91425" wrap="square" tIns="91425">
+          <a:bodyPr spcFirstLastPara="1" wrap="square" lIns="91425" tIns="91425" rIns="91425" bIns="91425" anchor="b" anchorCtr="0">
             <a:noAutofit/>
           </a:bodyPr>
           <a:lstStyle>
@@ -4266,15 +4468,19 @@
               <a:defRPr sz="4200"/>
             </a:lvl9pPr>
           </a:lstStyle>
-          <a:p/>
+          <a:p>
+            <a:endParaRPr/>
+          </a:p>
         </p:txBody>
       </p:sp>
       <p:sp>
         <p:nvSpPr>
           <p:cNvPr id="38" name="Google Shape;38;p9"/>
-          <p:cNvSpPr txBox="1"/>
+          <p:cNvSpPr txBox="1">
+            <a:spLocks noGrp="1"/>
+          </p:cNvSpPr>
           <p:nvPr>
-            <p:ph idx="1" type="subTitle"/>
+            <p:ph type="subTitle" idx="1"/>
           </p:nvPr>
         </p:nvSpPr>
         <p:spPr>
@@ -4287,7 +4493,7 @@
           </a:prstGeom>
         </p:spPr>
         <p:txBody>
-          <a:bodyPr anchorCtr="0" anchor="t" bIns="91425" lIns="91425" spcFirstLastPara="1" rIns="91425" wrap="square" tIns="91425">
+          <a:bodyPr spcFirstLastPara="1" wrap="square" lIns="91425" tIns="91425" rIns="91425" bIns="91425" anchor="t" anchorCtr="0">
             <a:noAutofit/>
           </a:bodyPr>
           <a:lstStyle>
@@ -4418,15 +4624,19 @@
               <a:defRPr sz="2100"/>
             </a:lvl9pPr>
           </a:lstStyle>
-          <a:p/>
+          <a:p>
+            <a:endParaRPr/>
+          </a:p>
         </p:txBody>
       </p:sp>
       <p:sp>
         <p:nvSpPr>
           <p:cNvPr id="39" name="Google Shape;39;p9"/>
-          <p:cNvSpPr txBox="1"/>
+          <p:cNvSpPr txBox="1">
+            <a:spLocks noGrp="1"/>
+          </p:cNvSpPr>
           <p:nvPr>
-            <p:ph idx="2" type="body"/>
+            <p:ph type="body" idx="2"/>
           </p:nvPr>
         </p:nvSpPr>
         <p:spPr>
@@ -4439,11 +4649,11 @@
           </a:prstGeom>
         </p:spPr>
         <p:txBody>
-          <a:bodyPr anchorCtr="0" anchor="ctr" bIns="91425" lIns="91425" spcFirstLastPara="1" rIns="91425" wrap="square" tIns="91425">
+          <a:bodyPr spcFirstLastPara="1" wrap="square" lIns="91425" tIns="91425" rIns="91425" bIns="91425" anchor="ctr" anchorCtr="0">
             <a:noAutofit/>
           </a:bodyPr>
           <a:lstStyle>
-            <a:lvl1pPr indent="-342900" lvl="0" marL="457200">
+            <a:lvl1pPr marL="457200" lvl="0" indent="-342900">
               <a:spcBef>
                 <a:spcPts val="0"/>
               </a:spcBef>
@@ -4454,7 +4664,7 @@
               <a:buChar char="●"/>
               <a:defRPr/>
             </a:lvl1pPr>
-            <a:lvl2pPr indent="-317500" lvl="1" marL="914400">
+            <a:lvl2pPr marL="914400" lvl="1" indent="-317500">
               <a:spcBef>
                 <a:spcPts val="1600"/>
               </a:spcBef>
@@ -4465,7 +4675,7 @@
               <a:buChar char="○"/>
               <a:defRPr/>
             </a:lvl2pPr>
-            <a:lvl3pPr indent="-317500" lvl="2" marL="1371600">
+            <a:lvl3pPr marL="1371600" lvl="2" indent="-317500">
               <a:spcBef>
                 <a:spcPts val="1600"/>
               </a:spcBef>
@@ -4476,7 +4686,7 @@
               <a:buChar char="■"/>
               <a:defRPr/>
             </a:lvl3pPr>
-            <a:lvl4pPr indent="-317500" lvl="3" marL="1828800">
+            <a:lvl4pPr marL="1828800" lvl="3" indent="-317500">
               <a:spcBef>
                 <a:spcPts val="1600"/>
               </a:spcBef>
@@ -4487,7 +4697,7 @@
               <a:buChar char="●"/>
               <a:defRPr/>
             </a:lvl4pPr>
-            <a:lvl5pPr indent="-317500" lvl="4" marL="2286000">
+            <a:lvl5pPr marL="2286000" lvl="4" indent="-317500">
               <a:spcBef>
                 <a:spcPts val="1600"/>
               </a:spcBef>
@@ -4498,7 +4708,7 @@
               <a:buChar char="○"/>
               <a:defRPr/>
             </a:lvl5pPr>
-            <a:lvl6pPr indent="-317500" lvl="5" marL="2743200">
+            <a:lvl6pPr marL="2743200" lvl="5" indent="-317500">
               <a:spcBef>
                 <a:spcPts val="1600"/>
               </a:spcBef>
@@ -4509,7 +4719,7 @@
               <a:buChar char="■"/>
               <a:defRPr/>
             </a:lvl6pPr>
-            <a:lvl7pPr indent="-317500" lvl="6" marL="3200400">
+            <a:lvl7pPr marL="3200400" lvl="6" indent="-317500">
               <a:spcBef>
                 <a:spcPts val="1600"/>
               </a:spcBef>
@@ -4520,7 +4730,7 @@
               <a:buChar char="●"/>
               <a:defRPr/>
             </a:lvl7pPr>
-            <a:lvl8pPr indent="-317500" lvl="7" marL="3657600">
+            <a:lvl8pPr marL="3657600" lvl="7" indent="-317500">
               <a:spcBef>
                 <a:spcPts val="1600"/>
               </a:spcBef>
@@ -4531,7 +4741,7 @@
               <a:buChar char="○"/>
               <a:defRPr/>
             </a:lvl8pPr>
-            <a:lvl9pPr indent="-317500" lvl="8" marL="4114800">
+            <a:lvl9pPr marL="4114800" lvl="8" indent="-317500">
               <a:spcBef>
                 <a:spcPts val="1600"/>
               </a:spcBef>
@@ -4543,15 +4753,19 @@
               <a:defRPr/>
             </a:lvl9pPr>
           </a:lstStyle>
-          <a:p/>
+          <a:p>
+            <a:endParaRPr/>
+          </a:p>
         </p:txBody>
       </p:sp>
       <p:sp>
         <p:nvSpPr>
           <p:cNvPr id="40" name="Google Shape;40;p9"/>
-          <p:cNvSpPr txBox="1"/>
+          <p:cNvSpPr txBox="1">
+            <a:spLocks noGrp="1"/>
+          </p:cNvSpPr>
           <p:nvPr>
-            <p:ph idx="12" type="sldNum"/>
+            <p:ph type="sldNum" idx="12"/>
           </p:nvPr>
         </p:nvSpPr>
         <p:spPr>
@@ -4564,7 +4778,7 @@
           </a:prstGeom>
         </p:spPr>
         <p:txBody>
-          <a:bodyPr anchorCtr="0" anchor="ctr" bIns="91425" lIns="91425" spcFirstLastPara="1" rIns="91425" wrap="square" tIns="91425">
+          <a:bodyPr spcFirstLastPara="1" wrap="square" lIns="91425" tIns="91425" rIns="91425" bIns="91425" anchor="ctr" anchorCtr="0">
             <a:noAutofit/>
           </a:bodyPr>
           <a:lstStyle>
@@ -4606,7 +4820,7 @@
             </a:lvl9pPr>
           </a:lstStyle>
           <a:p>
-            <a:pPr indent="0" lvl="0" marL="0" rtl="0" algn="r">
+            <a:pPr marL="0" lvl="0" indent="0" algn="r" rtl="0">
               <a:spcBef>
                 <a:spcPts val="0"/>
               </a:spcBef>
@@ -4617,6 +4831,15 @@
             </a:pPr>
             <a:fld id="{00000000-1234-1234-1234-123412341234}" type="slidenum">
               <a:rPr lang="en"/>
+              <a:pPr marL="0" lvl="0" indent="0" algn="r" rtl="0">
+                <a:spcBef>
+                  <a:spcPts val="0"/>
+                </a:spcBef>
+                <a:spcAft>
+                  <a:spcPts val="0"/>
+                </a:spcAft>
+                <a:buNone/>
+              </a:pPr>
               <a:t>‹#›</a:t>
             </a:fld>
             <a:endParaRPr/>
@@ -4632,11 +4855,11 @@
 </file>
 
 <file path=ppt/slideLayouts/slideLayout9.xml><?xml version="1.0" encoding="utf-8"?>
-<p:sldLayout xmlns:a="http://schemas.openxmlformats.org/drawingml/2006/main" xmlns:r="http://schemas.openxmlformats.org/officeDocument/2006/relationships" xmlns:mc="http://schemas.openxmlformats.org/markup-compatibility/2006" xmlns:mv="urn:schemas-microsoft-com:mac:vml" xmlns:p="http://schemas.openxmlformats.org/presentationml/2006/main" xmlns:c="http://schemas.openxmlformats.org/drawingml/2006/chart" xmlns:dgm="http://schemas.openxmlformats.org/drawingml/2006/diagram" xmlns:o="urn:schemas-microsoft-com:office:office" xmlns:v="urn:schemas-microsoft-com:vml" xmlns:pvml="urn:schemas-microsoft-com:office:powerpoint" xmlns:com="http://schemas.openxmlformats.org/drawingml/2006/compatibility" xmlns:p14="http://schemas.microsoft.com/office/powerpoint/2010/main" xmlns:p15="http://schemas.microsoft.com/office/powerpoint/2012/main" xmlns:ahyp="http://schemas.microsoft.com/office/drawing/2018/hyperlinkcolor" matchingName="Caption">
+<p:sldLayout xmlns:a="http://schemas.openxmlformats.org/drawingml/2006/main" xmlns:r="http://schemas.openxmlformats.org/officeDocument/2006/relationships" xmlns:p="http://schemas.openxmlformats.org/presentationml/2006/main" matchingName="Caption">
   <p:cSld name="CAPTION_ONLY">
     <p:spTree>
       <p:nvGrpSpPr>
-        <p:cNvPr id="41" name="Shape 41"/>
+        <p:cNvPr id="1" name="Shape 41"/>
         <p:cNvGrpSpPr/>
         <p:nvPr/>
       </p:nvGrpSpPr>
@@ -4651,9 +4874,11 @@
       <p:sp>
         <p:nvSpPr>
           <p:cNvPr id="42" name="Google Shape;42;p10"/>
-          <p:cNvSpPr txBox="1"/>
+          <p:cNvSpPr txBox="1">
+            <a:spLocks noGrp="1"/>
+          </p:cNvSpPr>
           <p:nvPr>
-            <p:ph idx="1" type="body"/>
+            <p:ph type="body" idx="1"/>
           </p:nvPr>
         </p:nvSpPr>
         <p:spPr>
@@ -4666,11 +4891,11 @@
           </a:prstGeom>
         </p:spPr>
         <p:txBody>
-          <a:bodyPr anchorCtr="0" anchor="ctr" bIns="91425" lIns="91425" spcFirstLastPara="1" rIns="91425" wrap="square" tIns="91425">
+          <a:bodyPr spcFirstLastPara="1" wrap="square" lIns="91425" tIns="91425" rIns="91425" bIns="91425" anchor="ctr" anchorCtr="0">
             <a:noAutofit/>
           </a:bodyPr>
           <a:lstStyle>
-            <a:lvl1pPr indent="-228600" lvl="0" marL="457200">
+            <a:lvl1pPr marL="457200" lvl="0" indent="-228600">
               <a:lnSpc>
                 <a:spcPct val="100000"/>
               </a:lnSpc>
@@ -4685,15 +4910,19 @@
               <a:defRPr/>
             </a:lvl1pPr>
           </a:lstStyle>
-          <a:p/>
+          <a:p>
+            <a:endParaRPr/>
+          </a:p>
         </p:txBody>
       </p:sp>
       <p:sp>
         <p:nvSpPr>
           <p:cNvPr id="43" name="Google Shape;43;p10"/>
-          <p:cNvSpPr txBox="1"/>
+          <p:cNvSpPr txBox="1">
+            <a:spLocks noGrp="1"/>
+          </p:cNvSpPr>
           <p:nvPr>
-            <p:ph idx="12" type="sldNum"/>
+            <p:ph type="sldNum" idx="12"/>
           </p:nvPr>
         </p:nvSpPr>
         <p:spPr>
@@ -4706,7 +4935,7 @@
           </a:prstGeom>
         </p:spPr>
         <p:txBody>
-          <a:bodyPr anchorCtr="0" anchor="ctr" bIns="91425" lIns="91425" spcFirstLastPara="1" rIns="91425" wrap="square" tIns="91425">
+          <a:bodyPr spcFirstLastPara="1" wrap="square" lIns="91425" tIns="91425" rIns="91425" bIns="91425" anchor="ctr" anchorCtr="0">
             <a:noAutofit/>
           </a:bodyPr>
           <a:lstStyle>
@@ -4748,7 +4977,7 @@
             </a:lvl9pPr>
           </a:lstStyle>
           <a:p>
-            <a:pPr indent="0" lvl="0" marL="0" rtl="0" algn="r">
+            <a:pPr marL="0" lvl="0" indent="0" algn="r" rtl="0">
               <a:spcBef>
                 <a:spcPts val="0"/>
               </a:spcBef>
@@ -4759,6 +4988,15 @@
             </a:pPr>
             <a:fld id="{00000000-1234-1234-1234-123412341234}" type="slidenum">
               <a:rPr lang="en"/>
+              <a:pPr marL="0" lvl="0" indent="0" algn="r" rtl="0">
+                <a:spcBef>
+                  <a:spcPts val="0"/>
+                </a:spcBef>
+                <a:spcAft>
+                  <a:spcPts val="0"/>
+                </a:spcAft>
+                <a:buNone/>
+              </a:pPr>
               <a:t>‹#›</a:t>
             </a:fld>
             <a:endParaRPr/>
@@ -4774,18 +5012,19 @@
 </file>
 
 <file path=ppt/slideMasters/slideMaster1.xml><?xml version="1.0" encoding="utf-8"?>
-<p:sldMaster xmlns:a="http://schemas.openxmlformats.org/drawingml/2006/main" xmlns:r="http://schemas.openxmlformats.org/officeDocument/2006/relationships" xmlns:mc="http://schemas.openxmlformats.org/markup-compatibility/2006" xmlns:mv="urn:schemas-microsoft-com:mac:vml" xmlns:p="http://schemas.openxmlformats.org/presentationml/2006/main" xmlns:c="http://schemas.openxmlformats.org/drawingml/2006/chart" xmlns:dgm="http://schemas.openxmlformats.org/drawingml/2006/diagram" xmlns:o="urn:schemas-microsoft-com:office:office" xmlns:v="urn:schemas-microsoft-com:vml" xmlns:pvml="urn:schemas-microsoft-com:office:powerpoint" xmlns:com="http://schemas.openxmlformats.org/drawingml/2006/compatibility" xmlns:p14="http://schemas.microsoft.com/office/powerpoint/2010/main" xmlns:p15="http://schemas.microsoft.com/office/powerpoint/2012/main" xmlns:ahyp="http://schemas.microsoft.com/office/drawing/2018/hyperlinkcolor">
+<p:sldMaster xmlns:a="http://schemas.openxmlformats.org/drawingml/2006/main" xmlns:r="http://schemas.openxmlformats.org/officeDocument/2006/relationships" xmlns:p="http://schemas.openxmlformats.org/presentationml/2006/main">
   <p:cSld name="simple-light-2">
     <p:bg>
       <p:bgPr>
         <a:solidFill>
           <a:schemeClr val="lt1"/>
         </a:solidFill>
+        <a:effectLst/>
       </p:bgPr>
     </p:bg>
     <p:spTree>
       <p:nvGrpSpPr>
-        <p:cNvPr id="5" name="Shape 5"/>
+        <p:cNvPr id="1" name="Shape 5"/>
         <p:cNvGrpSpPr/>
         <p:nvPr/>
       </p:nvGrpSpPr>
@@ -4800,7 +5039,9 @@
       <p:sp>
         <p:nvSpPr>
           <p:cNvPr id="6" name="Google Shape;6;p1"/>
-          <p:cNvSpPr txBox="1"/>
+          <p:cNvSpPr txBox="1">
+            <a:spLocks noGrp="1"/>
+          </p:cNvSpPr>
           <p:nvPr>
             <p:ph type="title"/>
           </p:nvPr>
@@ -4819,7 +5060,7 @@
           </a:ln>
         </p:spPr>
         <p:txBody>
-          <a:bodyPr anchorCtr="0" anchor="t" bIns="91425" lIns="91425" spcFirstLastPara="1" rIns="91425" wrap="square" tIns="91425">
+          <a:bodyPr spcFirstLastPara="1" wrap="square" lIns="91425" tIns="91425" rIns="91425" bIns="91425" anchor="t" anchorCtr="0">
             <a:noAutofit/>
           </a:bodyPr>
           <a:lstStyle>
@@ -4986,15 +5227,19 @@
               </a:defRPr>
             </a:lvl9pPr>
           </a:lstStyle>
-          <a:p/>
+          <a:p>
+            <a:endParaRPr/>
+          </a:p>
         </p:txBody>
       </p:sp>
       <p:sp>
         <p:nvSpPr>
           <p:cNvPr id="7" name="Google Shape;7;p1"/>
-          <p:cNvSpPr txBox="1"/>
+          <p:cNvSpPr txBox="1">
+            <a:spLocks noGrp="1"/>
+          </p:cNvSpPr>
           <p:nvPr>
-            <p:ph idx="1" type="body"/>
+            <p:ph type="body" idx="1"/>
           </p:nvPr>
         </p:nvSpPr>
         <p:spPr>
@@ -5011,11 +5256,11 @@
           </a:ln>
         </p:spPr>
         <p:txBody>
-          <a:bodyPr anchorCtr="0" anchor="t" bIns="91425" lIns="91425" spcFirstLastPara="1" rIns="91425" wrap="square" tIns="91425">
+          <a:bodyPr spcFirstLastPara="1" wrap="square" lIns="91425" tIns="91425" rIns="91425" bIns="91425" anchor="t" anchorCtr="0">
             <a:noAutofit/>
           </a:bodyPr>
           <a:lstStyle>
-            <a:lvl1pPr indent="-342900" lvl="0" marL="457200">
+            <a:lvl1pPr marL="457200" lvl="0" indent="-342900">
               <a:lnSpc>
                 <a:spcPct val="115000"/>
               </a:lnSpc>
@@ -5036,7 +5281,7 @@
                 </a:solidFill>
               </a:defRPr>
             </a:lvl1pPr>
-            <a:lvl2pPr indent="-317500" lvl="1" marL="914400">
+            <a:lvl2pPr marL="914400" lvl="1" indent="-317500">
               <a:lnSpc>
                 <a:spcPct val="115000"/>
               </a:lnSpc>
@@ -5057,7 +5302,7 @@
                 </a:solidFill>
               </a:defRPr>
             </a:lvl2pPr>
-            <a:lvl3pPr indent="-317500" lvl="2" marL="1371600">
+            <a:lvl3pPr marL="1371600" lvl="2" indent="-317500">
               <a:lnSpc>
                 <a:spcPct val="115000"/>
               </a:lnSpc>
@@ -5078,7 +5323,7 @@
                 </a:solidFill>
               </a:defRPr>
             </a:lvl3pPr>
-            <a:lvl4pPr indent="-317500" lvl="3" marL="1828800">
+            <a:lvl4pPr marL="1828800" lvl="3" indent="-317500">
               <a:lnSpc>
                 <a:spcPct val="115000"/>
               </a:lnSpc>
@@ -5099,7 +5344,7 @@
                 </a:solidFill>
               </a:defRPr>
             </a:lvl4pPr>
-            <a:lvl5pPr indent="-317500" lvl="4" marL="2286000">
+            <a:lvl5pPr marL="2286000" lvl="4" indent="-317500">
               <a:lnSpc>
                 <a:spcPct val="115000"/>
               </a:lnSpc>
@@ -5120,7 +5365,7 @@
                 </a:solidFill>
               </a:defRPr>
             </a:lvl5pPr>
-            <a:lvl6pPr indent="-317500" lvl="5" marL="2743200">
+            <a:lvl6pPr marL="2743200" lvl="5" indent="-317500">
               <a:lnSpc>
                 <a:spcPct val="115000"/>
               </a:lnSpc>
@@ -5141,7 +5386,7 @@
                 </a:solidFill>
               </a:defRPr>
             </a:lvl6pPr>
-            <a:lvl7pPr indent="-317500" lvl="6" marL="3200400">
+            <a:lvl7pPr marL="3200400" lvl="6" indent="-317500">
               <a:lnSpc>
                 <a:spcPct val="115000"/>
               </a:lnSpc>
@@ -5162,7 +5407,7 @@
                 </a:solidFill>
               </a:defRPr>
             </a:lvl7pPr>
-            <a:lvl8pPr indent="-317500" lvl="7" marL="3657600">
+            <a:lvl8pPr marL="3657600" lvl="7" indent="-317500">
               <a:lnSpc>
                 <a:spcPct val="115000"/>
               </a:lnSpc>
@@ -5183,7 +5428,7 @@
                 </a:solidFill>
               </a:defRPr>
             </a:lvl8pPr>
-            <a:lvl9pPr indent="-317500" lvl="8" marL="4114800">
+            <a:lvl9pPr marL="4114800" lvl="8" indent="-317500">
               <a:lnSpc>
                 <a:spcPct val="115000"/>
               </a:lnSpc>
@@ -5205,15 +5450,19 @@
               </a:defRPr>
             </a:lvl9pPr>
           </a:lstStyle>
-          <a:p/>
+          <a:p>
+            <a:endParaRPr/>
+          </a:p>
         </p:txBody>
       </p:sp>
       <p:sp>
         <p:nvSpPr>
           <p:cNvPr id="8" name="Google Shape;8;p1"/>
-          <p:cNvSpPr txBox="1"/>
+          <p:cNvSpPr txBox="1">
+            <a:spLocks noGrp="1"/>
+          </p:cNvSpPr>
           <p:nvPr>
-            <p:ph idx="12" type="sldNum"/>
+            <p:ph type="sldNum" idx="12"/>
           </p:nvPr>
         </p:nvSpPr>
         <p:spPr>
@@ -5230,7 +5479,7 @@
           </a:ln>
         </p:spPr>
         <p:txBody>
-          <a:bodyPr anchorCtr="0" anchor="ctr" bIns="91425" lIns="91425" spcFirstLastPara="1" rIns="91425" wrap="square" tIns="91425">
+          <a:bodyPr spcFirstLastPara="1" wrap="square" lIns="91425" tIns="91425" rIns="91425" bIns="91425" anchor="ctr" anchorCtr="0">
             <a:noAutofit/>
           </a:bodyPr>
           <a:lstStyle>
@@ -5308,7 +5557,7 @@
             </a:lvl9pPr>
           </a:lstStyle>
           <a:p>
-            <a:pPr indent="0" lvl="0" marL="0" rtl="0" algn="r">
+            <a:pPr marL="0" lvl="0" indent="0" algn="r" rtl="0">
               <a:spcBef>
                 <a:spcPts val="0"/>
               </a:spcBef>
@@ -5319,6 +5568,15 @@
             </a:pPr>
             <a:fld id="{00000000-1234-1234-1234-123412341234}" type="slidenum">
               <a:rPr lang="en"/>
+              <a:pPr marL="0" lvl="0" indent="0" algn="r" rtl="0">
+                <a:spcBef>
+                  <a:spcPts val="0"/>
+                </a:spcBef>
+                <a:spcAft>
+                  <a:spcPts val="0"/>
+                </a:spcAft>
+                <a:buNone/>
+              </a:pPr>
               <a:t>‹#›</a:t>
             </a:fld>
             <a:endParaRPr/>
@@ -5327,7 +5585,7 @@
       </p:sp>
     </p:spTree>
   </p:cSld>
-  <p:clrMap accent1="accent1" accent2="accent2" accent3="accent3" accent4="accent4" accent5="accent5" accent6="accent6" bg1="lt1" bg2="dk2" tx1="dk1" tx2="lt2" folHlink="folHlink" hlink="hlink"/>
+  <p:clrMap bg1="lt1" tx1="dk1" bg2="dk2" tx2="lt2" accent1="accent1" accent2="accent2" accent3="accent3" accent4="accent4" accent5="accent5" accent6="accent6" hlink="hlink" folHlink="folHlink"/>
   <p:sldLayoutIdLst>
     <p:sldLayoutId id="2147483648" r:id="rId1"/>
     <p:sldLayoutId id="2147483649" r:id="rId2"/>
@@ -5341,10 +5599,10 @@
     <p:sldLayoutId id="2147483657" r:id="rId10"/>
     <p:sldLayoutId id="2147483658" r:id="rId11"/>
   </p:sldLayoutIdLst>
-  <p:hf dt="0" ftr="0" hdr="0" sldNum="0"/>
+  <p:hf sldNum="0" hdr="0" ftr="0" dt="0"/>
   <p:txStyles>
     <p:titleStyle>
-      <a:defPPr lvl="0" marR="0" rtl="0" algn="l">
+      <a:defPPr marR="0" lvl="0" algn="l" rtl="0">
         <a:lnSpc>
           <a:spcPct val="100000"/>
         </a:lnSpc>
@@ -5355,7 +5613,7 @@
           <a:spcPts val="0"/>
         </a:spcAft>
       </a:defPPr>
-      <a:lvl1pPr lvl="0" marR="0" rtl="0" algn="l">
+      <a:lvl1pPr marR="0" lvl="0" algn="l" rtl="0">
         <a:lnSpc>
           <a:spcPct val="100000"/>
         </a:lnSpc>
@@ -5369,7 +5627,7 @@
           <a:srgbClr val="000000"/>
         </a:buClr>
         <a:buFont typeface="Arial"/>
-        <a:defRPr b="0" i="0" sz="1400" u="none" cap="none" strike="noStrike">
+        <a:defRPr sz="1400" b="0" i="0" u="none" strike="noStrike" cap="none">
           <a:solidFill>
             <a:srgbClr val="000000"/>
           </a:solidFill>
@@ -5379,7 +5637,7 @@
           <a:sym typeface="Arial"/>
         </a:defRPr>
       </a:lvl1pPr>
-      <a:lvl2pPr lvl="1" marR="0" rtl="0" algn="l">
+      <a:lvl2pPr marR="0" lvl="1" algn="l" rtl="0">
         <a:lnSpc>
           <a:spcPct val="100000"/>
         </a:lnSpc>
@@ -5393,7 +5651,7 @@
           <a:srgbClr val="000000"/>
         </a:buClr>
         <a:buFont typeface="Arial"/>
-        <a:defRPr b="0" i="0" sz="1400" u="none" cap="none" strike="noStrike">
+        <a:defRPr sz="1400" b="0" i="0" u="none" strike="noStrike" cap="none">
           <a:solidFill>
             <a:srgbClr val="000000"/>
           </a:solidFill>
@@ -5403,7 +5661,7 @@
           <a:sym typeface="Arial"/>
         </a:defRPr>
       </a:lvl2pPr>
-      <a:lvl3pPr lvl="2" marR="0" rtl="0" algn="l">
+      <a:lvl3pPr marR="0" lvl="2" algn="l" rtl="0">
         <a:lnSpc>
           <a:spcPct val="100000"/>
         </a:lnSpc>
@@ -5417,7 +5675,7 @@
           <a:srgbClr val="000000"/>
         </a:buClr>
         <a:buFont typeface="Arial"/>
-        <a:defRPr b="0" i="0" sz="1400" u="none" cap="none" strike="noStrike">
+        <a:defRPr sz="1400" b="0" i="0" u="none" strike="noStrike" cap="none">
           <a:solidFill>
             <a:srgbClr val="000000"/>
           </a:solidFill>
@@ -5427,7 +5685,7 @@
           <a:sym typeface="Arial"/>
         </a:defRPr>
       </a:lvl3pPr>
-      <a:lvl4pPr lvl="3" marR="0" rtl="0" algn="l">
+      <a:lvl4pPr marR="0" lvl="3" algn="l" rtl="0">
         <a:lnSpc>
           <a:spcPct val="100000"/>
         </a:lnSpc>
@@ -5441,7 +5699,7 @@
           <a:srgbClr val="000000"/>
         </a:buClr>
         <a:buFont typeface="Arial"/>
-        <a:defRPr b="0" i="0" sz="1400" u="none" cap="none" strike="noStrike">
+        <a:defRPr sz="1400" b="0" i="0" u="none" strike="noStrike" cap="none">
           <a:solidFill>
             <a:srgbClr val="000000"/>
           </a:solidFill>
@@ -5451,7 +5709,7 @@
           <a:sym typeface="Arial"/>
         </a:defRPr>
       </a:lvl4pPr>
-      <a:lvl5pPr lvl="4" marR="0" rtl="0" algn="l">
+      <a:lvl5pPr marR="0" lvl="4" algn="l" rtl="0">
         <a:lnSpc>
           <a:spcPct val="100000"/>
         </a:lnSpc>
@@ -5465,7 +5723,7 @@
           <a:srgbClr val="000000"/>
         </a:buClr>
         <a:buFont typeface="Arial"/>
-        <a:defRPr b="0" i="0" sz="1400" u="none" cap="none" strike="noStrike">
+        <a:defRPr sz="1400" b="0" i="0" u="none" strike="noStrike" cap="none">
           <a:solidFill>
             <a:srgbClr val="000000"/>
           </a:solidFill>
@@ -5475,7 +5733,7 @@
           <a:sym typeface="Arial"/>
         </a:defRPr>
       </a:lvl5pPr>
-      <a:lvl6pPr lvl="5" marR="0" rtl="0" algn="l">
+      <a:lvl6pPr marR="0" lvl="5" algn="l" rtl="0">
         <a:lnSpc>
           <a:spcPct val="100000"/>
         </a:lnSpc>
@@ -5489,7 +5747,7 @@
           <a:srgbClr val="000000"/>
         </a:buClr>
         <a:buFont typeface="Arial"/>
-        <a:defRPr b="0" i="0" sz="1400" u="none" cap="none" strike="noStrike">
+        <a:defRPr sz="1400" b="0" i="0" u="none" strike="noStrike" cap="none">
           <a:solidFill>
             <a:srgbClr val="000000"/>
           </a:solidFill>
@@ -5499,7 +5757,7 @@
           <a:sym typeface="Arial"/>
         </a:defRPr>
       </a:lvl6pPr>
-      <a:lvl7pPr lvl="6" marR="0" rtl="0" algn="l">
+      <a:lvl7pPr marR="0" lvl="6" algn="l" rtl="0">
         <a:lnSpc>
           <a:spcPct val="100000"/>
         </a:lnSpc>
@@ -5513,7 +5771,7 @@
           <a:srgbClr val="000000"/>
         </a:buClr>
         <a:buFont typeface="Arial"/>
-        <a:defRPr b="0" i="0" sz="1400" u="none" cap="none" strike="noStrike">
+        <a:defRPr sz="1400" b="0" i="0" u="none" strike="noStrike" cap="none">
           <a:solidFill>
             <a:srgbClr val="000000"/>
           </a:solidFill>
@@ -5523,7 +5781,7 @@
           <a:sym typeface="Arial"/>
         </a:defRPr>
       </a:lvl7pPr>
-      <a:lvl8pPr lvl="7" marR="0" rtl="0" algn="l">
+      <a:lvl8pPr marR="0" lvl="7" algn="l" rtl="0">
         <a:lnSpc>
           <a:spcPct val="100000"/>
         </a:lnSpc>
@@ -5537,7 +5795,7 @@
           <a:srgbClr val="000000"/>
         </a:buClr>
         <a:buFont typeface="Arial"/>
-        <a:defRPr b="0" i="0" sz="1400" u="none" cap="none" strike="noStrike">
+        <a:defRPr sz="1400" b="0" i="0" u="none" strike="noStrike" cap="none">
           <a:solidFill>
             <a:srgbClr val="000000"/>
           </a:solidFill>
@@ -5547,7 +5805,7 @@
           <a:sym typeface="Arial"/>
         </a:defRPr>
       </a:lvl8pPr>
-      <a:lvl9pPr lvl="8" marR="0" rtl="0" algn="l">
+      <a:lvl9pPr marR="0" lvl="8" algn="l" rtl="0">
         <a:lnSpc>
           <a:spcPct val="100000"/>
         </a:lnSpc>
@@ -5561,7 +5819,7 @@
           <a:srgbClr val="000000"/>
         </a:buClr>
         <a:buFont typeface="Arial"/>
-        <a:defRPr b="0" i="0" sz="1400" u="none" cap="none" strike="noStrike">
+        <a:defRPr sz="1400" b="0" i="0" u="none" strike="noStrike" cap="none">
           <a:solidFill>
             <a:srgbClr val="000000"/>
           </a:solidFill>
@@ -5573,7 +5831,7 @@
       </a:lvl9pPr>
     </p:titleStyle>
     <p:bodyStyle>
-      <a:defPPr lvl="0" marR="0" rtl="0" algn="l">
+      <a:defPPr marR="0" lvl="0" algn="l" rtl="0">
         <a:lnSpc>
           <a:spcPct val="100000"/>
         </a:lnSpc>
@@ -5584,7 +5842,7 @@
           <a:spcPts val="0"/>
         </a:spcAft>
       </a:defPPr>
-      <a:lvl1pPr lvl="0" marR="0" rtl="0" algn="l">
+      <a:lvl1pPr marR="0" lvl="0" algn="l" rtl="0">
         <a:lnSpc>
           <a:spcPct val="100000"/>
         </a:lnSpc>
@@ -5598,7 +5856,7 @@
           <a:srgbClr val="000000"/>
         </a:buClr>
         <a:buFont typeface="Arial"/>
-        <a:defRPr b="0" i="0" sz="1400" u="none" cap="none" strike="noStrike">
+        <a:defRPr sz="1400" b="0" i="0" u="none" strike="noStrike" cap="none">
           <a:solidFill>
             <a:srgbClr val="000000"/>
           </a:solidFill>
@@ -5608,7 +5866,7 @@
           <a:sym typeface="Arial"/>
         </a:defRPr>
       </a:lvl1pPr>
-      <a:lvl2pPr lvl="1" marR="0" rtl="0" algn="l">
+      <a:lvl2pPr marR="0" lvl="1" algn="l" rtl="0">
         <a:lnSpc>
           <a:spcPct val="100000"/>
         </a:lnSpc>
@@ -5622,7 +5880,7 @@
           <a:srgbClr val="000000"/>
         </a:buClr>
         <a:buFont typeface="Arial"/>
-        <a:defRPr b="0" i="0" sz="1400" u="none" cap="none" strike="noStrike">
+        <a:defRPr sz="1400" b="0" i="0" u="none" strike="noStrike" cap="none">
           <a:solidFill>
             <a:srgbClr val="000000"/>
           </a:solidFill>
@@ -5632,7 +5890,7 @@
           <a:sym typeface="Arial"/>
         </a:defRPr>
       </a:lvl2pPr>
-      <a:lvl3pPr lvl="2" marR="0" rtl="0" algn="l">
+      <a:lvl3pPr marR="0" lvl="2" algn="l" rtl="0">
         <a:lnSpc>
           <a:spcPct val="100000"/>
         </a:lnSpc>
@@ -5646,7 +5904,7 @@
           <a:srgbClr val="000000"/>
         </a:buClr>
         <a:buFont typeface="Arial"/>
-        <a:defRPr b="0" i="0" sz="1400" u="none" cap="none" strike="noStrike">
+        <a:defRPr sz="1400" b="0" i="0" u="none" strike="noStrike" cap="none">
           <a:solidFill>
             <a:srgbClr val="000000"/>
           </a:solidFill>
@@ -5656,7 +5914,7 @@
           <a:sym typeface="Arial"/>
         </a:defRPr>
       </a:lvl3pPr>
-      <a:lvl4pPr lvl="3" marR="0" rtl="0" algn="l">
+      <a:lvl4pPr marR="0" lvl="3" algn="l" rtl="0">
         <a:lnSpc>
           <a:spcPct val="100000"/>
         </a:lnSpc>
@@ -5670,7 +5928,7 @@
           <a:srgbClr val="000000"/>
         </a:buClr>
         <a:buFont typeface="Arial"/>
-        <a:defRPr b="0" i="0" sz="1400" u="none" cap="none" strike="noStrike">
+        <a:defRPr sz="1400" b="0" i="0" u="none" strike="noStrike" cap="none">
           <a:solidFill>
             <a:srgbClr val="000000"/>
           </a:solidFill>
@@ -5680,7 +5938,7 @@
           <a:sym typeface="Arial"/>
         </a:defRPr>
       </a:lvl4pPr>
-      <a:lvl5pPr lvl="4" marR="0" rtl="0" algn="l">
+      <a:lvl5pPr marR="0" lvl="4" algn="l" rtl="0">
         <a:lnSpc>
           <a:spcPct val="100000"/>
         </a:lnSpc>
@@ -5694,7 +5952,7 @@
           <a:srgbClr val="000000"/>
         </a:buClr>
         <a:buFont typeface="Arial"/>
-        <a:defRPr b="0" i="0" sz="1400" u="none" cap="none" strike="noStrike">
+        <a:defRPr sz="1400" b="0" i="0" u="none" strike="noStrike" cap="none">
           <a:solidFill>
             <a:srgbClr val="000000"/>
           </a:solidFill>
@@ -5704,7 +5962,7 @@
           <a:sym typeface="Arial"/>
         </a:defRPr>
       </a:lvl5pPr>
-      <a:lvl6pPr lvl="5" marR="0" rtl="0" algn="l">
+      <a:lvl6pPr marR="0" lvl="5" algn="l" rtl="0">
         <a:lnSpc>
           <a:spcPct val="100000"/>
         </a:lnSpc>
@@ -5718,7 +5976,7 @@
           <a:srgbClr val="000000"/>
         </a:buClr>
         <a:buFont typeface="Arial"/>
-        <a:defRPr b="0" i="0" sz="1400" u="none" cap="none" strike="noStrike">
+        <a:defRPr sz="1400" b="0" i="0" u="none" strike="noStrike" cap="none">
           <a:solidFill>
             <a:srgbClr val="000000"/>
           </a:solidFill>
@@ -5728,7 +5986,7 @@
           <a:sym typeface="Arial"/>
         </a:defRPr>
       </a:lvl6pPr>
-      <a:lvl7pPr lvl="6" marR="0" rtl="0" algn="l">
+      <a:lvl7pPr marR="0" lvl="6" algn="l" rtl="0">
         <a:lnSpc>
           <a:spcPct val="100000"/>
         </a:lnSpc>
@@ -5742,7 +6000,7 @@
           <a:srgbClr val="000000"/>
         </a:buClr>
         <a:buFont typeface="Arial"/>
-        <a:defRPr b="0" i="0" sz="1400" u="none" cap="none" strike="noStrike">
+        <a:defRPr sz="1400" b="0" i="0" u="none" strike="noStrike" cap="none">
           <a:solidFill>
             <a:srgbClr val="000000"/>
           </a:solidFill>
@@ -5752,7 +6010,7 @@
           <a:sym typeface="Arial"/>
         </a:defRPr>
       </a:lvl7pPr>
-      <a:lvl8pPr lvl="7" marR="0" rtl="0" algn="l">
+      <a:lvl8pPr marR="0" lvl="7" algn="l" rtl="0">
         <a:lnSpc>
           <a:spcPct val="100000"/>
         </a:lnSpc>
@@ -5766,7 +6024,7 @@
           <a:srgbClr val="000000"/>
         </a:buClr>
         <a:buFont typeface="Arial"/>
-        <a:defRPr b="0" i="0" sz="1400" u="none" cap="none" strike="noStrike">
+        <a:defRPr sz="1400" b="0" i="0" u="none" strike="noStrike" cap="none">
           <a:solidFill>
             <a:srgbClr val="000000"/>
           </a:solidFill>
@@ -5776,7 +6034,7 @@
           <a:sym typeface="Arial"/>
         </a:defRPr>
       </a:lvl8pPr>
-      <a:lvl9pPr lvl="8" marR="0" rtl="0" algn="l">
+      <a:lvl9pPr marR="0" lvl="8" algn="l" rtl="0">
         <a:lnSpc>
           <a:spcPct val="100000"/>
         </a:lnSpc>
@@ -5790,7 +6048,7 @@
           <a:srgbClr val="000000"/>
         </a:buClr>
         <a:buFont typeface="Arial"/>
-        <a:defRPr b="0" i="0" sz="1400" u="none" cap="none" strike="noStrike">
+        <a:defRPr sz="1400" b="0" i="0" u="none" strike="noStrike" cap="none">
           <a:solidFill>
             <a:srgbClr val="000000"/>
           </a:solidFill>
@@ -5802,7 +6060,7 @@
       </a:lvl9pPr>
     </p:bodyStyle>
     <p:otherStyle>
-      <a:defPPr lvl="0" marR="0" rtl="0" algn="l">
+      <a:defPPr marR="0" lvl="0" algn="l" rtl="0">
         <a:lnSpc>
           <a:spcPct val="100000"/>
         </a:lnSpc>
@@ -5813,7 +6071,7 @@
           <a:spcPts val="0"/>
         </a:spcAft>
       </a:defPPr>
-      <a:lvl1pPr lvl="0" marR="0" rtl="0" algn="l">
+      <a:lvl1pPr marR="0" lvl="0" algn="l" rtl="0">
         <a:lnSpc>
           <a:spcPct val="100000"/>
         </a:lnSpc>
@@ -5827,7 +6085,7 @@
           <a:srgbClr val="000000"/>
         </a:buClr>
         <a:buFont typeface="Arial"/>
-        <a:defRPr b="0" i="0" sz="1400" u="none" cap="none" strike="noStrike">
+        <a:defRPr sz="1400" b="0" i="0" u="none" strike="noStrike" cap="none">
           <a:solidFill>
             <a:srgbClr val="000000"/>
           </a:solidFill>
@@ -5837,7 +6095,7 @@
           <a:sym typeface="Arial"/>
         </a:defRPr>
       </a:lvl1pPr>
-      <a:lvl2pPr lvl="1" marR="0" rtl="0" algn="l">
+      <a:lvl2pPr marR="0" lvl="1" algn="l" rtl="0">
         <a:lnSpc>
           <a:spcPct val="100000"/>
         </a:lnSpc>
@@ -5851,7 +6109,7 @@
           <a:srgbClr val="000000"/>
         </a:buClr>
         <a:buFont typeface="Arial"/>
-        <a:defRPr b="0" i="0" sz="1400" u="none" cap="none" strike="noStrike">
+        <a:defRPr sz="1400" b="0" i="0" u="none" strike="noStrike" cap="none">
           <a:solidFill>
             <a:srgbClr val="000000"/>
           </a:solidFill>
@@ -5861,7 +6119,7 @@
           <a:sym typeface="Arial"/>
         </a:defRPr>
       </a:lvl2pPr>
-      <a:lvl3pPr lvl="2" marR="0" rtl="0" algn="l">
+      <a:lvl3pPr marR="0" lvl="2" algn="l" rtl="0">
         <a:lnSpc>
           <a:spcPct val="100000"/>
         </a:lnSpc>
@@ -5875,7 +6133,7 @@
           <a:srgbClr val="000000"/>
         </a:buClr>
         <a:buFont typeface="Arial"/>
-        <a:defRPr b="0" i="0" sz="1400" u="none" cap="none" strike="noStrike">
+        <a:defRPr sz="1400" b="0" i="0" u="none" strike="noStrike" cap="none">
           <a:solidFill>
             <a:srgbClr val="000000"/>
           </a:solidFill>
@@ -5885,7 +6143,7 @@
           <a:sym typeface="Arial"/>
         </a:defRPr>
       </a:lvl3pPr>
-      <a:lvl4pPr lvl="3" marR="0" rtl="0" algn="l">
+      <a:lvl4pPr marR="0" lvl="3" algn="l" rtl="0">
         <a:lnSpc>
           <a:spcPct val="100000"/>
         </a:lnSpc>
@@ -5899,7 +6157,7 @@
           <a:srgbClr val="000000"/>
         </a:buClr>
         <a:buFont typeface="Arial"/>
-        <a:defRPr b="0" i="0" sz="1400" u="none" cap="none" strike="noStrike">
+        <a:defRPr sz="1400" b="0" i="0" u="none" strike="noStrike" cap="none">
           <a:solidFill>
             <a:srgbClr val="000000"/>
           </a:solidFill>
@@ -5909,7 +6167,7 @@
           <a:sym typeface="Arial"/>
         </a:defRPr>
       </a:lvl4pPr>
-      <a:lvl5pPr lvl="4" marR="0" rtl="0" algn="l">
+      <a:lvl5pPr marR="0" lvl="4" algn="l" rtl="0">
         <a:lnSpc>
           <a:spcPct val="100000"/>
         </a:lnSpc>
@@ -5923,7 +6181,7 @@
           <a:srgbClr val="000000"/>
         </a:buClr>
         <a:buFont typeface="Arial"/>
-        <a:defRPr b="0" i="0" sz="1400" u="none" cap="none" strike="noStrike">
+        <a:defRPr sz="1400" b="0" i="0" u="none" strike="noStrike" cap="none">
           <a:solidFill>
             <a:srgbClr val="000000"/>
           </a:solidFill>
@@ -5933,7 +6191,7 @@
           <a:sym typeface="Arial"/>
         </a:defRPr>
       </a:lvl5pPr>
-      <a:lvl6pPr lvl="5" marR="0" rtl="0" algn="l">
+      <a:lvl6pPr marR="0" lvl="5" algn="l" rtl="0">
         <a:lnSpc>
           <a:spcPct val="100000"/>
         </a:lnSpc>
@@ -5947,7 +6205,7 @@
           <a:srgbClr val="000000"/>
         </a:buClr>
         <a:buFont typeface="Arial"/>
-        <a:defRPr b="0" i="0" sz="1400" u="none" cap="none" strike="noStrike">
+        <a:defRPr sz="1400" b="0" i="0" u="none" strike="noStrike" cap="none">
           <a:solidFill>
             <a:srgbClr val="000000"/>
           </a:solidFill>
@@ -5957,7 +6215,7 @@
           <a:sym typeface="Arial"/>
         </a:defRPr>
       </a:lvl6pPr>
-      <a:lvl7pPr lvl="6" marR="0" rtl="0" algn="l">
+      <a:lvl7pPr marR="0" lvl="6" algn="l" rtl="0">
         <a:lnSpc>
           <a:spcPct val="100000"/>
         </a:lnSpc>
@@ -5971,7 +6229,7 @@
           <a:srgbClr val="000000"/>
         </a:buClr>
         <a:buFont typeface="Arial"/>
-        <a:defRPr b="0" i="0" sz="1400" u="none" cap="none" strike="noStrike">
+        <a:defRPr sz="1400" b="0" i="0" u="none" strike="noStrike" cap="none">
           <a:solidFill>
             <a:srgbClr val="000000"/>
           </a:solidFill>
@@ -5981,7 +6239,7 @@
           <a:sym typeface="Arial"/>
         </a:defRPr>
       </a:lvl7pPr>
-      <a:lvl8pPr lvl="7" marR="0" rtl="0" algn="l">
+      <a:lvl8pPr marR="0" lvl="7" algn="l" rtl="0">
         <a:lnSpc>
           <a:spcPct val="100000"/>
         </a:lnSpc>
@@ -5995,7 +6253,7 @@
           <a:srgbClr val="000000"/>
         </a:buClr>
         <a:buFont typeface="Arial"/>
-        <a:defRPr b="0" i="0" sz="1400" u="none" cap="none" strike="noStrike">
+        <a:defRPr sz="1400" b="0" i="0" u="none" strike="noStrike" cap="none">
           <a:solidFill>
             <a:srgbClr val="000000"/>
           </a:solidFill>
@@ -6005,7 +6263,7 @@
           <a:sym typeface="Arial"/>
         </a:defRPr>
       </a:lvl8pPr>
-      <a:lvl9pPr lvl="8" marR="0" rtl="0" algn="l">
+      <a:lvl9pPr marR="0" lvl="8" algn="l" rtl="0">
         <a:lnSpc>
           <a:spcPct val="100000"/>
         </a:lnSpc>
@@ -6019,7 +6277,7 @@
           <a:srgbClr val="000000"/>
         </a:buClr>
         <a:buFont typeface="Arial"/>
-        <a:defRPr b="0" i="0" sz="1400" u="none" cap="none" strike="noStrike">
+        <a:defRPr sz="1400" b="0" i="0" u="none" strike="noStrike" cap="none">
           <a:solidFill>
             <a:srgbClr val="000000"/>
           </a:solidFill>
@@ -6035,11 +6293,11 @@
 </file>
 
 <file path=ppt/slides/slide1.xml><?xml version="1.0" encoding="utf-8"?>
-<p:sld xmlns:a="http://schemas.openxmlformats.org/drawingml/2006/main" xmlns:r="http://schemas.openxmlformats.org/officeDocument/2006/relationships" xmlns:mc="http://schemas.openxmlformats.org/markup-compatibility/2006" xmlns:mv="urn:schemas-microsoft-com:mac:vml" xmlns:p="http://schemas.openxmlformats.org/presentationml/2006/main" xmlns:c="http://schemas.openxmlformats.org/drawingml/2006/chart" xmlns:dgm="http://schemas.openxmlformats.org/drawingml/2006/diagram" xmlns:o="urn:schemas-microsoft-com:office:office" xmlns:v="urn:schemas-microsoft-com:vml" xmlns:pvml="urn:schemas-microsoft-com:office:powerpoint" xmlns:com="http://schemas.openxmlformats.org/drawingml/2006/compatibility" xmlns:p14="http://schemas.microsoft.com/office/powerpoint/2010/main" xmlns:p15="http://schemas.microsoft.com/office/powerpoint/2012/main" xmlns:ahyp="http://schemas.microsoft.com/office/drawing/2018/hyperlinkcolor">
+<p:sld xmlns:a="http://schemas.openxmlformats.org/drawingml/2006/main" xmlns:r="http://schemas.openxmlformats.org/officeDocument/2006/relationships" xmlns:p="http://schemas.openxmlformats.org/presentationml/2006/main">
   <p:cSld>
     <p:spTree>
       <p:nvGrpSpPr>
-        <p:cNvPr id="53" name="Shape 53"/>
+        <p:cNvPr id="1" name="Shape 53"/>
         <p:cNvGrpSpPr/>
         <p:nvPr/>
       </p:nvGrpSpPr>
@@ -6054,7 +6312,9 @@
       <p:sp>
         <p:nvSpPr>
           <p:cNvPr id="54" name="Google Shape;54;p13"/>
-          <p:cNvSpPr txBox="1"/>
+          <p:cNvSpPr txBox="1">
+            <a:spLocks noGrp="1"/>
+          </p:cNvSpPr>
           <p:nvPr>
             <p:ph type="title"/>
           </p:nvPr>
@@ -6069,12 +6329,12 @@
           </a:prstGeom>
         </p:spPr>
         <p:txBody>
-          <a:bodyPr anchorCtr="0" anchor="t" bIns="91425" lIns="91425" spcFirstLastPara="1" rIns="91425" wrap="square" tIns="91425">
+          <a:bodyPr spcFirstLastPara="1" wrap="square" lIns="91425" tIns="91425" rIns="91425" bIns="91425" anchor="t" anchorCtr="0">
             <a:noAutofit/>
           </a:bodyPr>
           <a:lstStyle/>
           <a:p>
-            <a:pPr indent="0" lvl="0" marL="0" rtl="0" algn="l">
+            <a:pPr marL="0" lvl="0" indent="0" algn="l" rtl="0">
               <a:spcBef>
                 <a:spcPts val="0"/>
               </a:spcBef>
@@ -6085,11 +6345,7 @@
             </a:pPr>
             <a:r>
               <a:rPr lang="en" sz="2600"/>
-              <a:t>Mathematics/Computer Science</a:t>
-            </a:r>
-            <a:r>
-              <a:rPr lang="en" sz="2600"/>
-              <a:t> Presentation Template</a:t>
+              <a:t>Mathematics/Computer Science Presentation Template</a:t>
             </a:r>
             <a:endParaRPr sz="2600"/>
           </a:p>
@@ -6098,9 +6354,11 @@
       <p:sp>
         <p:nvSpPr>
           <p:cNvPr id="55" name="Google Shape;55;p13"/>
-          <p:cNvSpPr txBox="1"/>
+          <p:cNvSpPr txBox="1">
+            <a:spLocks noGrp="1"/>
+          </p:cNvSpPr>
           <p:nvPr>
-            <p:ph idx="1" type="body"/>
+            <p:ph type="body" idx="1"/>
           </p:nvPr>
         </p:nvSpPr>
         <p:spPr>
@@ -6113,12 +6371,12 @@
           </a:prstGeom>
         </p:spPr>
         <p:txBody>
-          <a:bodyPr anchorCtr="0" anchor="t" bIns="91425" lIns="91425" spcFirstLastPara="1" rIns="91425" wrap="square" tIns="91425">
+          <a:bodyPr spcFirstLastPara="1" wrap="square" lIns="91425" tIns="91425" rIns="91425" bIns="91425" anchor="t" anchorCtr="0">
             <a:noAutofit/>
           </a:bodyPr>
           <a:lstStyle/>
           <a:p>
-            <a:pPr indent="-342900" lvl="0" marL="457200" rtl="0" algn="l">
+            <a:pPr marL="457200" lvl="0" indent="-342900" algn="l" rtl="0">
               <a:spcBef>
                 <a:spcPts val="0"/>
               </a:spcBef>
@@ -6135,7 +6393,7 @@
             <a:endParaRPr/>
           </a:p>
           <a:p>
-            <a:pPr indent="-342900" lvl="0" marL="457200" rtl="0" algn="l">
+            <a:pPr marL="457200" lvl="0" indent="-342900" algn="l" rtl="0">
               <a:spcBef>
                 <a:spcPts val="0"/>
               </a:spcBef>
@@ -6147,20 +6405,12 @@
             </a:pPr>
             <a:r>
               <a:rPr lang="en"/>
-              <a:t>All slides are </a:t>
-            </a:r>
-            <a:r>
-              <a:rPr lang="en"/>
-              <a:t>labeled</a:t>
-            </a:r>
-            <a:r>
-              <a:rPr lang="en"/>
-              <a:t> according to Science Fair Guidelines (Please keep the titles the same)</a:t>
+              <a:t>All slides are labeled according to Science Fair Guidelines (Please keep the titles the same)</a:t>
             </a:r>
             <a:endParaRPr/>
           </a:p>
           <a:p>
-            <a:pPr indent="-342900" lvl="0" marL="457200" rtl="0" algn="l">
+            <a:pPr marL="457200" lvl="0" indent="-342900" algn="l" rtl="0">
               <a:spcBef>
                 <a:spcPts val="0"/>
               </a:spcBef>
@@ -6177,7 +6427,7 @@
             <a:endParaRPr/>
           </a:p>
           <a:p>
-            <a:pPr indent="-342900" lvl="0" marL="457200" rtl="0" algn="l">
+            <a:pPr marL="457200" lvl="0" indent="-342900" algn="l" rtl="0">
               <a:spcBef>
                 <a:spcPts val="0"/>
               </a:spcBef>
@@ -6189,20 +6439,12 @@
             </a:pPr>
             <a:r>
               <a:rPr lang="en"/>
-              <a:t>You may add additional slides if needed for the various sections (</a:t>
-            </a:r>
-            <a:r>
-              <a:rPr lang="en"/>
-              <a:t>Remember</a:t>
-            </a:r>
-            <a:r>
-              <a:rPr lang="en"/>
-              <a:t> that you may only have a total of 12 pages)</a:t>
+              <a:t>You may add additional slides if needed for the various sections (Remember that you may only have a total of 12 pages)</a:t>
             </a:r>
             <a:endParaRPr/>
           </a:p>
           <a:p>
-            <a:pPr indent="-342900" lvl="0" marL="457200" rtl="0" algn="l">
+            <a:pPr marL="457200" lvl="0" indent="-342900" algn="l" rtl="0">
               <a:spcBef>
                 <a:spcPts val="0"/>
               </a:spcBef>
@@ -6219,7 +6461,7 @@
             <a:endParaRPr/>
           </a:p>
           <a:p>
-            <a:pPr indent="-342900" lvl="0" marL="457200" rtl="0" algn="l">
+            <a:pPr marL="457200" lvl="0" indent="-342900" algn="l" rtl="0">
               <a:spcBef>
                 <a:spcPts val="0"/>
               </a:spcBef>
@@ -6230,7 +6472,7 @@
               <a:buChar char="●"/>
             </a:pPr>
             <a:r>
-              <a:rPr b="1" lang="en" u="sng">
+              <a:rPr lang="en" b="1" u="sng">
                 <a:highlight>
                   <a:schemeClr val="accent6"/>
                 </a:highlight>
@@ -6254,11 +6496,11 @@
 </file>
 
 <file path=ppt/slides/slide2.xml><?xml version="1.0" encoding="utf-8"?>
-<p:sld xmlns:a="http://schemas.openxmlformats.org/drawingml/2006/main" xmlns:r="http://schemas.openxmlformats.org/officeDocument/2006/relationships" xmlns:mc="http://schemas.openxmlformats.org/markup-compatibility/2006" xmlns:mv="urn:schemas-microsoft-com:mac:vml" xmlns:p="http://schemas.openxmlformats.org/presentationml/2006/main" xmlns:c="http://schemas.openxmlformats.org/drawingml/2006/chart" xmlns:dgm="http://schemas.openxmlformats.org/drawingml/2006/diagram" xmlns:o="urn:schemas-microsoft-com:office:office" xmlns:v="urn:schemas-microsoft-com:vml" xmlns:pvml="urn:schemas-microsoft-com:office:powerpoint" xmlns:com="http://schemas.openxmlformats.org/drawingml/2006/compatibility" xmlns:p14="http://schemas.microsoft.com/office/powerpoint/2010/main" xmlns:p15="http://schemas.microsoft.com/office/powerpoint/2012/main" xmlns:ahyp="http://schemas.microsoft.com/office/drawing/2018/hyperlinkcolor">
+<p:sld xmlns:a="http://schemas.openxmlformats.org/drawingml/2006/main" xmlns:r="http://schemas.openxmlformats.org/officeDocument/2006/relationships" xmlns:p="http://schemas.openxmlformats.org/presentationml/2006/main">
   <p:cSld>
     <p:spTree>
       <p:nvGrpSpPr>
-        <p:cNvPr id="59" name="Shape 59"/>
+        <p:cNvPr id="1" name="Shape 59"/>
         <p:cNvGrpSpPr/>
         <p:nvPr/>
       </p:nvGrpSpPr>
@@ -6273,7 +6515,9 @@
       <p:sp>
         <p:nvSpPr>
           <p:cNvPr id="60" name="Google Shape;60;p14"/>
-          <p:cNvSpPr txBox="1"/>
+          <p:cNvSpPr txBox="1">
+            <a:spLocks noGrp="1"/>
+          </p:cNvSpPr>
           <p:nvPr>
             <p:ph type="title"/>
           </p:nvPr>
@@ -6288,136 +6532,67 @@
           </a:prstGeom>
         </p:spPr>
         <p:txBody>
-          <a:bodyPr anchorCtr="0" anchor="ctr" bIns="91425" lIns="91425" spcFirstLastPara="1" rIns="91425" wrap="square" tIns="91425">
+          <a:bodyPr spcFirstLastPara="1" wrap="square" lIns="91425" tIns="91425" rIns="91425" bIns="91425" anchor="ctr" anchorCtr="0">
             <a:noAutofit/>
           </a:bodyPr>
           <a:lstStyle/>
           <a:p>
-            <a:pPr indent="0" lvl="0" marL="0" rtl="0" algn="ctr">
-              <a:spcBef>
-                <a:spcPts val="0"/>
-              </a:spcBef>
-              <a:spcAft>
-                <a:spcPts val="0"/>
-              </a:spcAft>
-              <a:buNone/>
-            </a:pPr>
+            <a:pPr lvl="0"/>
             <a:r>
-              <a:rPr lang="en" sz="3100"/>
+              <a:rPr lang="en-US" sz="3100" dirty="0" smtClean="0"/>
               <a:t>Project ID </a:t>
             </a:r>
-            <a:endParaRPr sz="3100"/>
-          </a:p>
-          <a:p>
-            <a:pPr indent="0" lvl="0" marL="0" rtl="0" algn="ctr">
-              <a:spcBef>
-                <a:spcPts val="0"/>
-              </a:spcBef>
-              <a:spcAft>
-                <a:spcPts val="0"/>
-              </a:spcAft>
-              <a:buNone/>
-            </a:pPr>
+            <a:br>
+              <a:rPr lang="en-US" sz="3100" dirty="0" smtClean="0"/>
+            </a:br>
             <a:r>
-              <a:rPr lang="en" sz="900"/>
-              <a:t>This ID will be provided by Society for Science &amp; the Public upon submission of ISEF paperwork</a:t>
+              <a:rPr lang="en-US" sz="900" dirty="0" smtClean="0"/>
+              <a:t>Your teacher will provide your Project ID once your project is completed.</a:t>
             </a:r>
-            <a:endParaRPr sz="3100"/>
-          </a:p>
-          <a:p>
-            <a:pPr indent="0" lvl="0" marL="0" rtl="0" algn="ctr">
-              <a:spcBef>
-                <a:spcPts val="0"/>
-              </a:spcBef>
-              <a:spcAft>
-                <a:spcPts val="0"/>
-              </a:spcAft>
-              <a:buNone/>
-            </a:pPr>
             <a:r>
-              <a:rPr lang="en" sz="3100"/>
-              <a:t> Project Title </a:t>
+              <a:rPr lang="en-US" sz="3100" dirty="0" smtClean="0"/>
+              <a:t/>
             </a:r>
-            <a:endParaRPr sz="3100"/>
-          </a:p>
-          <a:p>
-            <a:pPr indent="0" lvl="0" marL="0" rtl="0" algn="ctr">
-              <a:spcBef>
-                <a:spcPts val="0"/>
-              </a:spcBef>
-              <a:spcAft>
-                <a:spcPts val="0"/>
-              </a:spcAft>
-              <a:buNone/>
-            </a:pPr>
+            <a:br>
+              <a:rPr lang="en-US" sz="3100" dirty="0" smtClean="0"/>
+            </a:br>
             <a:r>
-              <a:rPr lang="en" sz="3100"/>
+              <a:rPr lang="en-US" sz="3100" dirty="0" smtClean="0"/>
+              <a:t> </a:t>
+            </a:r>
+            <a:r>
+              <a:rPr lang="en-US" sz="3100" smtClean="0"/>
+              <a:t>Project Title </a:t>
+            </a:r>
+            <a:br>
+              <a:rPr lang="en-US" sz="3100" smtClean="0"/>
+            </a:br>
+            <a:r>
+              <a:rPr lang="en-US" sz="3100" smtClean="0"/>
               <a:t>Finalist Name (s) </a:t>
             </a:r>
-            <a:endParaRPr sz="3100"/>
-          </a:p>
-          <a:p>
-            <a:pPr indent="0" lvl="0" marL="0" rtl="0" algn="ctr">
-              <a:spcBef>
-                <a:spcPts val="0"/>
-              </a:spcBef>
-              <a:spcAft>
-                <a:spcPts val="0"/>
-              </a:spcAft>
-              <a:buClr>
-                <a:schemeClr val="dk1"/>
-              </a:buClr>
-              <a:buSzPts val="1100"/>
-              <a:buFont typeface="Arial"/>
-              <a:buNone/>
-            </a:pPr>
+            <a:br>
+              <a:rPr lang="en-US" sz="3100" smtClean="0"/>
+            </a:br>
             <a:r>
-              <a:rPr lang="en" sz="3100"/>
-              <a:t>The Academy at Lincoln </a:t>
+              <a:rPr lang="en-US" sz="3100" smtClean="0"/>
+              <a:t>School Name </a:t>
             </a:r>
-            <a:endParaRPr sz="3100"/>
-          </a:p>
-          <a:p>
-            <a:pPr indent="0" lvl="0" marL="0" rtl="0" algn="ctr">
-              <a:spcBef>
-                <a:spcPts val="0"/>
-              </a:spcBef>
-              <a:spcAft>
-                <a:spcPts val="0"/>
-              </a:spcAft>
-              <a:buClr>
-                <a:schemeClr val="dk1"/>
-              </a:buClr>
-              <a:buSzPts val="1100"/>
-              <a:buFont typeface="Arial"/>
-              <a:buNone/>
-            </a:pPr>
+            <a:br>
+              <a:rPr lang="en-US" sz="3100" smtClean="0"/>
+            </a:br>
             <a:r>
-              <a:rPr lang="en" sz="3100"/>
-              <a:t>Greensboro, North Carolina</a:t>
+              <a:rPr lang="en-US" sz="3100" smtClean="0"/>
+              <a:t>City Name, State Name</a:t>
             </a:r>
-            <a:endParaRPr sz="3100"/>
-          </a:p>
-          <a:p>
-            <a:pPr indent="0" lvl="0" marL="0" rtl="0" algn="ctr">
-              <a:spcBef>
-                <a:spcPts val="0"/>
-              </a:spcBef>
-              <a:spcAft>
-                <a:spcPts val="0"/>
-              </a:spcAft>
-              <a:buClr>
-                <a:schemeClr val="dk1"/>
-              </a:buClr>
-              <a:buSzPts val="1100"/>
-              <a:buFont typeface="Arial"/>
-              <a:buNone/>
-            </a:pPr>
+            <a:br>
+              <a:rPr lang="en-US" sz="3100" smtClean="0"/>
+            </a:br>
             <a:r>
-              <a:rPr lang="en" sz="3100"/>
-              <a:t>United States of America</a:t>
+              <a:rPr lang="en-US" sz="3100" smtClean="0"/>
+              <a:t>Country Name</a:t>
             </a:r>
-            <a:endParaRPr sz="3100"/>
+            <a:endParaRPr sz="3100" dirty="0"/>
           </a:p>
         </p:txBody>
       </p:sp>
@@ -6430,11 +6605,11 @@
 </file>
 
 <file path=ppt/slides/slide3.xml><?xml version="1.0" encoding="utf-8"?>
-<p:sld xmlns:a="http://schemas.openxmlformats.org/drawingml/2006/main" xmlns:r="http://schemas.openxmlformats.org/officeDocument/2006/relationships" xmlns:mc="http://schemas.openxmlformats.org/markup-compatibility/2006" xmlns:mv="urn:schemas-microsoft-com:mac:vml" xmlns:p="http://schemas.openxmlformats.org/presentationml/2006/main" xmlns:c="http://schemas.openxmlformats.org/drawingml/2006/chart" xmlns:dgm="http://schemas.openxmlformats.org/drawingml/2006/diagram" xmlns:o="urn:schemas-microsoft-com:office:office" xmlns:v="urn:schemas-microsoft-com:vml" xmlns:pvml="urn:schemas-microsoft-com:office:powerpoint" xmlns:com="http://schemas.openxmlformats.org/drawingml/2006/compatibility" xmlns:p14="http://schemas.microsoft.com/office/powerpoint/2010/main" xmlns:p15="http://schemas.microsoft.com/office/powerpoint/2012/main" xmlns:ahyp="http://schemas.microsoft.com/office/drawing/2018/hyperlinkcolor">
+<p:sld xmlns:a="http://schemas.openxmlformats.org/drawingml/2006/main" xmlns:r="http://schemas.openxmlformats.org/officeDocument/2006/relationships" xmlns:p="http://schemas.openxmlformats.org/presentationml/2006/main">
   <p:cSld>
     <p:spTree>
       <p:nvGrpSpPr>
-        <p:cNvPr id="64" name="Shape 64"/>
+        <p:cNvPr id="1" name="Shape 64"/>
         <p:cNvGrpSpPr/>
         <p:nvPr/>
       </p:nvGrpSpPr>
@@ -6449,7 +6624,9 @@
       <p:sp>
         <p:nvSpPr>
           <p:cNvPr id="65" name="Google Shape;65;p15"/>
-          <p:cNvSpPr txBox="1"/>
+          <p:cNvSpPr txBox="1">
+            <a:spLocks noGrp="1"/>
+          </p:cNvSpPr>
           <p:nvPr>
             <p:ph type="title"/>
           </p:nvPr>
@@ -6464,12 +6641,12 @@
           </a:prstGeom>
         </p:spPr>
         <p:txBody>
-          <a:bodyPr anchorCtr="0" anchor="t" bIns="91425" lIns="91425" spcFirstLastPara="1" rIns="91425" wrap="square" tIns="91425">
+          <a:bodyPr spcFirstLastPara="1" wrap="square" lIns="91425" tIns="91425" rIns="91425" bIns="91425" anchor="t" anchorCtr="0">
             <a:noAutofit/>
           </a:bodyPr>
           <a:lstStyle/>
           <a:p>
-            <a:pPr indent="0" lvl="0" marL="0" rtl="0" algn="l">
+            <a:pPr marL="0" lvl="0" indent="0" algn="l" rtl="0">
               <a:spcBef>
                 <a:spcPts val="0"/>
               </a:spcBef>
@@ -6480,11 +6657,7 @@
             </a:pPr>
             <a:r>
               <a:rPr lang="en"/>
-              <a:t>R</a:t>
-            </a:r>
-            <a:r>
-              <a:rPr lang="en"/>
-              <a:t>esearch Question</a:t>
+              <a:t>Research Question</a:t>
             </a:r>
             <a:endParaRPr/>
           </a:p>
@@ -6493,9 +6666,11 @@
       <p:sp>
         <p:nvSpPr>
           <p:cNvPr id="66" name="Google Shape;66;p15"/>
-          <p:cNvSpPr txBox="1"/>
+          <p:cNvSpPr txBox="1">
+            <a:spLocks noGrp="1"/>
+          </p:cNvSpPr>
           <p:nvPr>
-            <p:ph idx="1" type="body"/>
+            <p:ph type="body" idx="1"/>
           </p:nvPr>
         </p:nvSpPr>
         <p:spPr>
@@ -6508,12 +6683,12 @@
           </a:prstGeom>
         </p:spPr>
         <p:txBody>
-          <a:bodyPr anchorCtr="0" anchor="t" bIns="91425" lIns="91425" spcFirstLastPara="1" rIns="91425" wrap="square" tIns="91425">
+          <a:bodyPr spcFirstLastPara="1" wrap="square" lIns="91425" tIns="91425" rIns="91425" bIns="91425" anchor="t" anchorCtr="0">
             <a:noAutofit/>
           </a:bodyPr>
           <a:lstStyle/>
           <a:p>
-            <a:pPr indent="-342900" lvl="0" marL="457200" rtl="0" algn="l">
+            <a:pPr marL="457200" lvl="0" indent="-342900" algn="l" rtl="0">
               <a:spcBef>
                 <a:spcPts val="0"/>
               </a:spcBef>
@@ -6530,7 +6705,7 @@
             <a:endParaRPr/>
           </a:p>
           <a:p>
-            <a:pPr indent="-342900" lvl="0" marL="457200" rtl="0" algn="l">
+            <a:pPr marL="457200" lvl="0" indent="-342900" algn="l" rtl="0">
               <a:spcBef>
                 <a:spcPts val="0"/>
               </a:spcBef>
@@ -6557,11 +6732,11 @@
 </file>
 
 <file path=ppt/slides/slide4.xml><?xml version="1.0" encoding="utf-8"?>
-<p:sld xmlns:a="http://schemas.openxmlformats.org/drawingml/2006/main" xmlns:r="http://schemas.openxmlformats.org/officeDocument/2006/relationships" xmlns:mc="http://schemas.openxmlformats.org/markup-compatibility/2006" xmlns:mv="urn:schemas-microsoft-com:mac:vml" xmlns:p="http://schemas.openxmlformats.org/presentationml/2006/main" xmlns:c="http://schemas.openxmlformats.org/drawingml/2006/chart" xmlns:dgm="http://schemas.openxmlformats.org/drawingml/2006/diagram" xmlns:o="urn:schemas-microsoft-com:office:office" xmlns:v="urn:schemas-microsoft-com:vml" xmlns:pvml="urn:schemas-microsoft-com:office:powerpoint" xmlns:com="http://schemas.openxmlformats.org/drawingml/2006/compatibility" xmlns:p14="http://schemas.microsoft.com/office/powerpoint/2010/main" xmlns:p15="http://schemas.microsoft.com/office/powerpoint/2012/main" xmlns:ahyp="http://schemas.microsoft.com/office/drawing/2018/hyperlinkcolor">
+<p:sld xmlns:a="http://schemas.openxmlformats.org/drawingml/2006/main" xmlns:r="http://schemas.openxmlformats.org/officeDocument/2006/relationships" xmlns:p="http://schemas.openxmlformats.org/presentationml/2006/main">
   <p:cSld>
     <p:spTree>
       <p:nvGrpSpPr>
-        <p:cNvPr id="70" name="Shape 70"/>
+        <p:cNvPr id="1" name="Shape 70"/>
         <p:cNvGrpSpPr/>
         <p:nvPr/>
       </p:nvGrpSpPr>
@@ -6576,7 +6751,9 @@
       <p:sp>
         <p:nvSpPr>
           <p:cNvPr id="71" name="Google Shape;71;p16"/>
-          <p:cNvSpPr txBox="1"/>
+          <p:cNvSpPr txBox="1">
+            <a:spLocks noGrp="1"/>
+          </p:cNvSpPr>
           <p:nvPr>
             <p:ph type="title"/>
           </p:nvPr>
@@ -6591,12 +6768,12 @@
           </a:prstGeom>
         </p:spPr>
         <p:txBody>
-          <a:bodyPr anchorCtr="0" anchor="t" bIns="91425" lIns="91425" spcFirstLastPara="1" rIns="91425" wrap="square" tIns="91425">
+          <a:bodyPr spcFirstLastPara="1" wrap="square" lIns="91425" tIns="91425" rIns="91425" bIns="91425" anchor="t" anchorCtr="0">
             <a:noAutofit/>
           </a:bodyPr>
           <a:lstStyle/>
           <a:p>
-            <a:pPr indent="0" lvl="0" marL="0" rtl="0" algn="l">
+            <a:pPr marL="0" lvl="0" indent="0" algn="l" rtl="0">
               <a:spcBef>
                 <a:spcPts val="0"/>
               </a:spcBef>
@@ -6616,9 +6793,11 @@
       <p:sp>
         <p:nvSpPr>
           <p:cNvPr id="72" name="Google Shape;72;p16"/>
-          <p:cNvSpPr txBox="1"/>
+          <p:cNvSpPr txBox="1">
+            <a:spLocks noGrp="1"/>
+          </p:cNvSpPr>
           <p:nvPr>
-            <p:ph idx="1" type="body"/>
+            <p:ph type="body" idx="1"/>
           </p:nvPr>
         </p:nvSpPr>
         <p:spPr>
@@ -6631,12 +6810,12 @@
           </a:prstGeom>
         </p:spPr>
         <p:txBody>
-          <a:bodyPr anchorCtr="0" anchor="t" bIns="91425" lIns="91425" spcFirstLastPara="1" rIns="91425" wrap="square" tIns="91425">
+          <a:bodyPr spcFirstLastPara="1" wrap="square" lIns="91425" tIns="91425" rIns="91425" bIns="91425" anchor="t" anchorCtr="0">
             <a:noAutofit/>
           </a:bodyPr>
           <a:lstStyle/>
           <a:p>
-            <a:pPr indent="-342900" lvl="0" marL="457200" rtl="0" algn="l">
+            <a:pPr marL="457200" lvl="0" indent="-342900" algn="l" rtl="0">
               <a:spcBef>
                 <a:spcPts val="0"/>
               </a:spcBef>
@@ -6653,7 +6832,7 @@
             <a:endParaRPr/>
           </a:p>
           <a:p>
-            <a:pPr indent="-342900" lvl="0" marL="457200" rtl="0" algn="l">
+            <a:pPr marL="457200" lvl="0" indent="-342900" algn="l" rtl="0">
               <a:spcBef>
                 <a:spcPts val="0"/>
               </a:spcBef>
@@ -6680,11 +6859,11 @@
 </file>
 
 <file path=ppt/slides/slide5.xml><?xml version="1.0" encoding="utf-8"?>
-<p:sld xmlns:a="http://schemas.openxmlformats.org/drawingml/2006/main" xmlns:r="http://schemas.openxmlformats.org/officeDocument/2006/relationships" xmlns:mc="http://schemas.openxmlformats.org/markup-compatibility/2006" xmlns:mv="urn:schemas-microsoft-com:mac:vml" xmlns:p="http://schemas.openxmlformats.org/presentationml/2006/main" xmlns:c="http://schemas.openxmlformats.org/drawingml/2006/chart" xmlns:dgm="http://schemas.openxmlformats.org/drawingml/2006/diagram" xmlns:o="urn:schemas-microsoft-com:office:office" xmlns:v="urn:schemas-microsoft-com:vml" xmlns:pvml="urn:schemas-microsoft-com:office:powerpoint" xmlns:com="http://schemas.openxmlformats.org/drawingml/2006/compatibility" xmlns:p14="http://schemas.microsoft.com/office/powerpoint/2010/main" xmlns:p15="http://schemas.microsoft.com/office/powerpoint/2012/main" xmlns:ahyp="http://schemas.microsoft.com/office/drawing/2018/hyperlinkcolor">
+<p:sld xmlns:a="http://schemas.openxmlformats.org/drawingml/2006/main" xmlns:r="http://schemas.openxmlformats.org/officeDocument/2006/relationships" xmlns:p="http://schemas.openxmlformats.org/presentationml/2006/main">
   <p:cSld>
     <p:spTree>
       <p:nvGrpSpPr>
-        <p:cNvPr id="76" name="Shape 76"/>
+        <p:cNvPr id="1" name="Shape 76"/>
         <p:cNvGrpSpPr/>
         <p:nvPr/>
       </p:nvGrpSpPr>
@@ -6699,7 +6878,9 @@
       <p:sp>
         <p:nvSpPr>
           <p:cNvPr id="77" name="Google Shape;77;p17"/>
-          <p:cNvSpPr txBox="1"/>
+          <p:cNvSpPr txBox="1">
+            <a:spLocks noGrp="1"/>
+          </p:cNvSpPr>
           <p:nvPr>
             <p:ph type="title"/>
           </p:nvPr>
@@ -6714,12 +6895,12 @@
           </a:prstGeom>
         </p:spPr>
         <p:txBody>
-          <a:bodyPr anchorCtr="0" anchor="t" bIns="91425" lIns="91425" spcFirstLastPara="1" rIns="91425" wrap="square" tIns="91425">
+          <a:bodyPr spcFirstLastPara="1" wrap="square" lIns="91425" tIns="91425" rIns="91425" bIns="91425" anchor="t" anchorCtr="0">
             <a:noAutofit/>
           </a:bodyPr>
           <a:lstStyle/>
           <a:p>
-            <a:pPr indent="0" lvl="0" marL="0" rtl="0" algn="l">
+            <a:pPr marL="0" lvl="0" indent="0" algn="l" rtl="0">
               <a:spcBef>
                 <a:spcPts val="0"/>
               </a:spcBef>
@@ -6739,9 +6920,11 @@
       <p:sp>
         <p:nvSpPr>
           <p:cNvPr id="78" name="Google Shape;78;p17"/>
-          <p:cNvSpPr txBox="1"/>
+          <p:cNvSpPr txBox="1">
+            <a:spLocks noGrp="1"/>
+          </p:cNvSpPr>
           <p:nvPr>
-            <p:ph idx="1" type="body"/>
+            <p:ph type="body" idx="1"/>
           </p:nvPr>
         </p:nvSpPr>
         <p:spPr>
@@ -6754,12 +6937,12 @@
           </a:prstGeom>
         </p:spPr>
         <p:txBody>
-          <a:bodyPr anchorCtr="0" anchor="t" bIns="91425" lIns="91425" spcFirstLastPara="1" rIns="91425" wrap="square" tIns="91425">
+          <a:bodyPr spcFirstLastPara="1" wrap="square" lIns="91425" tIns="91425" rIns="91425" bIns="91425" anchor="t" anchorCtr="0">
             <a:noAutofit/>
           </a:bodyPr>
           <a:lstStyle/>
           <a:p>
-            <a:pPr indent="-342900" lvl="0" marL="457200" rtl="0" algn="l">
+            <a:pPr marL="457200" lvl="0" indent="-342900" algn="l" rtl="0">
               <a:spcBef>
                 <a:spcPts val="0"/>
               </a:spcBef>
@@ -6776,7 +6959,7 @@
             <a:endParaRPr/>
           </a:p>
           <a:p>
-            <a:pPr indent="-342900" lvl="0" marL="457200" rtl="0" algn="l">
+            <a:pPr marL="457200" lvl="0" indent="-342900" algn="l" rtl="0">
               <a:spcBef>
                 <a:spcPts val="0"/>
               </a:spcBef>
@@ -6793,7 +6976,7 @@
             <a:endParaRPr/>
           </a:p>
           <a:p>
-            <a:pPr indent="0" lvl="0" marL="457200" rtl="0" algn="l">
+            <a:pPr marL="457200" lvl="0" indent="0" algn="l" rtl="0">
               <a:spcBef>
                 <a:spcPts val="1600"/>
               </a:spcBef>
@@ -6809,7 +6992,7 @@
             <a:endParaRPr/>
           </a:p>
           <a:p>
-            <a:pPr indent="0" lvl="0" marL="457200" rtl="0" algn="l">
+            <a:pPr marL="457200" lvl="0" indent="0" algn="l" rtl="0">
               <a:spcBef>
                 <a:spcPts val="1600"/>
               </a:spcBef>
@@ -6835,11 +7018,11 @@
 </file>
 
 <file path=ppt/slides/slide6.xml><?xml version="1.0" encoding="utf-8"?>
-<p:sld xmlns:a="http://schemas.openxmlformats.org/drawingml/2006/main" xmlns:r="http://schemas.openxmlformats.org/officeDocument/2006/relationships" xmlns:mc="http://schemas.openxmlformats.org/markup-compatibility/2006" xmlns:mv="urn:schemas-microsoft-com:mac:vml" xmlns:p="http://schemas.openxmlformats.org/presentationml/2006/main" xmlns:c="http://schemas.openxmlformats.org/drawingml/2006/chart" xmlns:dgm="http://schemas.openxmlformats.org/drawingml/2006/diagram" xmlns:o="urn:schemas-microsoft-com:office:office" xmlns:v="urn:schemas-microsoft-com:vml" xmlns:pvml="urn:schemas-microsoft-com:office:powerpoint" xmlns:com="http://schemas.openxmlformats.org/drawingml/2006/compatibility" xmlns:p14="http://schemas.microsoft.com/office/powerpoint/2010/main" xmlns:p15="http://schemas.microsoft.com/office/powerpoint/2012/main" xmlns:ahyp="http://schemas.microsoft.com/office/drawing/2018/hyperlinkcolor">
+<p:sld xmlns:a="http://schemas.openxmlformats.org/drawingml/2006/main" xmlns:r="http://schemas.openxmlformats.org/officeDocument/2006/relationships" xmlns:p="http://schemas.openxmlformats.org/presentationml/2006/main">
   <p:cSld>
     <p:spTree>
       <p:nvGrpSpPr>
-        <p:cNvPr id="82" name="Shape 82"/>
+        <p:cNvPr id="1" name="Shape 82"/>
         <p:cNvGrpSpPr/>
         <p:nvPr/>
       </p:nvGrpSpPr>
@@ -6854,7 +7037,9 @@
       <p:sp>
         <p:nvSpPr>
           <p:cNvPr id="83" name="Google Shape;83;p18"/>
-          <p:cNvSpPr txBox="1"/>
+          <p:cNvSpPr txBox="1">
+            <a:spLocks noGrp="1"/>
+          </p:cNvSpPr>
           <p:nvPr>
             <p:ph type="title"/>
           </p:nvPr>
@@ -6869,12 +7054,12 @@
           </a:prstGeom>
         </p:spPr>
         <p:txBody>
-          <a:bodyPr anchorCtr="0" anchor="t" bIns="91425" lIns="91425" spcFirstLastPara="1" rIns="91425" wrap="square" tIns="91425">
+          <a:bodyPr spcFirstLastPara="1" wrap="square" lIns="91425" tIns="91425" rIns="91425" bIns="91425" anchor="t" anchorCtr="0">
             <a:noAutofit/>
           </a:bodyPr>
           <a:lstStyle/>
           <a:p>
-            <a:pPr indent="0" lvl="0" marL="0" rtl="0" algn="l">
+            <a:pPr marL="0" lvl="0" indent="0" algn="l" rtl="0">
               <a:spcBef>
                 <a:spcPts val="0"/>
               </a:spcBef>
@@ -6894,9 +7079,11 @@
       <p:sp>
         <p:nvSpPr>
           <p:cNvPr id="84" name="Google Shape;84;p18"/>
-          <p:cNvSpPr txBox="1"/>
+          <p:cNvSpPr txBox="1">
+            <a:spLocks noGrp="1"/>
+          </p:cNvSpPr>
           <p:nvPr>
-            <p:ph idx="1" type="body"/>
+            <p:ph type="body" idx="1"/>
           </p:nvPr>
         </p:nvSpPr>
         <p:spPr>
@@ -6909,12 +7096,12 @@
           </a:prstGeom>
         </p:spPr>
         <p:txBody>
-          <a:bodyPr anchorCtr="0" anchor="t" bIns="91425" lIns="91425" spcFirstLastPara="1" rIns="91425" wrap="square" tIns="91425">
+          <a:bodyPr spcFirstLastPara="1" wrap="square" lIns="91425" tIns="91425" rIns="91425" bIns="91425" anchor="t" anchorCtr="0">
             <a:noAutofit/>
           </a:bodyPr>
           <a:lstStyle/>
           <a:p>
-            <a:pPr indent="-342900" lvl="0" marL="457200" rtl="0" algn="l">
+            <a:pPr marL="457200" lvl="0" indent="-342900" algn="l" rtl="0">
               <a:spcBef>
                 <a:spcPts val="0"/>
               </a:spcBef>
@@ -6931,7 +7118,7 @@
             <a:endParaRPr/>
           </a:p>
           <a:p>
-            <a:pPr indent="-342900" lvl="0" marL="457200" rtl="0" algn="l">
+            <a:pPr marL="457200" lvl="0" indent="-342900" algn="l" rtl="0">
               <a:spcBef>
                 <a:spcPts val="0"/>
               </a:spcBef>
@@ -6958,11 +7145,11 @@
 </file>
 
 <file path=ppt/slides/slide7.xml><?xml version="1.0" encoding="utf-8"?>
-<p:sld xmlns:a="http://schemas.openxmlformats.org/drawingml/2006/main" xmlns:r="http://schemas.openxmlformats.org/officeDocument/2006/relationships" xmlns:mc="http://schemas.openxmlformats.org/markup-compatibility/2006" xmlns:mv="urn:schemas-microsoft-com:mac:vml" xmlns:p="http://schemas.openxmlformats.org/presentationml/2006/main" xmlns:c="http://schemas.openxmlformats.org/drawingml/2006/chart" xmlns:dgm="http://schemas.openxmlformats.org/drawingml/2006/diagram" xmlns:o="urn:schemas-microsoft-com:office:office" xmlns:v="urn:schemas-microsoft-com:vml" xmlns:pvml="urn:schemas-microsoft-com:office:powerpoint" xmlns:com="http://schemas.openxmlformats.org/drawingml/2006/compatibility" xmlns:p14="http://schemas.microsoft.com/office/powerpoint/2010/main" xmlns:p15="http://schemas.microsoft.com/office/powerpoint/2012/main" xmlns:ahyp="http://schemas.microsoft.com/office/drawing/2018/hyperlinkcolor">
+<p:sld xmlns:a="http://schemas.openxmlformats.org/drawingml/2006/main" xmlns:r="http://schemas.openxmlformats.org/officeDocument/2006/relationships" xmlns:p="http://schemas.openxmlformats.org/presentationml/2006/main">
   <p:cSld>
     <p:spTree>
       <p:nvGrpSpPr>
-        <p:cNvPr id="88" name="Shape 88"/>
+        <p:cNvPr id="1" name="Shape 88"/>
         <p:cNvGrpSpPr/>
         <p:nvPr/>
       </p:nvGrpSpPr>
@@ -6977,7 +7164,9 @@
       <p:sp>
         <p:nvSpPr>
           <p:cNvPr id="89" name="Google Shape;89;p19"/>
-          <p:cNvSpPr txBox="1"/>
+          <p:cNvSpPr txBox="1">
+            <a:spLocks noGrp="1"/>
+          </p:cNvSpPr>
           <p:nvPr>
             <p:ph type="title"/>
           </p:nvPr>
@@ -6992,12 +7181,12 @@
           </a:prstGeom>
         </p:spPr>
         <p:txBody>
-          <a:bodyPr anchorCtr="0" anchor="t" bIns="91425" lIns="91425" spcFirstLastPara="1" rIns="91425" wrap="square" tIns="91425">
+          <a:bodyPr spcFirstLastPara="1" wrap="square" lIns="91425" tIns="91425" rIns="91425" bIns="91425" anchor="t" anchorCtr="0">
             <a:noAutofit/>
           </a:bodyPr>
           <a:lstStyle/>
           <a:p>
-            <a:pPr indent="0" lvl="0" marL="0" rtl="0" algn="l">
+            <a:pPr marL="0" lvl="0" indent="0" algn="l" rtl="0">
               <a:spcBef>
                 <a:spcPts val="0"/>
               </a:spcBef>
@@ -7017,9 +7206,11 @@
       <p:sp>
         <p:nvSpPr>
           <p:cNvPr id="90" name="Google Shape;90;p19"/>
-          <p:cNvSpPr txBox="1"/>
+          <p:cNvSpPr txBox="1">
+            <a:spLocks noGrp="1"/>
+          </p:cNvSpPr>
           <p:nvPr>
-            <p:ph idx="1" type="body"/>
+            <p:ph type="body" idx="1"/>
           </p:nvPr>
         </p:nvSpPr>
         <p:spPr>
@@ -7032,12 +7223,12 @@
           </a:prstGeom>
         </p:spPr>
         <p:txBody>
-          <a:bodyPr anchorCtr="0" anchor="t" bIns="91425" lIns="91425" spcFirstLastPara="1" rIns="91425" wrap="square" tIns="91425">
+          <a:bodyPr spcFirstLastPara="1" wrap="square" lIns="91425" tIns="91425" rIns="91425" bIns="91425" anchor="t" anchorCtr="0">
             <a:noAutofit/>
           </a:bodyPr>
           <a:lstStyle/>
           <a:p>
-            <a:pPr indent="-342900" lvl="0" marL="457200" rtl="0" algn="l">
+            <a:pPr marL="457200" lvl="0" indent="-342900" algn="l" rtl="0">
               <a:spcBef>
                 <a:spcPts val="0"/>
               </a:spcBef>
@@ -7054,7 +7245,7 @@
             <a:endParaRPr/>
           </a:p>
           <a:p>
-            <a:pPr indent="-342900" lvl="0" marL="457200" rtl="0" algn="l">
+            <a:pPr marL="457200" lvl="0" indent="-342900" algn="l" rtl="0">
               <a:spcBef>
                 <a:spcPts val="0"/>
               </a:spcBef>
@@ -7081,7 +7272,288 @@
 </file>
 
 <file path=ppt/theme/theme1.xml><?xml version="1.0" encoding="utf-8"?>
-<a:theme xmlns:a="http://schemas.openxmlformats.org/drawingml/2006/main" xmlns:r="http://schemas.openxmlformats.org/officeDocument/2006/relationships">
+<a:theme xmlns:a="http://schemas.openxmlformats.org/drawingml/2006/main" name="Simple Light">
+  <a:themeElements>
+    <a:clrScheme name="Simple Light">
+      <a:dk1>
+        <a:srgbClr val="000000"/>
+      </a:dk1>
+      <a:lt1>
+        <a:srgbClr val="FFFFFF"/>
+      </a:lt1>
+      <a:dk2>
+        <a:srgbClr val="595959"/>
+      </a:dk2>
+      <a:lt2>
+        <a:srgbClr val="EEEEEE"/>
+      </a:lt2>
+      <a:accent1>
+        <a:srgbClr val="FFAB40"/>
+      </a:accent1>
+      <a:accent2>
+        <a:srgbClr val="212121"/>
+      </a:accent2>
+      <a:accent3>
+        <a:srgbClr val="78909C"/>
+      </a:accent3>
+      <a:accent4>
+        <a:srgbClr val="FFAB40"/>
+      </a:accent4>
+      <a:accent5>
+        <a:srgbClr val="0097A7"/>
+      </a:accent5>
+      <a:accent6>
+        <a:srgbClr val="EEFF41"/>
+      </a:accent6>
+      <a:hlink>
+        <a:srgbClr val="0097A7"/>
+      </a:hlink>
+      <a:folHlink>
+        <a:srgbClr val="0097A7"/>
+      </a:folHlink>
+    </a:clrScheme>
+    <a:fontScheme name="Office">
+      <a:majorFont>
+        <a:latin typeface="Arial"/>
+        <a:ea typeface=""/>
+        <a:cs typeface=""/>
+        <a:font script="Jpan" typeface="ＭＳ Ｐゴシック"/>
+        <a:font script="Hang" typeface="맑은 고딕"/>
+        <a:font script="Hans" typeface="宋体"/>
+        <a:font script="Hant" typeface="新細明體"/>
+        <a:font script="Arab" typeface="Times New Roman"/>
+        <a:font script="Hebr" typeface="Times New Roman"/>
+        <a:font script="Thai" typeface="Angsana New"/>
+        <a:font script="Ethi" typeface="Nyala"/>
+        <a:font script="Beng" typeface="Vrinda"/>
+        <a:font script="Gujr" typeface="Shruti"/>
+        <a:font script="Khmr" typeface="MoolBoran"/>
+        <a:font script="Knda" typeface="Tunga"/>
+        <a:font script="Guru" typeface="Raavi"/>
+        <a:font script="Cans" typeface="Euphemia"/>
+        <a:font script="Cher" typeface="Plantagenet Cherokee"/>
+        <a:font script="Yiii" typeface="Microsoft Yi Baiti"/>
+        <a:font script="Tibt" typeface="Microsoft Himalaya"/>
+        <a:font script="Thaa" typeface="MV Boli"/>
+        <a:font script="Deva" typeface="Mangal"/>
+        <a:font script="Telu" typeface="Gautami"/>
+        <a:font script="Taml" typeface="Latha"/>
+        <a:font script="Syrc" typeface="Estrangelo Edessa"/>
+        <a:font script="Orya" typeface="Kalinga"/>
+        <a:font script="Mlym" typeface="Kartika"/>
+        <a:font script="Laoo" typeface="DokChampa"/>
+        <a:font script="Sinh" typeface="Iskoola Pota"/>
+        <a:font script="Mong" typeface="Mongolian Baiti"/>
+        <a:font script="Viet" typeface="Times New Roman"/>
+        <a:font script="Uigh" typeface="Microsoft Uighur"/>
+        <a:font script="Geor" typeface="Sylfaen"/>
+      </a:majorFont>
+      <a:minorFont>
+        <a:latin typeface="Arial"/>
+        <a:ea typeface=""/>
+        <a:cs typeface=""/>
+        <a:font script="Jpan" typeface="ＭＳ Ｐゴシック"/>
+        <a:font script="Hang" typeface="맑은 고딕"/>
+        <a:font script="Hans" typeface="宋体"/>
+        <a:font script="Hant" typeface="新細明體"/>
+        <a:font script="Arab" typeface="Arial"/>
+        <a:font script="Hebr" typeface="Arial"/>
+        <a:font script="Thai" typeface="Cordia New"/>
+        <a:font script="Ethi" typeface="Nyala"/>
+        <a:font script="Beng" typeface="Vrinda"/>
+        <a:font script="Gujr" typeface="Shruti"/>
+        <a:font script="Khmr" typeface="DaunPenh"/>
+        <a:font script="Knda" typeface="Tunga"/>
+        <a:font script="Guru" typeface="Raavi"/>
+        <a:font script="Cans" typeface="Euphemia"/>
+        <a:font script="Cher" typeface="Plantagenet Cherokee"/>
+        <a:font script="Yiii" typeface="Microsoft Yi Baiti"/>
+        <a:font script="Tibt" typeface="Microsoft Himalaya"/>
+        <a:font script="Thaa" typeface="MV Boli"/>
+        <a:font script="Deva" typeface="Mangal"/>
+        <a:font script="Telu" typeface="Gautami"/>
+        <a:font script="Taml" typeface="Latha"/>
+        <a:font script="Syrc" typeface="Estrangelo Edessa"/>
+        <a:font script="Orya" typeface="Kalinga"/>
+        <a:font script="Mlym" typeface="Kartika"/>
+        <a:font script="Laoo" typeface="DokChampa"/>
+        <a:font script="Sinh" typeface="Iskoola Pota"/>
+        <a:font script="Mong" typeface="Mongolian Baiti"/>
+        <a:font script="Viet" typeface="Arial"/>
+        <a:font script="Uigh" typeface="Microsoft Uighur"/>
+        <a:font script="Geor" typeface="Sylfaen"/>
+      </a:minorFont>
+    </a:fontScheme>
+    <a:fmtScheme name="Office">
+      <a:fillStyleLst>
+        <a:solidFill>
+          <a:schemeClr val="phClr"/>
+        </a:solidFill>
+        <a:gradFill rotWithShape="1">
+          <a:gsLst>
+            <a:gs pos="0">
+              <a:schemeClr val="phClr">
+                <a:tint val="50000"/>
+                <a:satMod val="300000"/>
+              </a:schemeClr>
+            </a:gs>
+            <a:gs pos="35000">
+              <a:schemeClr val="phClr">
+                <a:tint val="37000"/>
+                <a:satMod val="300000"/>
+              </a:schemeClr>
+            </a:gs>
+            <a:gs pos="100000">
+              <a:schemeClr val="phClr">
+                <a:tint val="15000"/>
+                <a:satMod val="350000"/>
+              </a:schemeClr>
+            </a:gs>
+          </a:gsLst>
+          <a:lin ang="16200000" scaled="1"/>
+        </a:gradFill>
+        <a:gradFill rotWithShape="1">
+          <a:gsLst>
+            <a:gs pos="0">
+              <a:schemeClr val="phClr">
+                <a:tint val="100000"/>
+                <a:shade val="100000"/>
+                <a:satMod val="130000"/>
+              </a:schemeClr>
+            </a:gs>
+            <a:gs pos="100000">
+              <a:schemeClr val="phClr">
+                <a:tint val="50000"/>
+                <a:shade val="100000"/>
+                <a:satMod val="350000"/>
+              </a:schemeClr>
+            </a:gs>
+          </a:gsLst>
+          <a:lin ang="16200000" scaled="0"/>
+        </a:gradFill>
+      </a:fillStyleLst>
+      <a:lnStyleLst>
+        <a:ln w="9525" cap="flat" cmpd="sng" algn="ctr">
+          <a:solidFill>
+            <a:schemeClr val="phClr">
+              <a:shade val="95000"/>
+              <a:satMod val="105000"/>
+            </a:schemeClr>
+          </a:solidFill>
+          <a:prstDash val="solid"/>
+        </a:ln>
+        <a:ln w="25400" cap="flat" cmpd="sng" algn="ctr">
+          <a:solidFill>
+            <a:schemeClr val="phClr"/>
+          </a:solidFill>
+          <a:prstDash val="solid"/>
+        </a:ln>
+        <a:ln w="38100" cap="flat" cmpd="sng" algn="ctr">
+          <a:solidFill>
+            <a:schemeClr val="phClr"/>
+          </a:solidFill>
+          <a:prstDash val="solid"/>
+        </a:ln>
+      </a:lnStyleLst>
+      <a:effectStyleLst>
+        <a:effectStyle>
+          <a:effectLst>
+            <a:outerShdw blurRad="40000" dist="20000" dir="5400000" rotWithShape="0">
+              <a:srgbClr val="000000">
+                <a:alpha val="38000"/>
+              </a:srgbClr>
+            </a:outerShdw>
+          </a:effectLst>
+        </a:effectStyle>
+        <a:effectStyle>
+          <a:effectLst>
+            <a:outerShdw blurRad="40000" dist="23000" dir="5400000" rotWithShape="0">
+              <a:srgbClr val="000000">
+                <a:alpha val="35000"/>
+              </a:srgbClr>
+            </a:outerShdw>
+          </a:effectLst>
+        </a:effectStyle>
+        <a:effectStyle>
+          <a:effectLst>
+            <a:outerShdw blurRad="40000" dist="23000" dir="5400000" rotWithShape="0">
+              <a:srgbClr val="000000">
+                <a:alpha val="35000"/>
+              </a:srgbClr>
+            </a:outerShdw>
+          </a:effectLst>
+          <a:scene3d>
+            <a:camera prst="orthographicFront">
+              <a:rot lat="0" lon="0" rev="0"/>
+            </a:camera>
+            <a:lightRig rig="threePt" dir="t">
+              <a:rot lat="0" lon="0" rev="1200000"/>
+            </a:lightRig>
+          </a:scene3d>
+          <a:sp3d>
+            <a:bevelT w="63500" h="25400"/>
+          </a:sp3d>
+        </a:effectStyle>
+      </a:effectStyleLst>
+      <a:bgFillStyleLst>
+        <a:solidFill>
+          <a:schemeClr val="phClr"/>
+        </a:solidFill>
+        <a:gradFill rotWithShape="1">
+          <a:gsLst>
+            <a:gs pos="0">
+              <a:schemeClr val="phClr">
+                <a:tint val="40000"/>
+                <a:satMod val="350000"/>
+              </a:schemeClr>
+            </a:gs>
+            <a:gs pos="40000">
+              <a:schemeClr val="phClr">
+                <a:tint val="45000"/>
+                <a:shade val="99000"/>
+                <a:satMod val="350000"/>
+              </a:schemeClr>
+            </a:gs>
+            <a:gs pos="100000">
+              <a:schemeClr val="phClr">
+                <a:shade val="20000"/>
+                <a:satMod val="255000"/>
+              </a:schemeClr>
+            </a:gs>
+          </a:gsLst>
+          <a:path path="circle">
+            <a:fillToRect l="50000" t="-80000" r="50000" b="180000"/>
+          </a:path>
+        </a:gradFill>
+        <a:gradFill rotWithShape="1">
+          <a:gsLst>
+            <a:gs pos="0">
+              <a:schemeClr val="phClr">
+                <a:tint val="80000"/>
+                <a:satMod val="300000"/>
+              </a:schemeClr>
+            </a:gs>
+            <a:gs pos="100000">
+              <a:schemeClr val="phClr">
+                <a:shade val="30000"/>
+                <a:satMod val="200000"/>
+              </a:schemeClr>
+            </a:gs>
+          </a:gsLst>
+          <a:path path="circle">
+            <a:fillToRect l="50000" t="50000" r="50000" b="50000"/>
+          </a:path>
+        </a:gradFill>
+      </a:bgFillStyleLst>
+    </a:fmtScheme>
+  </a:themeElements>
+  <a:objectDefaults/>
+  <a:extraClrSchemeLst/>
+</a:theme>
+</file>
+
+<file path=ppt/theme/theme2.xml><?xml version="1.0" encoding="utf-8"?>
+<a:theme xmlns:a="http://schemas.openxmlformats.org/drawingml/2006/main">
   <a:themeElements>
     <a:clrScheme name="Default">
       <a:dk1>
@@ -7356,284 +7828,7 @@
       </a:bgFillStyleLst>
     </a:fmtScheme>
   </a:themeElements>
-</a:theme>
-</file>
-
-<file path=ppt/theme/theme2.xml><?xml version="1.0" encoding="utf-8"?>
-<a:theme xmlns:a="http://schemas.openxmlformats.org/drawingml/2006/main" xmlns:r="http://schemas.openxmlformats.org/officeDocument/2006/relationships" name="Simple Light">
-  <a:themeElements>
-    <a:clrScheme name="Simple Light">
-      <a:dk1>
-        <a:srgbClr val="000000"/>
-      </a:dk1>
-      <a:lt1>
-        <a:srgbClr val="FFFFFF"/>
-      </a:lt1>
-      <a:dk2>
-        <a:srgbClr val="595959"/>
-      </a:dk2>
-      <a:lt2>
-        <a:srgbClr val="EEEEEE"/>
-      </a:lt2>
-      <a:accent1>
-        <a:srgbClr val="FFAB40"/>
-      </a:accent1>
-      <a:accent2>
-        <a:srgbClr val="212121"/>
-      </a:accent2>
-      <a:accent3>
-        <a:srgbClr val="78909C"/>
-      </a:accent3>
-      <a:accent4>
-        <a:srgbClr val="FFAB40"/>
-      </a:accent4>
-      <a:accent5>
-        <a:srgbClr val="0097A7"/>
-      </a:accent5>
-      <a:accent6>
-        <a:srgbClr val="EEFF41"/>
-      </a:accent6>
-      <a:hlink>
-        <a:srgbClr val="0097A7"/>
-      </a:hlink>
-      <a:folHlink>
-        <a:srgbClr val="0097A7"/>
-      </a:folHlink>
-    </a:clrScheme>
-    <a:fontScheme name="Office">
-      <a:majorFont>
-        <a:latin typeface="Arial"/>
-        <a:ea typeface=""/>
-        <a:cs typeface=""/>
-        <a:font script="Jpan" typeface="ＭＳ Ｐゴシック"/>
-        <a:font script="Hang" typeface="맑은 고딕"/>
-        <a:font script="Hans" typeface="宋体"/>
-        <a:font script="Hant" typeface="新細明體"/>
-        <a:font script="Arab" typeface="Times New Roman"/>
-        <a:font script="Hebr" typeface="Times New Roman"/>
-        <a:font script="Thai" typeface="Angsana New"/>
-        <a:font script="Ethi" typeface="Nyala"/>
-        <a:font script="Beng" typeface="Vrinda"/>
-        <a:font script="Gujr" typeface="Shruti"/>
-        <a:font script="Khmr" typeface="MoolBoran"/>
-        <a:font script="Knda" typeface="Tunga"/>
-        <a:font script="Guru" typeface="Raavi"/>
-        <a:font script="Cans" typeface="Euphemia"/>
-        <a:font script="Cher" typeface="Plantagenet Cherokee"/>
-        <a:font script="Yiii" typeface="Microsoft Yi Baiti"/>
-        <a:font script="Tibt" typeface="Microsoft Himalaya"/>
-        <a:font script="Thaa" typeface="MV Boli"/>
-        <a:font script="Deva" typeface="Mangal"/>
-        <a:font script="Telu" typeface="Gautami"/>
-        <a:font script="Taml" typeface="Latha"/>
-        <a:font script="Syrc" typeface="Estrangelo Edessa"/>
-        <a:font script="Orya" typeface="Kalinga"/>
-        <a:font script="Mlym" typeface="Kartika"/>
-        <a:font script="Laoo" typeface="DokChampa"/>
-        <a:font script="Sinh" typeface="Iskoola Pota"/>
-        <a:font script="Mong" typeface="Mongolian Baiti"/>
-        <a:font script="Viet" typeface="Times New Roman"/>
-        <a:font script="Uigh" typeface="Microsoft Uighur"/>
-        <a:font script="Geor" typeface="Sylfaen"/>
-      </a:majorFont>
-      <a:minorFont>
-        <a:latin typeface="Arial"/>
-        <a:ea typeface=""/>
-        <a:cs typeface=""/>
-        <a:font script="Jpan" typeface="ＭＳ Ｐゴシック"/>
-        <a:font script="Hang" typeface="맑은 고딕"/>
-        <a:font script="Hans" typeface="宋体"/>
-        <a:font script="Hant" typeface="新細明體"/>
-        <a:font script="Arab" typeface="Arial"/>
-        <a:font script="Hebr" typeface="Arial"/>
-        <a:font script="Thai" typeface="Cordia New"/>
-        <a:font script="Ethi" typeface="Nyala"/>
-        <a:font script="Beng" typeface="Vrinda"/>
-        <a:font script="Gujr" typeface="Shruti"/>
-        <a:font script="Khmr" typeface="DaunPenh"/>
-        <a:font script="Knda" typeface="Tunga"/>
-        <a:font script="Guru" typeface="Raavi"/>
-        <a:font script="Cans" typeface="Euphemia"/>
-        <a:font script="Cher" typeface="Plantagenet Cherokee"/>
-        <a:font script="Yiii" typeface="Microsoft Yi Baiti"/>
-        <a:font script="Tibt" typeface="Microsoft Himalaya"/>
-        <a:font script="Thaa" typeface="MV Boli"/>
-        <a:font script="Deva" typeface="Mangal"/>
-        <a:font script="Telu" typeface="Gautami"/>
-        <a:font script="Taml" typeface="Latha"/>
-        <a:font script="Syrc" typeface="Estrangelo Edessa"/>
-        <a:font script="Orya" typeface="Kalinga"/>
-        <a:font script="Mlym" typeface="Kartika"/>
-        <a:font script="Laoo" typeface="DokChampa"/>
-        <a:font script="Sinh" typeface="Iskoola Pota"/>
-        <a:font script="Mong" typeface="Mongolian Baiti"/>
-        <a:font script="Viet" typeface="Arial"/>
-        <a:font script="Uigh" typeface="Microsoft Uighur"/>
-        <a:font script="Geor" typeface="Sylfaen"/>
-      </a:minorFont>
-    </a:fontScheme>
-    <a:fmtScheme name="Office">
-      <a:fillStyleLst>
-        <a:solidFill>
-          <a:schemeClr val="phClr"/>
-        </a:solidFill>
-        <a:gradFill rotWithShape="1">
-          <a:gsLst>
-            <a:gs pos="0">
-              <a:schemeClr val="phClr">
-                <a:tint val="50000"/>
-                <a:satMod val="300000"/>
-              </a:schemeClr>
-            </a:gs>
-            <a:gs pos="35000">
-              <a:schemeClr val="phClr">
-                <a:tint val="37000"/>
-                <a:satMod val="300000"/>
-              </a:schemeClr>
-            </a:gs>
-            <a:gs pos="100000">
-              <a:schemeClr val="phClr">
-                <a:tint val="15000"/>
-                <a:satMod val="350000"/>
-              </a:schemeClr>
-            </a:gs>
-          </a:gsLst>
-          <a:lin ang="16200000" scaled="1"/>
-        </a:gradFill>
-        <a:gradFill rotWithShape="1">
-          <a:gsLst>
-            <a:gs pos="0">
-              <a:schemeClr val="phClr">
-                <a:tint val="100000"/>
-                <a:shade val="100000"/>
-                <a:satMod val="130000"/>
-              </a:schemeClr>
-            </a:gs>
-            <a:gs pos="100000">
-              <a:schemeClr val="phClr">
-                <a:tint val="50000"/>
-                <a:shade val="100000"/>
-                <a:satMod val="350000"/>
-              </a:schemeClr>
-            </a:gs>
-          </a:gsLst>
-          <a:lin ang="16200000" scaled="0"/>
-        </a:gradFill>
-      </a:fillStyleLst>
-      <a:lnStyleLst>
-        <a:ln w="9525" cap="flat" cmpd="sng" algn="ctr">
-          <a:solidFill>
-            <a:schemeClr val="phClr">
-              <a:shade val="95000"/>
-              <a:satMod val="105000"/>
-            </a:schemeClr>
-          </a:solidFill>
-          <a:prstDash val="solid"/>
-        </a:ln>
-        <a:ln w="25400" cap="flat" cmpd="sng" algn="ctr">
-          <a:solidFill>
-            <a:schemeClr val="phClr"/>
-          </a:solidFill>
-          <a:prstDash val="solid"/>
-        </a:ln>
-        <a:ln w="38100" cap="flat" cmpd="sng" algn="ctr">
-          <a:solidFill>
-            <a:schemeClr val="phClr"/>
-          </a:solidFill>
-          <a:prstDash val="solid"/>
-        </a:ln>
-      </a:lnStyleLst>
-      <a:effectStyleLst>
-        <a:effectStyle>
-          <a:effectLst>
-            <a:outerShdw blurRad="40000" dist="20000" dir="5400000" rotWithShape="0">
-              <a:srgbClr val="000000">
-                <a:alpha val="38000"/>
-              </a:srgbClr>
-            </a:outerShdw>
-          </a:effectLst>
-        </a:effectStyle>
-        <a:effectStyle>
-          <a:effectLst>
-            <a:outerShdw blurRad="40000" dist="23000" dir="5400000" rotWithShape="0">
-              <a:srgbClr val="000000">
-                <a:alpha val="35000"/>
-              </a:srgbClr>
-            </a:outerShdw>
-          </a:effectLst>
-        </a:effectStyle>
-        <a:effectStyle>
-          <a:effectLst>
-            <a:outerShdw blurRad="40000" dist="23000" dir="5400000" rotWithShape="0">
-              <a:srgbClr val="000000">
-                <a:alpha val="35000"/>
-              </a:srgbClr>
-            </a:outerShdw>
-          </a:effectLst>
-          <a:scene3d>
-            <a:camera prst="orthographicFront">
-              <a:rot lat="0" lon="0" rev="0"/>
-            </a:camera>
-            <a:lightRig rig="threePt" dir="t">
-              <a:rot lat="0" lon="0" rev="1200000"/>
-            </a:lightRig>
-          </a:scene3d>
-          <a:sp3d>
-            <a:bevelT w="63500" h="25400"/>
-          </a:sp3d>
-        </a:effectStyle>
-      </a:effectStyleLst>
-      <a:bgFillStyleLst>
-        <a:solidFill>
-          <a:schemeClr val="phClr"/>
-        </a:solidFill>
-        <a:gradFill rotWithShape="1">
-          <a:gsLst>
-            <a:gs pos="0">
-              <a:schemeClr val="phClr">
-                <a:tint val="40000"/>
-                <a:satMod val="350000"/>
-              </a:schemeClr>
-            </a:gs>
-            <a:gs pos="40000">
-              <a:schemeClr val="phClr">
-                <a:tint val="45000"/>
-                <a:shade val="99000"/>
-                <a:satMod val="350000"/>
-              </a:schemeClr>
-            </a:gs>
-            <a:gs pos="100000">
-              <a:schemeClr val="phClr">
-                <a:shade val="20000"/>
-                <a:satMod val="255000"/>
-              </a:schemeClr>
-            </a:gs>
-          </a:gsLst>
-          <a:path path="circle">
-            <a:fillToRect l="50000" t="-80000" r="50000" b="180000"/>
-          </a:path>
-        </a:gradFill>
-        <a:gradFill rotWithShape="1">
-          <a:gsLst>
-            <a:gs pos="0">
-              <a:schemeClr val="phClr">
-                <a:tint val="80000"/>
-                <a:satMod val="300000"/>
-              </a:schemeClr>
-            </a:gs>
-            <a:gs pos="100000">
-              <a:schemeClr val="phClr">
-                <a:shade val="30000"/>
-                <a:satMod val="200000"/>
-              </a:schemeClr>
-            </a:gs>
-          </a:gsLst>
-          <a:path path="circle">
-            <a:fillToRect l="50000" t="50000" r="50000" b="50000"/>
-          </a:path>
-        </a:gradFill>
-      </a:bgFillStyleLst>
-    </a:fmtScheme>
-  </a:themeElements>
+  <a:objectDefaults/>
+  <a:extraClrSchemeLst/>
 </a:theme>
 </file>